--- a/masters/presentation/presentation.pptx
+++ b/masters/presentation/presentation.pptx
@@ -5,7 +5,7 @@
     <p:sldMasterId id="2147483648" r:id="rId1"/>
   </p:sldMasterIdLst>
   <p:notesMasterIdLst>
-    <p:notesMasterId r:id="rId22"/>
+    <p:notesMasterId r:id="rId27"/>
   </p:notesMasterIdLst>
   <p:sldIdLst>
     <p:sldId id="256" r:id="rId2"/>
@@ -21,13 +21,18 @@
     <p:sldId id="274" r:id="rId12"/>
     <p:sldId id="269" r:id="rId13"/>
     <p:sldId id="276" r:id="rId14"/>
-    <p:sldId id="277" r:id="rId15"/>
+    <p:sldId id="282" r:id="rId15"/>
     <p:sldId id="270" r:id="rId16"/>
     <p:sldId id="268" r:id="rId17"/>
     <p:sldId id="272" r:id="rId18"/>
-    <p:sldId id="275" r:id="rId19"/>
-    <p:sldId id="264" r:id="rId20"/>
-    <p:sldId id="273" r:id="rId21"/>
+    <p:sldId id="283" r:id="rId19"/>
+    <p:sldId id="284" r:id="rId20"/>
+    <p:sldId id="285" r:id="rId21"/>
+    <p:sldId id="275" r:id="rId22"/>
+    <p:sldId id="264" r:id="rId23"/>
+    <p:sldId id="277" r:id="rId24"/>
+    <p:sldId id="273" r:id="rId25"/>
+    <p:sldId id="286" r:id="rId26"/>
   </p:sldIdLst>
   <p:sldSz cx="12192000" cy="6858000"/>
   <p:notesSz cx="6858000" cy="9144000"/>
@@ -129,7 +134,7 @@
   <p:extLst>
     <p:ext uri="{EFAFB233-063F-42B5-8137-9DF3F51BA10A}">
       <p15:sldGuideLst xmlns:p15="http://schemas.microsoft.com/office/powerpoint/2012/main">
-        <p15:guide id="1" orient="horz" pos="2160" userDrawn="1">
+        <p15:guide id="1" orient="horz" pos="2184" userDrawn="1">
           <p15:clr>
             <a:srgbClr val="A4A3A4"/>
           </p15:clr>
@@ -7071,7 +7076,7 @@
           <a:p>
             <a:fld id="{F582243B-EE75-4212-BB2B-DA6BD3F409F7}" type="datetimeFigureOut">
               <a:rPr lang="en-US" smtClean="0"/>
-              <a:t>4/29/2025</a:t>
+              <a:t>11/4/2025</a:t>
             </a:fld>
             <a:endParaRPr lang="en-US"/>
           </a:p>
@@ -7626,7 +7631,7 @@
           <a:p>
             <a:fld id="{70A3E874-6855-4048-89B9-D7F86E5CDE00}" type="datetimeFigureOut">
               <a:rPr lang="ru-RU" smtClean="0"/>
-              <a:t>29.04.2025</a:t>
+              <a:t>04.11.2025</a:t>
             </a:fld>
             <a:endParaRPr lang="ru-RU"/>
           </a:p>
@@ -7826,7 +7831,7 @@
           <a:p>
             <a:fld id="{70A3E874-6855-4048-89B9-D7F86E5CDE00}" type="datetimeFigureOut">
               <a:rPr lang="ru-RU" smtClean="0"/>
-              <a:t>29.04.2025</a:t>
+              <a:t>04.11.2025</a:t>
             </a:fld>
             <a:endParaRPr lang="ru-RU"/>
           </a:p>
@@ -8036,7 +8041,7 @@
           <a:p>
             <a:fld id="{70A3E874-6855-4048-89B9-D7F86E5CDE00}" type="datetimeFigureOut">
               <a:rPr lang="ru-RU" smtClean="0"/>
-              <a:t>29.04.2025</a:t>
+              <a:t>04.11.2025</a:t>
             </a:fld>
             <a:endParaRPr lang="ru-RU"/>
           </a:p>
@@ -8236,7 +8241,7 @@
           <a:p>
             <a:fld id="{70A3E874-6855-4048-89B9-D7F86E5CDE00}" type="datetimeFigureOut">
               <a:rPr lang="ru-RU" smtClean="0"/>
-              <a:t>29.04.2025</a:t>
+              <a:t>04.11.2025</a:t>
             </a:fld>
             <a:endParaRPr lang="ru-RU"/>
           </a:p>
@@ -8512,7 +8517,7 @@
           <a:p>
             <a:fld id="{70A3E874-6855-4048-89B9-D7F86E5CDE00}" type="datetimeFigureOut">
               <a:rPr lang="ru-RU" smtClean="0"/>
-              <a:t>29.04.2025</a:t>
+              <a:t>04.11.2025</a:t>
             </a:fld>
             <a:endParaRPr lang="ru-RU"/>
           </a:p>
@@ -8780,7 +8785,7 @@
           <a:p>
             <a:fld id="{70A3E874-6855-4048-89B9-D7F86E5CDE00}" type="datetimeFigureOut">
               <a:rPr lang="ru-RU" smtClean="0"/>
-              <a:t>29.04.2025</a:t>
+              <a:t>04.11.2025</a:t>
             </a:fld>
             <a:endParaRPr lang="ru-RU"/>
           </a:p>
@@ -9195,7 +9200,7 @@
           <a:p>
             <a:fld id="{70A3E874-6855-4048-89B9-D7F86E5CDE00}" type="datetimeFigureOut">
               <a:rPr lang="ru-RU" smtClean="0"/>
-              <a:t>29.04.2025</a:t>
+              <a:t>04.11.2025</a:t>
             </a:fld>
             <a:endParaRPr lang="ru-RU"/>
           </a:p>
@@ -9337,7 +9342,7 @@
           <a:p>
             <a:fld id="{70A3E874-6855-4048-89B9-D7F86E5CDE00}" type="datetimeFigureOut">
               <a:rPr lang="ru-RU" smtClean="0"/>
-              <a:t>29.04.2025</a:t>
+              <a:t>04.11.2025</a:t>
             </a:fld>
             <a:endParaRPr lang="ru-RU"/>
           </a:p>
@@ -9450,7 +9455,7 @@
           <a:p>
             <a:fld id="{70A3E874-6855-4048-89B9-D7F86E5CDE00}" type="datetimeFigureOut">
               <a:rPr lang="ru-RU" smtClean="0"/>
-              <a:t>29.04.2025</a:t>
+              <a:t>04.11.2025</a:t>
             </a:fld>
             <a:endParaRPr lang="ru-RU"/>
           </a:p>
@@ -9763,7 +9768,7 @@
           <a:p>
             <a:fld id="{70A3E874-6855-4048-89B9-D7F86E5CDE00}" type="datetimeFigureOut">
               <a:rPr lang="ru-RU" smtClean="0"/>
-              <a:t>29.04.2025</a:t>
+              <a:t>04.11.2025</a:t>
             </a:fld>
             <a:endParaRPr lang="ru-RU"/>
           </a:p>
@@ -10052,7 +10057,7 @@
           <a:p>
             <a:fld id="{70A3E874-6855-4048-89B9-D7F86E5CDE00}" type="datetimeFigureOut">
               <a:rPr lang="ru-RU" smtClean="0"/>
-              <a:t>29.04.2025</a:t>
+              <a:t>04.11.2025</a:t>
             </a:fld>
             <a:endParaRPr lang="ru-RU"/>
           </a:p>
@@ -10295,7 +10300,7 @@
           <a:p>
             <a:fld id="{70A3E874-6855-4048-89B9-D7F86E5CDE00}" type="datetimeFigureOut">
               <a:rPr lang="ru-RU" smtClean="0"/>
-              <a:t>29.04.2025</a:t>
+              <a:t>04.11.2025</a:t>
             </a:fld>
             <a:endParaRPr lang="ru-RU"/>
           </a:p>
@@ -10926,102 +10931,6 @@
           </a:p>
         </p:txBody>
       </p:sp>
-      <p:pic>
-        <p:nvPicPr>
-          <p:cNvPr id="5" name="Рисунок 4"/>
-          <p:cNvPicPr>
-            <a:picLocks noChangeAspect="1"/>
-          </p:cNvPicPr>
-          <p:nvPr/>
-        </p:nvPicPr>
-        <p:blipFill>
-          <a:blip r:embed="rId2"/>
-          <a:stretch>
-            <a:fillRect/>
-          </a:stretch>
-        </p:blipFill>
-        <p:spPr>
-          <a:xfrm>
-            <a:off x="6107599" y="854811"/>
-            <a:ext cx="5798688" cy="2863102"/>
-          </a:xfrm>
-          <a:prstGeom prst="rect">
-            <a:avLst/>
-          </a:prstGeom>
-        </p:spPr>
-      </p:pic>
-      <p:pic>
-        <p:nvPicPr>
-          <p:cNvPr id="6" name="Рисунок 5"/>
-          <p:cNvPicPr>
-            <a:picLocks noChangeAspect="1"/>
-          </p:cNvPicPr>
-          <p:nvPr/>
-        </p:nvPicPr>
-        <p:blipFill>
-          <a:blip r:embed="rId3"/>
-          <a:stretch>
-            <a:fillRect/>
-          </a:stretch>
-        </p:blipFill>
-        <p:spPr>
-          <a:xfrm>
-            <a:off x="6107599" y="3852836"/>
-            <a:ext cx="5832371" cy="2879733"/>
-          </a:xfrm>
-          <a:prstGeom prst="rect">
-            <a:avLst/>
-          </a:prstGeom>
-        </p:spPr>
-      </p:pic>
-      <p:pic>
-        <p:nvPicPr>
-          <p:cNvPr id="7" name="Рисунок 6"/>
-          <p:cNvPicPr>
-            <a:picLocks noChangeAspect="1"/>
-          </p:cNvPicPr>
-          <p:nvPr/>
-        </p:nvPicPr>
-        <p:blipFill>
-          <a:blip r:embed="rId4"/>
-          <a:stretch>
-            <a:fillRect/>
-          </a:stretch>
-        </p:blipFill>
-        <p:spPr>
-          <a:xfrm>
-            <a:off x="304800" y="858507"/>
-            <a:ext cx="5791200" cy="2859406"/>
-          </a:xfrm>
-          <a:prstGeom prst="rect">
-            <a:avLst/>
-          </a:prstGeom>
-        </p:spPr>
-      </p:pic>
-      <p:pic>
-        <p:nvPicPr>
-          <p:cNvPr id="8" name="Рисунок 7"/>
-          <p:cNvPicPr>
-            <a:picLocks noChangeAspect="1"/>
-          </p:cNvPicPr>
-          <p:nvPr/>
-        </p:nvPicPr>
-        <p:blipFill>
-          <a:blip r:embed="rId5"/>
-          <a:stretch>
-            <a:fillRect/>
-          </a:stretch>
-        </p:blipFill>
-        <p:spPr>
-          <a:xfrm>
-            <a:off x="263630" y="3852837"/>
-            <a:ext cx="5832370" cy="2879732"/>
-          </a:xfrm>
-          <a:prstGeom prst="rect">
-            <a:avLst/>
-          </a:prstGeom>
-        </p:spPr>
-      </p:pic>
       <p:cxnSp>
         <p:nvCxnSpPr>
           <p:cNvPr id="14" name="Straight Connector 7">
@@ -11059,6 +10968,102 @@
           </a:fontRef>
         </p:style>
       </p:cxnSp>
+      <p:pic>
+        <p:nvPicPr>
+          <p:cNvPr id="2" name="Рисунок 1"/>
+          <p:cNvPicPr>
+            <a:picLocks noChangeAspect="1"/>
+          </p:cNvPicPr>
+          <p:nvPr/>
+        </p:nvPicPr>
+        <p:blipFill>
+          <a:blip r:embed="rId2"/>
+          <a:stretch>
+            <a:fillRect/>
+          </a:stretch>
+        </p:blipFill>
+        <p:spPr>
+          <a:xfrm>
+            <a:off x="304800" y="1197895"/>
+            <a:ext cx="5791202" cy="2269205"/>
+          </a:xfrm>
+          <a:prstGeom prst="rect">
+            <a:avLst/>
+          </a:prstGeom>
+        </p:spPr>
+      </p:pic>
+      <p:pic>
+        <p:nvPicPr>
+          <p:cNvPr id="3" name="Рисунок 2"/>
+          <p:cNvPicPr>
+            <a:picLocks noChangeAspect="1"/>
+          </p:cNvPicPr>
+          <p:nvPr/>
+        </p:nvPicPr>
+        <p:blipFill>
+          <a:blip r:embed="rId3"/>
+          <a:stretch>
+            <a:fillRect/>
+          </a:stretch>
+        </p:blipFill>
+        <p:spPr>
+          <a:xfrm>
+            <a:off x="6096000" y="1197894"/>
+            <a:ext cx="5791199" cy="2269204"/>
+          </a:xfrm>
+          <a:prstGeom prst="rect">
+            <a:avLst/>
+          </a:prstGeom>
+        </p:spPr>
+      </p:pic>
+      <p:pic>
+        <p:nvPicPr>
+          <p:cNvPr id="9" name="Рисунок 8"/>
+          <p:cNvPicPr>
+            <a:picLocks noChangeAspect="1"/>
+          </p:cNvPicPr>
+          <p:nvPr/>
+        </p:nvPicPr>
+        <p:blipFill>
+          <a:blip r:embed="rId4"/>
+          <a:stretch>
+            <a:fillRect/>
+          </a:stretch>
+        </p:blipFill>
+        <p:spPr>
+          <a:xfrm>
+            <a:off x="304801" y="3467100"/>
+            <a:ext cx="5791200" cy="2269205"/>
+          </a:xfrm>
+          <a:prstGeom prst="rect">
+            <a:avLst/>
+          </a:prstGeom>
+        </p:spPr>
+      </p:pic>
+      <p:pic>
+        <p:nvPicPr>
+          <p:cNvPr id="10" name="Рисунок 9"/>
+          <p:cNvPicPr>
+            <a:picLocks noChangeAspect="1"/>
+          </p:cNvPicPr>
+          <p:nvPr/>
+        </p:nvPicPr>
+        <p:blipFill>
+          <a:blip r:embed="rId5"/>
+          <a:stretch>
+            <a:fillRect/>
+          </a:stretch>
+        </p:blipFill>
+        <p:spPr>
+          <a:xfrm>
+            <a:off x="6096000" y="3467099"/>
+            <a:ext cx="5791199" cy="2269205"/>
+          </a:xfrm>
+          <a:prstGeom prst="rect">
+            <a:avLst/>
+          </a:prstGeom>
+        </p:spPr>
+      </p:pic>
     </p:spTree>
     <p:extLst>
       <p:ext uri="{BB962C8B-B14F-4D97-AF65-F5344CB8AC3E}">
@@ -12709,8 +12714,4543 @@
           </a:fontRef>
         </p:style>
       </p:cxnSp>
-      <mc:AlternateContent xmlns:mc="http://schemas.openxmlformats.org/markup-compatibility/2006">
-        <mc:Choice xmlns:a14="http://schemas.microsoft.com/office/drawing/2010/main" Requires="a14">
+      <p:sp>
+        <p:nvSpPr>
+          <p:cNvPr id="3" name="TextBox 2"/>
+          <p:cNvSpPr txBox="1"/>
+          <p:nvPr/>
+        </p:nvSpPr>
+        <p:spPr>
+          <a:xfrm>
+            <a:off x="304800" y="1104826"/>
+            <a:ext cx="11298936" cy="646331"/>
+          </a:xfrm>
+          <a:prstGeom prst="rect">
+            <a:avLst/>
+          </a:prstGeom>
+          <a:noFill/>
+        </p:spPr>
+        <p:txBody>
+          <a:bodyPr wrap="square" rtlCol="0">
+            <a:spAutoFit/>
+          </a:bodyPr>
+          <a:lstStyle/>
+          <a:p>
+            <a:r>
+              <a:rPr lang="ru-RU" dirty="0" smtClean="0"/>
+              <a:t>Была установлена зависимость для макропоказателей инфляции, валютной пары, безработицы с чистым долгом компании и ее стоимостью. </a:t>
+            </a:r>
+            <a:endParaRPr lang="en-US" dirty="0"/>
+          </a:p>
+        </p:txBody>
+      </p:sp>
+      <p:pic>
+        <p:nvPicPr>
+          <p:cNvPr id="6" name="Рисунок 5"/>
+          <p:cNvPicPr>
+            <a:picLocks noChangeAspect="1"/>
+          </p:cNvPicPr>
+          <p:nvPr/>
+        </p:nvPicPr>
+        <p:blipFill>
+          <a:blip r:embed="rId2" cstate="print">
+            <a:extLst>
+              <a:ext uri="{28A0092B-C50C-407E-A947-70E740481C1C}">
+                <a14:useLocalDpi xmlns:a14="http://schemas.microsoft.com/office/drawing/2010/main" val="0"/>
+              </a:ext>
+            </a:extLst>
+          </a:blip>
+          <a:stretch>
+            <a:fillRect/>
+          </a:stretch>
+        </p:blipFill>
+        <p:spPr>
+          <a:xfrm>
+            <a:off x="4695234" y="2001172"/>
+            <a:ext cx="6908502" cy="4104849"/>
+          </a:xfrm>
+          <a:prstGeom prst="rect">
+            <a:avLst/>
+          </a:prstGeom>
+        </p:spPr>
+      </p:pic>
+      <p:sp>
+        <p:nvSpPr>
+          <p:cNvPr id="8" name="Прямоугольник 7"/>
+          <p:cNvSpPr/>
+          <p:nvPr/>
+        </p:nvSpPr>
+        <p:spPr>
+          <a:xfrm>
+            <a:off x="304800" y="2001172"/>
+            <a:ext cx="4390434" cy="3693319"/>
+          </a:xfrm>
+          <a:prstGeom prst="rect">
+            <a:avLst/>
+          </a:prstGeom>
+        </p:spPr>
+        <p:txBody>
+          <a:bodyPr wrap="square">
+            <a:spAutoFit/>
+          </a:bodyPr>
+          <a:lstStyle/>
+          <a:p>
+            <a:r>
+              <a:rPr lang="ru-RU" dirty="0" smtClean="0"/>
+              <a:t>Безработица</a:t>
+            </a:r>
+            <a:r>
+              <a:rPr lang="en-US" dirty="0" smtClean="0"/>
+              <a:t> </a:t>
+            </a:r>
+            <a:r>
+              <a:rPr lang="ru-RU" dirty="0" smtClean="0"/>
+              <a:t>- </a:t>
+            </a:r>
+            <a:r>
+              <a:rPr lang="ru-RU" dirty="0"/>
+              <a:t>наиболее значимый предиктор долга (73% компаний)</a:t>
+            </a:r>
+          </a:p>
+          <a:p>
+            <a:r>
+              <a:rPr lang="ru-RU" dirty="0" smtClean="0"/>
+              <a:t>USD/RUB </a:t>
+            </a:r>
+            <a:r>
+              <a:rPr lang="ru-RU" dirty="0"/>
+              <a:t>- сильно влияет на капитализацию (60% компаний) </a:t>
+            </a:r>
+          </a:p>
+          <a:p>
+            <a:r>
+              <a:rPr lang="ru-RU" dirty="0" smtClean="0"/>
+              <a:t>Инфляция </a:t>
+            </a:r>
+            <a:r>
+              <a:rPr lang="ru-RU" dirty="0"/>
+              <a:t>- умеренное влияние, особенно на долг (60% </a:t>
+            </a:r>
+            <a:r>
+              <a:rPr lang="ru-RU" dirty="0" err="1"/>
+              <a:t>vs</a:t>
+            </a:r>
+            <a:r>
+              <a:rPr lang="ru-RU" dirty="0"/>
+              <a:t> 27%)</a:t>
+            </a:r>
+          </a:p>
+          <a:p>
+            <a:r>
+              <a:rPr lang="ru-RU" dirty="0"/>
+              <a:t/>
+            </a:r>
+            <a:br>
+              <a:rPr lang="ru-RU" dirty="0"/>
+            </a:br>
+            <a:r>
+              <a:rPr lang="ru-RU" dirty="0" smtClean="0"/>
+              <a:t>Доля </a:t>
+            </a:r>
+            <a:r>
+              <a:rPr lang="ru-RU" dirty="0"/>
+              <a:t>значимых </a:t>
+            </a:r>
+            <a:r>
+              <a:rPr lang="ru-RU" dirty="0" smtClean="0"/>
+              <a:t>связей</a:t>
+            </a:r>
+            <a:r>
+              <a:rPr lang="en-US" dirty="0" smtClean="0"/>
+              <a:t> -</a:t>
+            </a:r>
+            <a:r>
+              <a:rPr lang="ru-RU" dirty="0" smtClean="0"/>
+              <a:t> </a:t>
+            </a:r>
+            <a:r>
+              <a:rPr lang="ru-RU" dirty="0"/>
+              <a:t>процент компаний, для которых макроэкономический фактор </a:t>
+            </a:r>
+            <a:r>
+              <a:rPr lang="ru-RU" dirty="0" smtClean="0"/>
+              <a:t>статистически значимо </a:t>
+            </a:r>
+            <a:r>
+              <a:rPr lang="ru-RU" dirty="0"/>
+              <a:t>влияет на капитализацию/долг.</a:t>
+            </a:r>
+          </a:p>
+        </p:txBody>
+      </p:sp>
+    </p:spTree>
+    <p:extLst>
+      <p:ext uri="{BB962C8B-B14F-4D97-AF65-F5344CB8AC3E}">
+        <p14:creationId xmlns:p14="http://schemas.microsoft.com/office/powerpoint/2010/main" val="3048426615"/>
+      </p:ext>
+    </p:extLst>
+  </p:cSld>
+  <p:clrMapOvr>
+    <a:masterClrMapping/>
+  </p:clrMapOvr>
+  <p:timing>
+    <p:tnLst>
+      <p:par>
+        <p:cTn id="1" dur="indefinite" restart="never" nodeType="tmRoot"/>
+      </p:par>
+    </p:tnLst>
+  </p:timing>
+</p:sld>
+</file>
+
+<file path=ppt/slides/slide15.xml><?xml version="1.0" encoding="utf-8"?>
+<p:sld xmlns:a="http://schemas.openxmlformats.org/drawingml/2006/main" xmlns:r="http://schemas.openxmlformats.org/officeDocument/2006/relationships" xmlns:p="http://schemas.openxmlformats.org/presentationml/2006/main">
+  <p:cSld>
+    <p:spTree>
+      <p:nvGrpSpPr>
+        <p:cNvPr id="1" name=""/>
+        <p:cNvGrpSpPr/>
+        <p:nvPr/>
+      </p:nvGrpSpPr>
+      <p:grpSpPr>
+        <a:xfrm>
+          <a:off x="0" y="0"/>
+          <a:ext cx="0" cy="0"/>
+          <a:chOff x="0" y="0"/>
+          <a:chExt cx="0" cy="0"/>
+        </a:xfrm>
+      </p:grpSpPr>
+      <p:sp>
+        <p:nvSpPr>
+          <p:cNvPr id="4" name="TextBox 3">
+            <a:extLst>
+              <a:ext uri="{FF2B5EF4-FFF2-40B4-BE49-F238E27FC236}">
+                <a16:creationId xmlns:a16="http://schemas.microsoft.com/office/drawing/2014/main" id="{CE39199E-8B1C-CB78-B8E3-32113A33FB9A}"/>
+              </a:ext>
+            </a:extLst>
+          </p:cNvPr>
+          <p:cNvSpPr txBox="1"/>
+          <p:nvPr/>
+        </p:nvSpPr>
+        <p:spPr>
+          <a:xfrm>
+            <a:off x="304800" y="306969"/>
+            <a:ext cx="11426952" cy="547842"/>
+          </a:xfrm>
+          <a:prstGeom prst="rect">
+            <a:avLst/>
+          </a:prstGeom>
+          <a:noFill/>
+        </p:spPr>
+        <p:txBody>
+          <a:bodyPr wrap="square" rtlCol="0">
+            <a:spAutoFit/>
+          </a:bodyPr>
+          <a:lstStyle/>
+          <a:p>
+            <a:pPr>
+              <a:lnSpc>
+                <a:spcPct val="90000"/>
+              </a:lnSpc>
+              <a:spcBef>
+                <a:spcPct val="0"/>
+              </a:spcBef>
+            </a:pPr>
+            <a:r>
+              <a:rPr lang="ru-RU" sz="3200" dirty="0" smtClean="0"/>
+              <a:t>Формула Мертона для расчета </a:t>
+            </a:r>
+            <a:r>
+              <a:rPr lang="en-US" sz="3200" dirty="0" smtClean="0"/>
+              <a:t>PD</a:t>
+            </a:r>
+            <a:endParaRPr lang="ru-RU" sz="3200" dirty="0">
+              <a:latin typeface="+mj-lt"/>
+              <a:ea typeface="+mj-ea"/>
+              <a:cs typeface="+mj-cs"/>
+            </a:endParaRPr>
+          </a:p>
+        </p:txBody>
+      </p:sp>
+      <p:pic>
+        <p:nvPicPr>
+          <p:cNvPr id="3" name="Рисунок 2"/>
+          <p:cNvPicPr>
+            <a:picLocks noChangeAspect="1"/>
+          </p:cNvPicPr>
+          <p:nvPr/>
+        </p:nvPicPr>
+        <p:blipFill>
+          <a:blip r:embed="rId2"/>
+          <a:stretch>
+            <a:fillRect/>
+          </a:stretch>
+        </p:blipFill>
+        <p:spPr>
+          <a:xfrm>
+            <a:off x="173780" y="1151283"/>
+            <a:ext cx="5922220" cy="2315817"/>
+          </a:xfrm>
+          <a:prstGeom prst="rect">
+            <a:avLst/>
+          </a:prstGeom>
+        </p:spPr>
+      </p:pic>
+      <p:pic>
+        <p:nvPicPr>
+          <p:cNvPr id="7" name="Рисунок 6"/>
+          <p:cNvPicPr>
+            <a:picLocks noChangeAspect="1"/>
+          </p:cNvPicPr>
+          <p:nvPr/>
+        </p:nvPicPr>
+        <p:blipFill>
+          <a:blip r:embed="rId3"/>
+          <a:stretch>
+            <a:fillRect/>
+          </a:stretch>
+        </p:blipFill>
+        <p:spPr>
+          <a:xfrm>
+            <a:off x="6096000" y="1153874"/>
+            <a:ext cx="5915595" cy="2313226"/>
+          </a:xfrm>
+          <a:prstGeom prst="rect">
+            <a:avLst/>
+          </a:prstGeom>
+        </p:spPr>
+      </p:pic>
+      <p:pic>
+        <p:nvPicPr>
+          <p:cNvPr id="9" name="Рисунок 8"/>
+          <p:cNvPicPr>
+            <a:picLocks noChangeAspect="1"/>
+          </p:cNvPicPr>
+          <p:nvPr/>
+        </p:nvPicPr>
+        <p:blipFill>
+          <a:blip r:embed="rId4"/>
+          <a:stretch>
+            <a:fillRect/>
+          </a:stretch>
+        </p:blipFill>
+        <p:spPr>
+          <a:xfrm>
+            <a:off x="6096000" y="3467100"/>
+            <a:ext cx="5824784" cy="2277716"/>
+          </a:xfrm>
+          <a:prstGeom prst="rect">
+            <a:avLst/>
+          </a:prstGeom>
+        </p:spPr>
+      </p:pic>
+      <p:pic>
+        <p:nvPicPr>
+          <p:cNvPr id="10" name="Рисунок 9"/>
+          <p:cNvPicPr>
+            <a:picLocks noChangeAspect="1"/>
+          </p:cNvPicPr>
+          <p:nvPr/>
+        </p:nvPicPr>
+        <p:blipFill>
+          <a:blip r:embed="rId5"/>
+          <a:stretch>
+            <a:fillRect/>
+          </a:stretch>
+        </p:blipFill>
+        <p:spPr>
+          <a:xfrm>
+            <a:off x="271214" y="3467099"/>
+            <a:ext cx="5824786" cy="2277717"/>
+          </a:xfrm>
+          <a:prstGeom prst="rect">
+            <a:avLst/>
+          </a:prstGeom>
+        </p:spPr>
+      </p:pic>
+    </p:spTree>
+    <p:extLst>
+      <p:ext uri="{BB962C8B-B14F-4D97-AF65-F5344CB8AC3E}">
+        <p14:creationId xmlns:p14="http://schemas.microsoft.com/office/powerpoint/2010/main" val="2222334011"/>
+      </p:ext>
+    </p:extLst>
+  </p:cSld>
+  <p:clrMapOvr>
+    <a:masterClrMapping/>
+  </p:clrMapOvr>
+  <p:timing>
+    <p:tnLst>
+      <p:par>
+        <p:cTn id="1" dur="indefinite" restart="never" nodeType="tmRoot"/>
+      </p:par>
+    </p:tnLst>
+  </p:timing>
+</p:sld>
+</file>
+
+<file path=ppt/slides/slide16.xml><?xml version="1.0" encoding="utf-8"?>
+<p:sld xmlns:a="http://schemas.openxmlformats.org/drawingml/2006/main" xmlns:r="http://schemas.openxmlformats.org/officeDocument/2006/relationships" xmlns:p="http://schemas.openxmlformats.org/presentationml/2006/main">
+  <p:cSld>
+    <p:spTree>
+      <p:nvGrpSpPr>
+        <p:cNvPr id="1" name=""/>
+        <p:cNvGrpSpPr/>
+        <p:nvPr/>
+      </p:nvGrpSpPr>
+      <p:grpSpPr>
+        <a:xfrm>
+          <a:off x="0" y="0"/>
+          <a:ext cx="0" cy="0"/>
+          <a:chOff x="0" y="0"/>
+          <a:chExt cx="0" cy="0"/>
+        </a:xfrm>
+      </p:grpSpPr>
+      <p:sp>
+        <p:nvSpPr>
+          <p:cNvPr id="5" name="TextBox 4">
+            <a:extLst>
+              <a:ext uri="{FF2B5EF4-FFF2-40B4-BE49-F238E27FC236}">
+                <a16:creationId xmlns:a16="http://schemas.microsoft.com/office/drawing/2014/main" id="{CE39199E-8B1C-CB78-B8E3-32113A33FB9A}"/>
+              </a:ext>
+            </a:extLst>
+          </p:cNvPr>
+          <p:cNvSpPr txBox="1"/>
+          <p:nvPr/>
+        </p:nvSpPr>
+        <p:spPr>
+          <a:xfrm>
+            <a:off x="304800" y="306969"/>
+            <a:ext cx="10385196" cy="535531"/>
+          </a:xfrm>
+          <a:prstGeom prst="rect">
+            <a:avLst/>
+          </a:prstGeom>
+          <a:noFill/>
+        </p:spPr>
+        <p:txBody>
+          <a:bodyPr wrap="square" rtlCol="0">
+            <a:spAutoFit/>
+          </a:bodyPr>
+          <a:lstStyle/>
+          <a:p>
+            <a:pPr>
+              <a:lnSpc>
+                <a:spcPct val="90000"/>
+              </a:lnSpc>
+              <a:spcBef>
+                <a:spcPct val="0"/>
+              </a:spcBef>
+            </a:pPr>
+            <a:r>
+              <a:rPr lang="ru-RU" sz="3200" dirty="0" smtClean="0"/>
+              <a:t>Функция импульсного отклика (</a:t>
+            </a:r>
+            <a:r>
+              <a:rPr lang="en-US" sz="3200" dirty="0" smtClean="0"/>
+              <a:t>IRF</a:t>
+            </a:r>
+            <a:r>
+              <a:rPr lang="ru-RU" sz="3200" dirty="0" smtClean="0"/>
+              <a:t>)</a:t>
+            </a:r>
+            <a:endParaRPr lang="ru-RU" sz="3200" dirty="0">
+              <a:latin typeface="+mj-lt"/>
+              <a:ea typeface="+mj-ea"/>
+              <a:cs typeface="+mj-cs"/>
+            </a:endParaRPr>
+          </a:p>
+        </p:txBody>
+      </p:sp>
+      <p:pic>
+        <p:nvPicPr>
+          <p:cNvPr id="3" name="Рисунок 2" descr="\documentclass{article}&#10;\usepackage{amsmath}&#10;\pagestyle{empty}&#10;\begin{document}&#10;&#10;&#10;$$Y_t = c + \phi_1 Y_{t-1} + \phi_2 Y_{t-2} + \dots + \phi_p Y_{t-p} + \varepsilon_t,$$  &#10;&#10;\end{document}" title="IguanaTex Bitmap Display"/>
+          <p:cNvPicPr>
+            <a:picLocks noChangeAspect="1"/>
+          </p:cNvPicPr>
+          <p:nvPr>
+            <p:custDataLst>
+              <p:tags r:id="rId1"/>
+            </p:custDataLst>
+          </p:nvPr>
+        </p:nvPicPr>
+        <p:blipFill>
+          <a:blip r:embed="rId11" cstate="hqprint">
+            <a:extLst>
+              <a:ext uri="{28A0092B-C50C-407E-A947-70E740481C1C}">
+                <a14:useLocalDpi xmlns:a14="http://schemas.microsoft.com/office/drawing/2010/main" val="0"/>
+              </a:ext>
+            </a:extLst>
+          </a:blip>
+          <a:stretch>
+            <a:fillRect/>
+          </a:stretch>
+        </p:blipFill>
+        <p:spPr>
+          <a:xfrm>
+            <a:off x="3565714" y="1803124"/>
+            <a:ext cx="5060571" cy="247771"/>
+          </a:xfrm>
+          <a:prstGeom prst="rect">
+            <a:avLst/>
+          </a:prstGeom>
+        </p:spPr>
+      </p:pic>
+      <p:sp>
+        <p:nvSpPr>
+          <p:cNvPr id="4" name="Прямоугольник 3"/>
+          <p:cNvSpPr/>
+          <p:nvPr/>
+        </p:nvSpPr>
+        <p:spPr>
+          <a:xfrm>
+            <a:off x="304800" y="1135633"/>
+            <a:ext cx="11280742" cy="369332"/>
+          </a:xfrm>
+          <a:prstGeom prst="rect">
+            <a:avLst/>
+          </a:prstGeom>
+        </p:spPr>
+        <p:txBody>
+          <a:bodyPr wrap="square">
+            <a:spAutoFit/>
+          </a:bodyPr>
+          <a:lstStyle/>
+          <a:p>
+            <a:r>
+              <a:rPr lang="ru-RU" dirty="0"/>
+              <a:t>Рассмотрим </a:t>
+            </a:r>
+            <a:r>
+              <a:rPr lang="ru-RU" dirty="0" err="1"/>
+              <a:t>авторегрессионную</a:t>
+            </a:r>
+            <a:r>
+              <a:rPr lang="ru-RU" dirty="0"/>
+              <a:t> модель порядка </a:t>
+            </a:r>
+            <a:r>
+              <a:rPr lang="ru-RU" dirty="0" smtClean="0"/>
+              <a:t>p </a:t>
+            </a:r>
+            <a:r>
+              <a:rPr lang="ru-RU" dirty="0"/>
+              <a:t>(AR(p)):</a:t>
+            </a:r>
+            <a:endParaRPr lang="en-US" dirty="0"/>
+          </a:p>
+        </p:txBody>
+      </p:sp>
+      <p:pic>
+        <p:nvPicPr>
+          <p:cNvPr id="6" name="Рисунок 5" descr="\documentclass{article}&#10;\usepackage{amsmath}&#10;\pagestyle{empty}&#10;\begin{document}&#10;&#10;$( \varepsilon_t \sim WN(0, \sigma^2) ) $&#10;&#10;&#10;\end{document}" title="IguanaTex Bitmap Display"/>
+          <p:cNvPicPr>
+            <a:picLocks noChangeAspect="1"/>
+          </p:cNvPicPr>
+          <p:nvPr>
+            <p:custDataLst>
+              <p:tags r:id="rId2"/>
+            </p:custDataLst>
+          </p:nvPr>
+        </p:nvPicPr>
+        <p:blipFill>
+          <a:blip r:embed="rId12" cstate="hqprint">
+            <a:extLst>
+              <a:ext uri="{28A0092B-C50C-407E-A947-70E740481C1C}">
+                <a14:useLocalDpi xmlns:a14="http://schemas.microsoft.com/office/drawing/2010/main" val="0"/>
+              </a:ext>
+            </a:extLst>
+          </a:blip>
+          <a:stretch>
+            <a:fillRect/>
+          </a:stretch>
+        </p:blipFill>
+        <p:spPr>
+          <a:xfrm>
+            <a:off x="608588" y="2314380"/>
+            <a:ext cx="1709897" cy="246034"/>
+          </a:xfrm>
+          <a:prstGeom prst="rect">
+            <a:avLst/>
+          </a:prstGeom>
+        </p:spPr>
+      </p:pic>
+      <p:pic>
+        <p:nvPicPr>
+          <p:cNvPr id="7" name="Рисунок 6" descr="\documentclass{article}&#10;\usepackage{amsmath}&#10;\pagestyle{empty}&#10;\begin{document}&#10;&#10;&#10;$\phi_i $&#10;&#10;\end{document}" title="IguanaTex Bitmap Display"/>
+          <p:cNvPicPr>
+            <a:picLocks noChangeAspect="1"/>
+          </p:cNvPicPr>
+          <p:nvPr>
+            <p:custDataLst>
+              <p:tags r:id="rId3"/>
+            </p:custDataLst>
+          </p:nvPr>
+        </p:nvPicPr>
+        <p:blipFill>
+          <a:blip r:embed="rId13" cstate="hqprint">
+            <a:extLst>
+              <a:ext uri="{28A0092B-C50C-407E-A947-70E740481C1C}">
+                <a14:useLocalDpi xmlns:a14="http://schemas.microsoft.com/office/drawing/2010/main" val="0"/>
+              </a:ext>
+            </a:extLst>
+          </a:blip>
+          <a:stretch>
+            <a:fillRect/>
+          </a:stretch>
+        </p:blipFill>
+        <p:spPr>
+          <a:xfrm>
+            <a:off x="608588" y="2636345"/>
+            <a:ext cx="181029" cy="204891"/>
+          </a:xfrm>
+          <a:prstGeom prst="rect">
+            <a:avLst/>
+          </a:prstGeom>
+        </p:spPr>
+      </p:pic>
+      <p:sp>
+        <p:nvSpPr>
+          <p:cNvPr id="8" name="Прямоугольник 7"/>
+          <p:cNvSpPr/>
+          <p:nvPr/>
+        </p:nvSpPr>
+        <p:spPr>
+          <a:xfrm>
+            <a:off x="304800" y="2314380"/>
+            <a:ext cx="6096000" cy="646331"/>
+          </a:xfrm>
+          <a:prstGeom prst="rect">
+            <a:avLst/>
+          </a:prstGeom>
+        </p:spPr>
+        <p:txBody>
+          <a:bodyPr>
+            <a:spAutoFit/>
+          </a:bodyPr>
+          <a:lstStyle/>
+          <a:p>
+            <a:pPr marL="285750" indent="-285750">
+              <a:buFont typeface="Arial" panose="020B0604020202020204" pitchFamily="34" charset="0"/>
+              <a:buChar char="•"/>
+            </a:pPr>
+            <a:r>
+              <a:rPr lang="en-US" dirty="0" smtClean="0"/>
+              <a:t>	        — </a:t>
+            </a:r>
+            <a:r>
+              <a:rPr lang="en-US" dirty="0" err="1"/>
+              <a:t>белый</a:t>
+            </a:r>
+            <a:r>
+              <a:rPr lang="en-US" dirty="0"/>
+              <a:t> </a:t>
+            </a:r>
+            <a:r>
+              <a:rPr lang="en-US" dirty="0" err="1" smtClean="0"/>
+              <a:t>шум</a:t>
+            </a:r>
+            <a:r>
+              <a:rPr lang="en-US" dirty="0" smtClean="0"/>
+              <a:t> </a:t>
+            </a:r>
+          </a:p>
+          <a:p>
+            <a:pPr marL="285750" indent="-285750">
+              <a:buFont typeface="Arial" panose="020B0604020202020204" pitchFamily="34" charset="0"/>
+              <a:buChar char="•"/>
+            </a:pPr>
+            <a:r>
+              <a:rPr lang="en-US" dirty="0" smtClean="0"/>
+              <a:t>  — </a:t>
+            </a:r>
+            <a:r>
+              <a:rPr lang="en-US" dirty="0" err="1"/>
+              <a:t>коэффициенты</a:t>
+            </a:r>
+            <a:r>
+              <a:rPr lang="en-US" dirty="0"/>
+              <a:t> </a:t>
+            </a:r>
+            <a:r>
+              <a:rPr lang="en-US" dirty="0" err="1" smtClean="0"/>
+              <a:t>модели</a:t>
+            </a:r>
+            <a:endParaRPr lang="en-US" dirty="0"/>
+          </a:p>
+        </p:txBody>
+      </p:sp>
+      <p:sp>
+        <p:nvSpPr>
+          <p:cNvPr id="9" name="Прямоугольник 8"/>
+          <p:cNvSpPr/>
+          <p:nvPr/>
+        </p:nvSpPr>
+        <p:spPr>
+          <a:xfrm>
+            <a:off x="304800" y="3241533"/>
+            <a:ext cx="11554120" cy="1200329"/>
+          </a:xfrm>
+          <a:prstGeom prst="rect">
+            <a:avLst/>
+          </a:prstGeom>
+        </p:spPr>
+        <p:txBody>
+          <a:bodyPr wrap="square">
+            <a:spAutoFit/>
+          </a:bodyPr>
+          <a:lstStyle/>
+          <a:p>
+            <a:r>
+              <a:rPr lang="ru-RU" b="1" dirty="0"/>
+              <a:t>Импульсная отклик-функция (IRF)</a:t>
+            </a:r>
+          </a:p>
+          <a:p>
+            <a:r>
+              <a:rPr lang="ru-RU" dirty="0"/>
+              <a:t>IRF показывает, как единичный шок </a:t>
+            </a:r>
+            <a:r>
+              <a:rPr lang="en-US" dirty="0" smtClean="0"/>
+              <a:t>      </a:t>
+            </a:r>
+            <a:r>
+              <a:rPr lang="ru-RU" dirty="0" smtClean="0"/>
+              <a:t>в </a:t>
+            </a:r>
+            <a:r>
+              <a:rPr lang="ru-RU" dirty="0"/>
+              <a:t>момент времени </a:t>
+            </a:r>
+            <a:r>
+              <a:rPr lang="ru-RU" dirty="0" smtClean="0"/>
+              <a:t>t </a:t>
+            </a:r>
+            <a:r>
+              <a:rPr lang="ru-RU" dirty="0"/>
+              <a:t>влияет на будущие </a:t>
+            </a:r>
+            <a:r>
+              <a:rPr lang="ru-RU" dirty="0" smtClean="0"/>
+              <a:t>значения</a:t>
+            </a:r>
+            <a:r>
+              <a:rPr lang="en-US" dirty="0" smtClean="0"/>
+              <a:t>     . </a:t>
+            </a:r>
+            <a:r>
+              <a:rPr lang="ru-RU" dirty="0" smtClean="0"/>
+              <a:t>Для </a:t>
+            </a:r>
+            <a:r>
+              <a:rPr lang="ru-RU" dirty="0"/>
+              <a:t>этого AR(p) представляется в виде скользящего среднего бесконечного порядка (MA(∞))</a:t>
+            </a:r>
+          </a:p>
+        </p:txBody>
+      </p:sp>
+      <p:pic>
+        <p:nvPicPr>
+          <p:cNvPr id="10" name="Рисунок 9" descr="\documentclass{article}&#10;\usepackage{amsmath}&#10;\pagestyle{empty}&#10;\begin{document}&#10;&#10;&#10;$$IRF(s) = \psi_s = \frac{\partial Y_{t+s}}{\partial \varepsilon_t},$$  &#10;&#10;\end{document}" title="IguanaTex Bitmap Display"/>
+          <p:cNvPicPr>
+            <a:picLocks noChangeAspect="1"/>
+          </p:cNvPicPr>
+          <p:nvPr>
+            <p:custDataLst>
+              <p:tags r:id="rId4"/>
+            </p:custDataLst>
+          </p:nvPr>
+        </p:nvPicPr>
+        <p:blipFill>
+          <a:blip r:embed="rId14" cstate="hqprint">
+            <a:extLst>
+              <a:ext uri="{28A0092B-C50C-407E-A947-70E740481C1C}">
+                <a14:useLocalDpi xmlns:a14="http://schemas.microsoft.com/office/drawing/2010/main" val="0"/>
+              </a:ext>
+            </a:extLst>
+          </a:blip>
+          <a:stretch>
+            <a:fillRect/>
+          </a:stretch>
+        </p:blipFill>
+        <p:spPr>
+          <a:xfrm>
+            <a:off x="4595044" y="5269774"/>
+            <a:ext cx="2526171" cy="565943"/>
+          </a:xfrm>
+          <a:prstGeom prst="rect">
+            <a:avLst/>
+          </a:prstGeom>
+        </p:spPr>
+      </p:pic>
+      <p:pic>
+        <p:nvPicPr>
+          <p:cNvPr id="11" name="Рисунок 10" descr="\documentclass{article}&#10;\usepackage{amsmath}&#10;\pagestyle{empty}&#10;\begin{document}&#10;&#10;$\varepsilon_t = 1 $&#10;&#10;&#10;\end{document}" title="IguanaTex Bitmap Display"/>
+          <p:cNvPicPr>
+            <a:picLocks noChangeAspect="1"/>
+          </p:cNvPicPr>
+          <p:nvPr>
+            <p:custDataLst>
+              <p:tags r:id="rId5"/>
+            </p:custDataLst>
+          </p:nvPr>
+        </p:nvPicPr>
+        <p:blipFill>
+          <a:blip r:embed="rId15" cstate="hqprint">
+            <a:extLst>
+              <a:ext uri="{28A0092B-C50C-407E-A947-70E740481C1C}">
+                <a14:useLocalDpi xmlns:a14="http://schemas.microsoft.com/office/drawing/2010/main" val="0"/>
+              </a:ext>
+            </a:extLst>
+          </a:blip>
+          <a:stretch>
+            <a:fillRect/>
+          </a:stretch>
+        </p:blipFill>
+        <p:spPr>
+          <a:xfrm>
+            <a:off x="5066383" y="3589106"/>
+            <a:ext cx="644571" cy="207543"/>
+          </a:xfrm>
+          <a:prstGeom prst="rect">
+            <a:avLst/>
+          </a:prstGeom>
+        </p:spPr>
+      </p:pic>
+      <p:pic>
+        <p:nvPicPr>
+          <p:cNvPr id="12" name="Рисунок 11" descr="\documentclass{article}&#10;\usepackage{amsmath}&#10;\pagestyle{empty}&#10;\begin{document}&#10;&#10;&#10;$Y_{t+s} $&#10;&#10;\end{document}" title="IguanaTex Bitmap Display"/>
+          <p:cNvPicPr>
+            <a:picLocks noChangeAspect="1"/>
+          </p:cNvPicPr>
+          <p:nvPr>
+            <p:custDataLst>
+              <p:tags r:id="rId6"/>
+            </p:custDataLst>
+          </p:nvPr>
+        </p:nvPicPr>
+        <p:blipFill>
+          <a:blip r:embed="rId16" cstate="hqprint">
+            <a:extLst>
+              <a:ext uri="{28A0092B-C50C-407E-A947-70E740481C1C}">
+                <a14:useLocalDpi xmlns:a14="http://schemas.microsoft.com/office/drawing/2010/main" val="0"/>
+              </a:ext>
+            </a:extLst>
+          </a:blip>
+          <a:stretch>
+            <a:fillRect/>
+          </a:stretch>
+        </p:blipFill>
+        <p:spPr>
+          <a:xfrm>
+            <a:off x="1642646" y="3883596"/>
+            <a:ext cx="454400" cy="231314"/>
+          </a:xfrm>
+          <a:prstGeom prst="rect">
+            <a:avLst/>
+          </a:prstGeom>
+        </p:spPr>
+      </p:pic>
+      <p:sp>
+        <p:nvSpPr>
+          <p:cNvPr id="13" name="Прямоугольник 12"/>
+          <p:cNvSpPr/>
+          <p:nvPr/>
+        </p:nvSpPr>
+        <p:spPr>
+          <a:xfrm>
+            <a:off x="304800" y="4756973"/>
+            <a:ext cx="2390398" cy="369332"/>
+          </a:xfrm>
+          <a:prstGeom prst="rect">
+            <a:avLst/>
+          </a:prstGeom>
+        </p:spPr>
+        <p:txBody>
+          <a:bodyPr wrap="none">
+            <a:spAutoFit/>
+          </a:bodyPr>
+          <a:lstStyle/>
+          <a:p>
+            <a:r>
+              <a:rPr lang="ru-RU" b="1" dirty="0"/>
+              <a:t>Определение </a:t>
+            </a:r>
+            <a:r>
+              <a:rPr lang="en-US" b="1" dirty="0" smtClean="0"/>
+              <a:t>IRF</a:t>
+            </a:r>
+            <a:r>
+              <a:rPr lang="en-US" dirty="0"/>
+              <a:t>:</a:t>
+            </a:r>
+          </a:p>
+        </p:txBody>
+      </p:sp>
+      <p:sp>
+        <p:nvSpPr>
+          <p:cNvPr id="14" name="Прямоугольник 13"/>
+          <p:cNvSpPr/>
+          <p:nvPr/>
+        </p:nvSpPr>
+        <p:spPr>
+          <a:xfrm>
+            <a:off x="304800" y="6128375"/>
+            <a:ext cx="10875389" cy="369332"/>
+          </a:xfrm>
+          <a:prstGeom prst="rect">
+            <a:avLst/>
+          </a:prstGeom>
+        </p:spPr>
+        <p:txBody>
+          <a:bodyPr wrap="square">
+            <a:spAutoFit/>
+          </a:bodyPr>
+          <a:lstStyle/>
+          <a:p>
+            <a:r>
+              <a:rPr lang="ru-RU" dirty="0"/>
+              <a:t>то есть </a:t>
+            </a:r>
+            <a:r>
+              <a:rPr lang="en-US" dirty="0" smtClean="0"/>
+              <a:t>  </a:t>
+            </a:r>
+            <a:r>
+              <a:rPr lang="ru-RU" dirty="0" smtClean="0"/>
+              <a:t>​ </a:t>
+            </a:r>
+            <a:r>
+              <a:rPr lang="ru-RU" dirty="0"/>
+              <a:t>отражает изменение </a:t>
+            </a:r>
+            <a:r>
+              <a:rPr lang="en-US" dirty="0" smtClean="0"/>
+              <a:t>    </a:t>
+            </a:r>
+            <a:r>
+              <a:rPr lang="ru-RU" dirty="0" smtClean="0"/>
+              <a:t>​ </a:t>
+            </a:r>
+            <a:r>
+              <a:rPr lang="ru-RU" dirty="0"/>
+              <a:t>при единичном </a:t>
+            </a:r>
+            <a:r>
+              <a:rPr lang="ru-RU" dirty="0" smtClean="0"/>
+              <a:t>шоке</a:t>
+            </a:r>
+            <a:r>
+              <a:rPr lang="en-US" dirty="0" smtClean="0"/>
+              <a:t>      </a:t>
+            </a:r>
+            <a:r>
+              <a:rPr lang="ru-RU" dirty="0" smtClean="0"/>
+              <a:t>.</a:t>
+            </a:r>
+            <a:endParaRPr lang="en-US" dirty="0"/>
+          </a:p>
+        </p:txBody>
+      </p:sp>
+      <p:pic>
+        <p:nvPicPr>
+          <p:cNvPr id="15" name="Рисунок 14" descr="\documentclass{article}&#10;\usepackage{amsmath}&#10;\pagestyle{empty}&#10;\begin{document}&#10;&#10;$\varepsilon_t = 1 $&#10;&#10;&#10;\end{document}" title="IguanaTex Bitmap Display"/>
+          <p:cNvPicPr>
+            <a:picLocks noChangeAspect="1"/>
+          </p:cNvPicPr>
+          <p:nvPr>
+            <p:custDataLst>
+              <p:tags r:id="rId7"/>
+            </p:custDataLst>
+          </p:nvPr>
+        </p:nvPicPr>
+        <p:blipFill>
+          <a:blip r:embed="rId15" cstate="hqprint">
+            <a:extLst>
+              <a:ext uri="{28A0092B-C50C-407E-A947-70E740481C1C}">
+                <a14:useLocalDpi xmlns:a14="http://schemas.microsoft.com/office/drawing/2010/main" val="0"/>
+              </a:ext>
+            </a:extLst>
+          </a:blip>
+          <a:stretch>
+            <a:fillRect/>
+          </a:stretch>
+        </p:blipFill>
+        <p:spPr>
+          <a:xfrm>
+            <a:off x="7792531" y="6208792"/>
+            <a:ext cx="644571" cy="207543"/>
+          </a:xfrm>
+          <a:prstGeom prst="rect">
+            <a:avLst/>
+          </a:prstGeom>
+        </p:spPr>
+      </p:pic>
+      <p:pic>
+        <p:nvPicPr>
+          <p:cNvPr id="16" name="Рисунок 15" descr="\documentclass{article}&#10;\usepackage{amsmath}&#10;\pagestyle{empty}&#10;\begin{document}&#10;&#10;&#10;$Y_{t+s} $&#10;&#10;\end{document}" title="IguanaTex Bitmap Display"/>
+          <p:cNvPicPr>
+            <a:picLocks noChangeAspect="1"/>
+          </p:cNvPicPr>
+          <p:nvPr>
+            <p:custDataLst>
+              <p:tags r:id="rId8"/>
+            </p:custDataLst>
+          </p:nvPr>
+        </p:nvPicPr>
+        <p:blipFill>
+          <a:blip r:embed="rId16" cstate="hqprint">
+            <a:extLst>
+              <a:ext uri="{28A0092B-C50C-407E-A947-70E740481C1C}">
+                <a14:useLocalDpi xmlns:a14="http://schemas.microsoft.com/office/drawing/2010/main" val="0"/>
+              </a:ext>
+            </a:extLst>
+          </a:blip>
+          <a:stretch>
+            <a:fillRect/>
+          </a:stretch>
+        </p:blipFill>
+        <p:spPr>
+          <a:xfrm>
+            <a:off x="4595044" y="6196907"/>
+            <a:ext cx="454400" cy="231314"/>
+          </a:xfrm>
+          <a:prstGeom prst="rect">
+            <a:avLst/>
+          </a:prstGeom>
+        </p:spPr>
+      </p:pic>
+      <p:pic>
+        <p:nvPicPr>
+          <p:cNvPr id="17" name="Рисунок 16" descr="\documentclass{article}&#10;\usepackage{amsmath}&#10;\pagestyle{empty}&#10;\begin{document}&#10;&#10;$\psi_s $&#10;&#10;&#10;\end{document}" title="IguanaTex Bitmap Display"/>
+          <p:cNvPicPr>
+            <a:picLocks noChangeAspect="1"/>
+          </p:cNvPicPr>
+          <p:nvPr>
+            <p:custDataLst>
+              <p:tags r:id="rId9"/>
+            </p:custDataLst>
+          </p:nvPr>
+        </p:nvPicPr>
+        <p:blipFill>
+          <a:blip r:embed="rId17" cstate="hqprint">
+            <a:extLst>
+              <a:ext uri="{28A0092B-C50C-407E-A947-70E740481C1C}">
+                <a14:useLocalDpi xmlns:a14="http://schemas.microsoft.com/office/drawing/2010/main" val="0"/>
+              </a:ext>
+            </a:extLst>
+          </a:blip>
+          <a:stretch>
+            <a:fillRect/>
+          </a:stretch>
+        </p:blipFill>
+        <p:spPr>
+          <a:xfrm>
+            <a:off x="1522417" y="6211471"/>
+            <a:ext cx="240457" cy="227657"/>
+          </a:xfrm>
+          <a:prstGeom prst="rect">
+            <a:avLst/>
+          </a:prstGeom>
+        </p:spPr>
+      </p:pic>
+    </p:spTree>
+    <p:extLst>
+      <p:ext uri="{BB962C8B-B14F-4D97-AF65-F5344CB8AC3E}">
+        <p14:creationId xmlns:p14="http://schemas.microsoft.com/office/powerpoint/2010/main" val="888602600"/>
+      </p:ext>
+    </p:extLst>
+  </p:cSld>
+  <p:clrMapOvr>
+    <a:masterClrMapping/>
+  </p:clrMapOvr>
+  <p:timing>
+    <p:tnLst>
+      <p:par>
+        <p:cTn id="1" dur="indefinite" restart="never" nodeType="tmRoot"/>
+      </p:par>
+    </p:tnLst>
+  </p:timing>
+</p:sld>
+</file>
+
+<file path=ppt/slides/slide17.xml><?xml version="1.0" encoding="utf-8"?>
+<p:sld xmlns:a="http://schemas.openxmlformats.org/drawingml/2006/main" xmlns:r="http://schemas.openxmlformats.org/officeDocument/2006/relationships" xmlns:p="http://schemas.openxmlformats.org/presentationml/2006/main">
+  <p:cSld>
+    <p:spTree>
+      <p:nvGrpSpPr>
+        <p:cNvPr id="1" name=""/>
+        <p:cNvGrpSpPr/>
+        <p:nvPr/>
+      </p:nvGrpSpPr>
+      <p:grpSpPr>
+        <a:xfrm>
+          <a:off x="0" y="0"/>
+          <a:ext cx="0" cy="0"/>
+          <a:chOff x="0" y="0"/>
+          <a:chExt cx="0" cy="0"/>
+        </a:xfrm>
+      </p:grpSpPr>
+      <p:sp>
+        <p:nvSpPr>
+          <p:cNvPr id="4" name="TextBox 3">
+            <a:extLst>
+              <a:ext uri="{FF2B5EF4-FFF2-40B4-BE49-F238E27FC236}">
+                <a16:creationId xmlns:a16="http://schemas.microsoft.com/office/drawing/2014/main" id="{CE39199E-8B1C-CB78-B8E3-32113A33FB9A}"/>
+              </a:ext>
+            </a:extLst>
+          </p:cNvPr>
+          <p:cNvSpPr txBox="1"/>
+          <p:nvPr/>
+        </p:nvSpPr>
+        <p:spPr>
+          <a:xfrm>
+            <a:off x="304800" y="306969"/>
+            <a:ext cx="11426952" cy="547842"/>
+          </a:xfrm>
+          <a:prstGeom prst="rect">
+            <a:avLst/>
+          </a:prstGeom>
+          <a:noFill/>
+        </p:spPr>
+        <p:txBody>
+          <a:bodyPr wrap="square" rtlCol="0">
+            <a:spAutoFit/>
+          </a:bodyPr>
+          <a:lstStyle/>
+          <a:p>
+            <a:pPr>
+              <a:lnSpc>
+                <a:spcPct val="90000"/>
+              </a:lnSpc>
+              <a:spcBef>
+                <a:spcPct val="0"/>
+              </a:spcBef>
+            </a:pPr>
+            <a:r>
+              <a:rPr lang="ru-RU" sz="3200" dirty="0" smtClean="0"/>
+              <a:t>Исследование </a:t>
+            </a:r>
+            <a:r>
+              <a:rPr lang="en-US" sz="3200" dirty="0" smtClean="0"/>
+              <a:t>IRF</a:t>
+            </a:r>
+            <a:endParaRPr lang="ru-RU" sz="3200" dirty="0">
+              <a:latin typeface="+mj-lt"/>
+              <a:ea typeface="+mj-ea"/>
+              <a:cs typeface="+mj-cs"/>
+            </a:endParaRPr>
+          </a:p>
+        </p:txBody>
+      </p:sp>
+      <p:pic>
+        <p:nvPicPr>
+          <p:cNvPr id="2" name="Рисунок 1"/>
+          <p:cNvPicPr>
+            <a:picLocks noChangeAspect="1"/>
+          </p:cNvPicPr>
+          <p:nvPr/>
+        </p:nvPicPr>
+        <p:blipFill>
+          <a:blip r:embed="rId2"/>
+          <a:stretch>
+            <a:fillRect/>
+          </a:stretch>
+        </p:blipFill>
+        <p:spPr>
+          <a:xfrm>
+            <a:off x="6192700" y="3565584"/>
+            <a:ext cx="5812190" cy="2723529"/>
+          </a:xfrm>
+          <a:prstGeom prst="rect">
+            <a:avLst/>
+          </a:prstGeom>
+        </p:spPr>
+      </p:pic>
+      <p:pic>
+        <p:nvPicPr>
+          <p:cNvPr id="5" name="Рисунок 4"/>
+          <p:cNvPicPr>
+            <a:picLocks noChangeAspect="1"/>
+          </p:cNvPicPr>
+          <p:nvPr/>
+        </p:nvPicPr>
+        <p:blipFill>
+          <a:blip r:embed="rId3"/>
+          <a:stretch>
+            <a:fillRect/>
+          </a:stretch>
+        </p:blipFill>
+        <p:spPr>
+          <a:xfrm>
+            <a:off x="304800" y="3621203"/>
+            <a:ext cx="5574797" cy="2612289"/>
+          </a:xfrm>
+          <a:prstGeom prst="rect">
+            <a:avLst/>
+          </a:prstGeom>
+        </p:spPr>
+      </p:pic>
+      <p:pic>
+        <p:nvPicPr>
+          <p:cNvPr id="8" name="Рисунок 7"/>
+          <p:cNvPicPr>
+            <a:picLocks noChangeAspect="1"/>
+          </p:cNvPicPr>
+          <p:nvPr/>
+        </p:nvPicPr>
+        <p:blipFill>
+          <a:blip r:embed="rId4"/>
+          <a:stretch>
+            <a:fillRect/>
+          </a:stretch>
+        </p:blipFill>
+        <p:spPr>
+          <a:xfrm>
+            <a:off x="6235123" y="664059"/>
+            <a:ext cx="5769767" cy="2703650"/>
+          </a:xfrm>
+          <a:prstGeom prst="rect">
+            <a:avLst/>
+          </a:prstGeom>
+        </p:spPr>
+      </p:pic>
+    </p:spTree>
+    <p:extLst>
+      <p:ext uri="{BB962C8B-B14F-4D97-AF65-F5344CB8AC3E}">
+        <p14:creationId xmlns:p14="http://schemas.microsoft.com/office/powerpoint/2010/main" val="2550913748"/>
+      </p:ext>
+    </p:extLst>
+  </p:cSld>
+  <p:clrMapOvr>
+    <a:masterClrMapping/>
+  </p:clrMapOvr>
+  <p:timing>
+    <p:tnLst>
+      <p:par>
+        <p:cTn id="1" dur="indefinite" restart="never" nodeType="tmRoot"/>
+      </p:par>
+    </p:tnLst>
+  </p:timing>
+</p:sld>
+</file>
+
+<file path=ppt/slides/slide18.xml><?xml version="1.0" encoding="utf-8"?>
+<p:sld xmlns:a="http://schemas.openxmlformats.org/drawingml/2006/main" xmlns:r="http://schemas.openxmlformats.org/officeDocument/2006/relationships" xmlns:p="http://schemas.openxmlformats.org/presentationml/2006/main">
+  <p:cSld>
+    <p:spTree>
+      <p:nvGrpSpPr>
+        <p:cNvPr id="1" name=""/>
+        <p:cNvGrpSpPr/>
+        <p:nvPr/>
+      </p:nvGrpSpPr>
+      <p:grpSpPr>
+        <a:xfrm>
+          <a:off x="0" y="0"/>
+          <a:ext cx="0" cy="0"/>
+          <a:chOff x="0" y="0"/>
+          <a:chExt cx="0" cy="0"/>
+        </a:xfrm>
+      </p:grpSpPr>
+      <p:sp>
+        <p:nvSpPr>
+          <p:cNvPr id="17" name="Скругленный прямоугольник 16"/>
+          <p:cNvSpPr/>
+          <p:nvPr/>
+        </p:nvSpPr>
+        <p:spPr>
+          <a:xfrm>
+            <a:off x="313426" y="1165550"/>
+            <a:ext cx="11565147" cy="669059"/>
+          </a:xfrm>
+          <a:prstGeom prst="roundRect">
+            <a:avLst>
+              <a:gd name="adj" fmla="val 2021"/>
+            </a:avLst>
+          </a:prstGeom>
+          <a:solidFill>
+            <a:schemeClr val="accent1">
+              <a:alpha val="20000"/>
+            </a:schemeClr>
+          </a:solidFill>
+        </p:spPr>
+        <p:style>
+          <a:lnRef idx="2">
+            <a:schemeClr val="accent1">
+              <a:shade val="50000"/>
+            </a:schemeClr>
+          </a:lnRef>
+          <a:fillRef idx="1">
+            <a:schemeClr val="accent1"/>
+          </a:fillRef>
+          <a:effectRef idx="0">
+            <a:schemeClr val="accent1"/>
+          </a:effectRef>
+          <a:fontRef idx="minor">
+            <a:schemeClr val="lt1"/>
+          </a:fontRef>
+        </p:style>
+        <p:txBody>
+          <a:bodyPr rtlCol="0" anchor="ctr"/>
+          <a:lstStyle/>
+          <a:p>
+            <a:pPr algn="ctr"/>
+            <a:endParaRPr lang="en-US"/>
+          </a:p>
+        </p:txBody>
+      </p:sp>
+      <p:sp>
+        <p:nvSpPr>
+          <p:cNvPr id="3" name="Объект 2"/>
+          <p:cNvSpPr>
+            <a:spLocks noGrp="1"/>
+          </p:cNvSpPr>
+          <p:nvPr>
+            <p:ph idx="1"/>
+          </p:nvPr>
+        </p:nvSpPr>
+        <p:spPr>
+          <a:xfrm>
+            <a:off x="4571999" y="5397037"/>
+            <a:ext cx="7306573" cy="1150487"/>
+          </a:xfrm>
+        </p:spPr>
+        <p:txBody>
+          <a:bodyPr>
+            <a:normAutofit fontScale="85000" lnSpcReduction="20000"/>
+          </a:bodyPr>
+          <a:lstStyle/>
+          <a:p>
+            <a:r>
+              <a:rPr lang="ru-RU" sz="1800" dirty="0"/>
+              <a:t>Пример обработки:</a:t>
+            </a:r>
+          </a:p>
+          <a:p>
+            <a:r>
+              <a:rPr lang="en-US" sz="1800" dirty="0"/>
+              <a:t>✅ GAZP: </a:t>
+            </a:r>
+            <a:r>
+              <a:rPr lang="ru-RU" sz="1800" dirty="0"/>
+              <a:t>ОДОБРИТЬ </a:t>
+            </a:r>
+            <a:r>
+              <a:rPr lang="ru-RU" sz="1800" dirty="0" smtClean="0"/>
+              <a:t> | </a:t>
+            </a:r>
+            <a:r>
+              <a:rPr lang="en-US" sz="1800" dirty="0"/>
+              <a:t>PD: 0.1% | </a:t>
+            </a:r>
+            <a:r>
+              <a:rPr lang="ru-RU" sz="1800" dirty="0"/>
+              <a:t>Ставка: 12.5%</a:t>
+            </a:r>
+          </a:p>
+          <a:p>
+            <a:r>
+              <a:rPr lang="en-US" sz="1800" dirty="0"/>
+              <a:t>✅ SBER: </a:t>
+            </a:r>
+            <a:r>
+              <a:rPr lang="ru-RU" sz="1800" dirty="0"/>
+              <a:t>ОДОБРИТЬ </a:t>
+            </a:r>
+            <a:r>
+              <a:rPr lang="ru-RU" sz="1800" dirty="0" smtClean="0"/>
+              <a:t> | </a:t>
+            </a:r>
+            <a:r>
+              <a:rPr lang="en-US" sz="1800" dirty="0"/>
+              <a:t>PD: 0.1% | </a:t>
+            </a:r>
+            <a:r>
+              <a:rPr lang="ru-RU" sz="1800" dirty="0"/>
+              <a:t>Ставка: 10.8%</a:t>
+            </a:r>
+          </a:p>
+          <a:p>
+            <a:r>
+              <a:rPr lang="en-US" sz="1800" dirty="0"/>
+              <a:t>❌ RUAL: </a:t>
+            </a:r>
+            <a:r>
+              <a:rPr lang="ru-RU" sz="1800" dirty="0"/>
+              <a:t>ОТКЛОНИТЬ | </a:t>
+            </a:r>
+            <a:r>
+              <a:rPr lang="en-US" sz="1800" dirty="0"/>
+              <a:t>PD: 2.0% | </a:t>
+            </a:r>
+            <a:r>
+              <a:rPr lang="ru-RU" sz="1800" dirty="0"/>
+              <a:t>Причина: Превышен лимит </a:t>
+            </a:r>
+            <a:r>
+              <a:rPr lang="en-US" sz="1800" dirty="0"/>
+              <a:t>PD</a:t>
+            </a:r>
+          </a:p>
+        </p:txBody>
+      </p:sp>
+      <p:sp>
+        <p:nvSpPr>
+          <p:cNvPr id="4" name="TextBox 3">
+            <a:extLst>
+              <a:ext uri="{FF2B5EF4-FFF2-40B4-BE49-F238E27FC236}">
+                <a16:creationId xmlns:a16="http://schemas.microsoft.com/office/drawing/2014/main" id="{CE39199E-8B1C-CB78-B8E3-32113A33FB9A}"/>
+              </a:ext>
+            </a:extLst>
+          </p:cNvPr>
+          <p:cNvSpPr txBox="1"/>
+          <p:nvPr/>
+        </p:nvSpPr>
+        <p:spPr>
+          <a:xfrm>
+            <a:off x="304800" y="306969"/>
+            <a:ext cx="11426952" cy="547842"/>
+          </a:xfrm>
+          <a:prstGeom prst="rect">
+            <a:avLst/>
+          </a:prstGeom>
+          <a:noFill/>
+        </p:spPr>
+        <p:txBody>
+          <a:bodyPr wrap="square" rtlCol="0">
+            <a:spAutoFit/>
+          </a:bodyPr>
+          <a:lstStyle/>
+          <a:p>
+            <a:pPr>
+              <a:lnSpc>
+                <a:spcPct val="90000"/>
+              </a:lnSpc>
+              <a:spcBef>
+                <a:spcPct val="0"/>
+              </a:spcBef>
+            </a:pPr>
+            <a:r>
+              <a:rPr lang="ru-RU" sz="3200" dirty="0"/>
+              <a:t>Добавление управления в портфель</a:t>
+            </a:r>
+            <a:endParaRPr lang="ru-RU" sz="3200" dirty="0">
+              <a:latin typeface="+mj-lt"/>
+              <a:ea typeface="+mj-ea"/>
+              <a:cs typeface="+mj-cs"/>
+            </a:endParaRPr>
+          </a:p>
+        </p:txBody>
+      </p:sp>
+      <p:sp>
+        <p:nvSpPr>
+          <p:cNvPr id="6" name="TextBox 5"/>
+          <p:cNvSpPr txBox="1"/>
+          <p:nvPr/>
+        </p:nvSpPr>
+        <p:spPr>
+          <a:xfrm>
+            <a:off x="3870384" y="2205713"/>
+            <a:ext cx="4451231" cy="369332"/>
+          </a:xfrm>
+          <a:prstGeom prst="rect">
+            <a:avLst/>
+          </a:prstGeom>
+          <a:noFill/>
+        </p:spPr>
+        <p:txBody>
+          <a:bodyPr wrap="square" rtlCol="0">
+            <a:spAutoFit/>
+          </a:bodyPr>
+          <a:lstStyle/>
+          <a:p>
+            <a:pPr algn="ctr"/>
+            <a:r>
+              <a:rPr lang="ru-RU" dirty="0" smtClean="0"/>
+              <a:t>Подходы к отбору компаний</a:t>
+            </a:r>
+            <a:endParaRPr lang="en-US" dirty="0"/>
+          </a:p>
+        </p:txBody>
+      </p:sp>
+      <p:sp>
+        <p:nvSpPr>
+          <p:cNvPr id="7" name="TextBox 6"/>
+          <p:cNvSpPr txBox="1"/>
+          <p:nvPr/>
+        </p:nvSpPr>
+        <p:spPr>
+          <a:xfrm>
+            <a:off x="4250666" y="1301479"/>
+            <a:ext cx="4520241" cy="369332"/>
+          </a:xfrm>
+          <a:prstGeom prst="rect">
+            <a:avLst/>
+          </a:prstGeom>
+          <a:noFill/>
+        </p:spPr>
+        <p:txBody>
+          <a:bodyPr wrap="square" rtlCol="0">
+            <a:spAutoFit/>
+          </a:bodyPr>
+          <a:lstStyle/>
+          <a:p>
+            <a:r>
+              <a:rPr lang="ru-RU" dirty="0" smtClean="0"/>
+              <a:t>Создание заявок на кредит</a:t>
+            </a:r>
+            <a:endParaRPr lang="en-US" dirty="0"/>
+          </a:p>
+        </p:txBody>
+      </p:sp>
+      <p:sp>
+        <p:nvSpPr>
+          <p:cNvPr id="18" name="Скругленный прямоугольник 17"/>
+          <p:cNvSpPr/>
+          <p:nvPr/>
+        </p:nvSpPr>
+        <p:spPr>
+          <a:xfrm>
+            <a:off x="313425" y="3067150"/>
+            <a:ext cx="3937241" cy="1981917"/>
+          </a:xfrm>
+          <a:prstGeom prst="roundRect">
+            <a:avLst>
+              <a:gd name="adj" fmla="val 2021"/>
+            </a:avLst>
+          </a:prstGeom>
+          <a:solidFill>
+            <a:schemeClr val="accent1">
+              <a:alpha val="20000"/>
+            </a:schemeClr>
+          </a:solidFill>
+        </p:spPr>
+        <p:style>
+          <a:lnRef idx="2">
+            <a:schemeClr val="accent1">
+              <a:shade val="50000"/>
+            </a:schemeClr>
+          </a:lnRef>
+          <a:fillRef idx="1">
+            <a:schemeClr val="accent1"/>
+          </a:fillRef>
+          <a:effectRef idx="0">
+            <a:schemeClr val="accent1"/>
+          </a:effectRef>
+          <a:fontRef idx="minor">
+            <a:schemeClr val="lt1"/>
+          </a:fontRef>
+        </p:style>
+        <p:txBody>
+          <a:bodyPr rtlCol="0" anchor="ctr"/>
+          <a:lstStyle/>
+          <a:p>
+            <a:pPr algn="ctr"/>
+            <a:endParaRPr lang="en-US"/>
+          </a:p>
+        </p:txBody>
+      </p:sp>
+      <p:sp>
+        <p:nvSpPr>
+          <p:cNvPr id="19" name="Скругленный прямоугольник 18"/>
+          <p:cNvSpPr/>
+          <p:nvPr/>
+        </p:nvSpPr>
+        <p:spPr>
+          <a:xfrm>
+            <a:off x="4572000" y="3067150"/>
+            <a:ext cx="7306573" cy="1981917"/>
+          </a:xfrm>
+          <a:prstGeom prst="roundRect">
+            <a:avLst>
+              <a:gd name="adj" fmla="val 2021"/>
+            </a:avLst>
+          </a:prstGeom>
+          <a:solidFill>
+            <a:schemeClr val="accent1">
+              <a:alpha val="20000"/>
+            </a:schemeClr>
+          </a:solidFill>
+        </p:spPr>
+        <p:style>
+          <a:lnRef idx="2">
+            <a:schemeClr val="accent1">
+              <a:shade val="50000"/>
+            </a:schemeClr>
+          </a:lnRef>
+          <a:fillRef idx="1">
+            <a:schemeClr val="accent1"/>
+          </a:fillRef>
+          <a:effectRef idx="0">
+            <a:schemeClr val="accent1"/>
+          </a:effectRef>
+          <a:fontRef idx="minor">
+            <a:schemeClr val="lt1"/>
+          </a:fontRef>
+        </p:style>
+        <p:txBody>
+          <a:bodyPr rtlCol="0" anchor="ctr"/>
+          <a:lstStyle/>
+          <a:p>
+            <a:pPr algn="ctr"/>
+            <a:endParaRPr lang="en-US"/>
+          </a:p>
+        </p:txBody>
+      </p:sp>
+      <p:sp>
+        <p:nvSpPr>
+          <p:cNvPr id="14" name="Прямоугольник 13"/>
+          <p:cNvSpPr/>
+          <p:nvPr/>
+        </p:nvSpPr>
+        <p:spPr>
+          <a:xfrm>
+            <a:off x="4571999" y="3811670"/>
+            <a:ext cx="7306573" cy="923330"/>
+          </a:xfrm>
+          <a:prstGeom prst="rect">
+            <a:avLst/>
+          </a:prstGeom>
+        </p:spPr>
+        <p:txBody>
+          <a:bodyPr wrap="square">
+            <a:spAutoFit/>
+          </a:bodyPr>
+          <a:lstStyle/>
+          <a:p>
+            <a:pPr marL="285750" indent="-285750">
+              <a:buFont typeface="Arial" panose="020B0604020202020204" pitchFamily="34" charset="0"/>
+              <a:buChar char="•"/>
+            </a:pPr>
+            <a:r>
+              <a:rPr lang="ru-RU" dirty="0" smtClean="0"/>
+              <a:t>1.5</a:t>
+            </a:r>
+            <a:r>
+              <a:rPr lang="en-US" dirty="0" smtClean="0"/>
+              <a:t>% </a:t>
+            </a:r>
+            <a:r>
+              <a:rPr lang="en-US" dirty="0"/>
+              <a:t>- </a:t>
+            </a:r>
+            <a:r>
+              <a:rPr lang="ru-RU" dirty="0"/>
+              <a:t>максимальная </a:t>
+            </a:r>
+            <a:r>
+              <a:rPr lang="en-US" dirty="0"/>
+              <a:t>PD </a:t>
+            </a:r>
+            <a:r>
+              <a:rPr lang="ru-RU" dirty="0"/>
+              <a:t>для одобрения</a:t>
+            </a:r>
+          </a:p>
+          <a:p>
+            <a:pPr marL="285750" indent="-285750">
+              <a:buFont typeface="Arial" panose="020B0604020202020204" pitchFamily="34" charset="0"/>
+              <a:buChar char="•"/>
+            </a:pPr>
+            <a:r>
+              <a:rPr lang="en-US" dirty="0" smtClean="0"/>
+              <a:t>25</a:t>
+            </a:r>
+            <a:r>
+              <a:rPr lang="en-US" dirty="0"/>
+              <a:t>% - </a:t>
+            </a:r>
+            <a:r>
+              <a:rPr lang="ru-RU" dirty="0"/>
+              <a:t>максимум в одном секторе  </a:t>
+            </a:r>
+          </a:p>
+          <a:p>
+            <a:pPr marL="285750" indent="-285750">
+              <a:buFont typeface="Arial" panose="020B0604020202020204" pitchFamily="34" charset="0"/>
+              <a:buChar char="•"/>
+            </a:pPr>
+            <a:r>
+              <a:rPr lang="en-US" dirty="0" smtClean="0"/>
+              <a:t>8</a:t>
+            </a:r>
+            <a:r>
+              <a:rPr lang="en-US" dirty="0"/>
+              <a:t>% - </a:t>
+            </a:r>
+            <a:r>
+              <a:rPr lang="ru-RU" dirty="0"/>
+              <a:t>максимум на одного заемщика</a:t>
+            </a:r>
+            <a:endParaRPr lang="en-US" dirty="0"/>
+          </a:p>
+        </p:txBody>
+      </p:sp>
+      <p:sp>
+        <p:nvSpPr>
+          <p:cNvPr id="9" name="TextBox 8"/>
+          <p:cNvSpPr txBox="1"/>
+          <p:nvPr/>
+        </p:nvSpPr>
+        <p:spPr>
+          <a:xfrm>
+            <a:off x="4571999" y="3173201"/>
+            <a:ext cx="7306573" cy="400110"/>
+          </a:xfrm>
+          <a:prstGeom prst="rect">
+            <a:avLst/>
+          </a:prstGeom>
+          <a:noFill/>
+        </p:spPr>
+        <p:txBody>
+          <a:bodyPr wrap="square" rtlCol="0">
+            <a:spAutoFit/>
+          </a:bodyPr>
+          <a:lstStyle/>
+          <a:p>
+            <a:pPr algn="ctr"/>
+            <a:r>
+              <a:rPr lang="ru-RU" sz="2000" b="1" dirty="0" smtClean="0"/>
+              <a:t>Сложный подход</a:t>
+            </a:r>
+            <a:endParaRPr lang="en-US" sz="2000" b="1" dirty="0"/>
+          </a:p>
+        </p:txBody>
+      </p:sp>
+      <p:sp>
+        <p:nvSpPr>
+          <p:cNvPr id="20" name="TextBox 19"/>
+          <p:cNvSpPr txBox="1"/>
+          <p:nvPr/>
+        </p:nvSpPr>
+        <p:spPr>
+          <a:xfrm>
+            <a:off x="313427" y="3191535"/>
+            <a:ext cx="3937240" cy="400110"/>
+          </a:xfrm>
+          <a:prstGeom prst="rect">
+            <a:avLst/>
+          </a:prstGeom>
+          <a:noFill/>
+        </p:spPr>
+        <p:txBody>
+          <a:bodyPr wrap="square" rtlCol="0">
+            <a:spAutoFit/>
+          </a:bodyPr>
+          <a:lstStyle/>
+          <a:p>
+            <a:pPr algn="ctr"/>
+            <a:r>
+              <a:rPr lang="ru-RU" sz="2000" b="1" dirty="0" smtClean="0"/>
+              <a:t>Простой подход</a:t>
+            </a:r>
+            <a:endParaRPr lang="en-US" sz="2000" b="1" dirty="0"/>
+          </a:p>
+        </p:txBody>
+      </p:sp>
+      <p:sp>
+        <p:nvSpPr>
+          <p:cNvPr id="15" name="Прямоугольник 14"/>
+          <p:cNvSpPr/>
+          <p:nvPr/>
+        </p:nvSpPr>
+        <p:spPr>
+          <a:xfrm>
+            <a:off x="304801" y="4088669"/>
+            <a:ext cx="3945866" cy="646331"/>
+          </a:xfrm>
+          <a:prstGeom prst="rect">
+            <a:avLst/>
+          </a:prstGeom>
+        </p:spPr>
+        <p:txBody>
+          <a:bodyPr wrap="square">
+            <a:spAutoFit/>
+          </a:bodyPr>
+          <a:lstStyle/>
+          <a:p>
+            <a:pPr marL="285750" indent="-285750">
+              <a:buFont typeface="Arial" panose="020B0604020202020204" pitchFamily="34" charset="0"/>
+              <a:buChar char="•"/>
+            </a:pPr>
+            <a:r>
+              <a:rPr lang="ru-RU" dirty="0" smtClean="0"/>
+              <a:t>3</a:t>
+            </a:r>
+            <a:r>
+              <a:rPr lang="en-US" dirty="0" smtClean="0"/>
+              <a:t>% </a:t>
+            </a:r>
+            <a:r>
+              <a:rPr lang="en-US" dirty="0"/>
+              <a:t>- </a:t>
+            </a:r>
+            <a:r>
+              <a:rPr lang="ru-RU" dirty="0"/>
+              <a:t>максимальная </a:t>
+            </a:r>
+            <a:r>
+              <a:rPr lang="en-US" dirty="0"/>
+              <a:t>PD </a:t>
+            </a:r>
+            <a:r>
+              <a:rPr lang="ru-RU" dirty="0"/>
+              <a:t>для одобрения</a:t>
+            </a:r>
+            <a:endParaRPr lang="ru-RU" dirty="0"/>
+          </a:p>
+        </p:txBody>
+      </p:sp>
+      <p:cxnSp>
+        <p:nvCxnSpPr>
+          <p:cNvPr id="22" name="Прямая со стрелкой 21"/>
+          <p:cNvCxnSpPr>
+            <a:stCxn id="17" idx="2"/>
+            <a:endCxn id="6" idx="0"/>
+          </p:cNvCxnSpPr>
+          <p:nvPr/>
+        </p:nvCxnSpPr>
+        <p:spPr>
+          <a:xfrm>
+            <a:off x="6096000" y="1834609"/>
+            <a:ext cx="0" cy="371104"/>
+          </a:xfrm>
+          <a:prstGeom prst="straightConnector1">
+            <a:avLst/>
+          </a:prstGeom>
+          <a:ln>
+            <a:tailEnd type="triangle"/>
+          </a:ln>
+        </p:spPr>
+        <p:style>
+          <a:lnRef idx="2">
+            <a:schemeClr val="accent1"/>
+          </a:lnRef>
+          <a:fillRef idx="0">
+            <a:schemeClr val="accent1"/>
+          </a:fillRef>
+          <a:effectRef idx="1">
+            <a:schemeClr val="accent1"/>
+          </a:effectRef>
+          <a:fontRef idx="minor">
+            <a:schemeClr val="tx1"/>
+          </a:fontRef>
+        </p:style>
+      </p:cxnSp>
+      <p:cxnSp>
+        <p:nvCxnSpPr>
+          <p:cNvPr id="24" name="Прямая со стрелкой 23"/>
+          <p:cNvCxnSpPr>
+            <a:stCxn id="6" idx="2"/>
+            <a:endCxn id="18" idx="0"/>
+          </p:cNvCxnSpPr>
+          <p:nvPr/>
+        </p:nvCxnSpPr>
+        <p:spPr>
+          <a:xfrm flipH="1">
+            <a:off x="2282046" y="2575045"/>
+            <a:ext cx="3813954" cy="492105"/>
+          </a:xfrm>
+          <a:prstGeom prst="straightConnector1">
+            <a:avLst/>
+          </a:prstGeom>
+          <a:ln>
+            <a:tailEnd type="triangle"/>
+          </a:ln>
+        </p:spPr>
+        <p:style>
+          <a:lnRef idx="2">
+            <a:schemeClr val="accent1"/>
+          </a:lnRef>
+          <a:fillRef idx="0">
+            <a:schemeClr val="accent1"/>
+          </a:fillRef>
+          <a:effectRef idx="1">
+            <a:schemeClr val="accent1"/>
+          </a:effectRef>
+          <a:fontRef idx="minor">
+            <a:schemeClr val="tx1"/>
+          </a:fontRef>
+        </p:style>
+      </p:cxnSp>
+      <p:cxnSp>
+        <p:nvCxnSpPr>
+          <p:cNvPr id="26" name="Прямая со стрелкой 25"/>
+          <p:cNvCxnSpPr>
+            <a:stCxn id="6" idx="2"/>
+            <a:endCxn id="19" idx="0"/>
+          </p:cNvCxnSpPr>
+          <p:nvPr/>
+        </p:nvCxnSpPr>
+        <p:spPr>
+          <a:xfrm>
+            <a:off x="6096000" y="2575045"/>
+            <a:ext cx="2129287" cy="492105"/>
+          </a:xfrm>
+          <a:prstGeom prst="straightConnector1">
+            <a:avLst/>
+          </a:prstGeom>
+          <a:ln>
+            <a:tailEnd type="triangle"/>
+          </a:ln>
+        </p:spPr>
+        <p:style>
+          <a:lnRef idx="2">
+            <a:schemeClr val="accent1"/>
+          </a:lnRef>
+          <a:fillRef idx="0">
+            <a:schemeClr val="accent1"/>
+          </a:fillRef>
+          <a:effectRef idx="1">
+            <a:schemeClr val="accent1"/>
+          </a:effectRef>
+          <a:fontRef idx="minor">
+            <a:schemeClr val="tx1"/>
+          </a:fontRef>
+        </p:style>
+      </p:cxnSp>
+    </p:spTree>
+    <p:extLst>
+      <p:ext uri="{BB962C8B-B14F-4D97-AF65-F5344CB8AC3E}">
+        <p14:creationId xmlns:p14="http://schemas.microsoft.com/office/powerpoint/2010/main" val="2361928717"/>
+      </p:ext>
+    </p:extLst>
+  </p:cSld>
+  <p:clrMapOvr>
+    <a:masterClrMapping/>
+  </p:clrMapOvr>
+</p:sld>
+</file>
+
+<file path=ppt/slides/slide19.xml><?xml version="1.0" encoding="utf-8"?>
+<p:sld xmlns:a="http://schemas.openxmlformats.org/drawingml/2006/main" xmlns:r="http://schemas.openxmlformats.org/officeDocument/2006/relationships" xmlns:p="http://schemas.openxmlformats.org/presentationml/2006/main">
+  <p:cSld>
+    <p:spTree>
+      <p:nvGrpSpPr>
+        <p:cNvPr id="1" name=""/>
+        <p:cNvGrpSpPr/>
+        <p:nvPr/>
+      </p:nvGrpSpPr>
+      <p:grpSpPr>
+        <a:xfrm>
+          <a:off x="0" y="0"/>
+          <a:ext cx="0" cy="0"/>
+          <a:chOff x="0" y="0"/>
+          <a:chExt cx="0" cy="0"/>
+        </a:xfrm>
+      </p:grpSpPr>
+      <p:pic>
+        <p:nvPicPr>
+          <p:cNvPr id="4" name="Рисунок 3"/>
+          <p:cNvPicPr>
+            <a:picLocks noChangeAspect="1"/>
+          </p:cNvPicPr>
+          <p:nvPr/>
+        </p:nvPicPr>
+        <p:blipFill>
+          <a:blip r:embed="rId2"/>
+          <a:stretch>
+            <a:fillRect/>
+          </a:stretch>
+        </p:blipFill>
+        <p:spPr>
+          <a:xfrm>
+            <a:off x="884582" y="0"/>
+            <a:ext cx="10356980" cy="6858000"/>
+          </a:xfrm>
+          <a:prstGeom prst="rect">
+            <a:avLst/>
+          </a:prstGeom>
+        </p:spPr>
+      </p:pic>
+    </p:spTree>
+    <p:extLst>
+      <p:ext uri="{BB962C8B-B14F-4D97-AF65-F5344CB8AC3E}">
+        <p14:creationId xmlns:p14="http://schemas.microsoft.com/office/powerpoint/2010/main" val="1221164846"/>
+      </p:ext>
+    </p:extLst>
+  </p:cSld>
+  <p:clrMapOvr>
+    <a:masterClrMapping/>
+  </p:clrMapOvr>
+</p:sld>
+</file>
+
+<file path=ppt/slides/slide2.xml><?xml version="1.0" encoding="utf-8"?>
+<p:sld xmlns:a="http://schemas.openxmlformats.org/drawingml/2006/main" xmlns:r="http://schemas.openxmlformats.org/officeDocument/2006/relationships" xmlns:p="http://schemas.openxmlformats.org/presentationml/2006/main">
+  <p:cSld>
+    <p:spTree>
+      <p:nvGrpSpPr>
+        <p:cNvPr id="1" name=""/>
+        <p:cNvGrpSpPr/>
+        <p:nvPr/>
+      </p:nvGrpSpPr>
+      <p:grpSpPr>
+        <a:xfrm>
+          <a:off x="0" y="0"/>
+          <a:ext cx="0" cy="0"/>
+          <a:chOff x="0" y="0"/>
+          <a:chExt cx="0" cy="0"/>
+        </a:xfrm>
+      </p:grpSpPr>
+      <p:sp>
+        <p:nvSpPr>
+          <p:cNvPr id="2" name="Title 1">
+            <a:extLst>
+              <a:ext uri="{FF2B5EF4-FFF2-40B4-BE49-F238E27FC236}">
+                <a16:creationId xmlns:a16="http://schemas.microsoft.com/office/drawing/2014/main" id="{746997BD-4379-0CC3-174F-952BF4BF90D9}"/>
+              </a:ext>
+            </a:extLst>
+          </p:cNvPr>
+          <p:cNvSpPr>
+            <a:spLocks noGrp="1"/>
+          </p:cNvSpPr>
+          <p:nvPr>
+            <p:ph type="title"/>
+          </p:nvPr>
+        </p:nvSpPr>
+        <p:spPr>
+          <a:xfrm>
+            <a:off x="580618" y="2026297"/>
+            <a:ext cx="3488602" cy="968278"/>
+          </a:xfrm>
+        </p:spPr>
+        <p:txBody>
+          <a:bodyPr>
+            <a:normAutofit/>
+          </a:bodyPr>
+          <a:lstStyle/>
+          <a:p>
+            <a:r>
+              <a:rPr lang="ru-RU" sz="2400" dirty="0">
+                <a:solidFill>
+                  <a:schemeClr val="bg1"/>
+                </a:solidFill>
+              </a:rPr>
+              <a:t>Виды риска</a:t>
+            </a:r>
+          </a:p>
+        </p:txBody>
+      </p:sp>
+      <p:sp>
+        <p:nvSpPr>
+          <p:cNvPr id="9" name="TextBox 8">
+            <a:extLst>
+              <a:ext uri="{FF2B5EF4-FFF2-40B4-BE49-F238E27FC236}">
+                <a16:creationId xmlns:a16="http://schemas.microsoft.com/office/drawing/2014/main" id="{50010D59-AAC1-5369-1079-A337C5DDF8AB}"/>
+              </a:ext>
+            </a:extLst>
+          </p:cNvPr>
+          <p:cNvSpPr txBox="1"/>
+          <p:nvPr/>
+        </p:nvSpPr>
+        <p:spPr>
+          <a:xfrm>
+            <a:off x="314418" y="1084970"/>
+            <a:ext cx="11289318" cy="685059"/>
+          </a:xfrm>
+          <a:prstGeom prst="rect">
+            <a:avLst/>
+          </a:prstGeom>
+          <a:noFill/>
+        </p:spPr>
+        <p:txBody>
+          <a:bodyPr wrap="square">
+            <a:spAutoFit/>
+          </a:bodyPr>
+          <a:lstStyle/>
+          <a:p>
+            <a:pPr marL="0" marR="0">
+              <a:lnSpc>
+                <a:spcPct val="107000"/>
+              </a:lnSpc>
+              <a:spcAft>
+                <a:spcPts val="800"/>
+              </a:spcAft>
+            </a:pPr>
+            <a:r>
+              <a:rPr lang="ru-RU" b="1" kern="100" dirty="0">
+                <a:effectLst/>
+                <a:latin typeface="Calibri" panose="020F0502020204030204" pitchFamily="34" charset="0"/>
+                <a:ea typeface="Calibri" panose="020F0502020204030204" pitchFamily="34" charset="0"/>
+                <a:cs typeface="Times New Roman" panose="02020603050405020304" pitchFamily="18" charset="0"/>
+              </a:rPr>
+              <a:t>Управление кредитным портфелем</a:t>
+            </a:r>
+            <a:r>
+              <a:rPr lang="ru-RU" kern="100" dirty="0">
+                <a:effectLst/>
+                <a:latin typeface="Calibri" panose="020F0502020204030204" pitchFamily="34" charset="0"/>
+                <a:ea typeface="Calibri" panose="020F0502020204030204" pitchFamily="34" charset="0"/>
+                <a:cs typeface="Times New Roman" panose="02020603050405020304" pitchFamily="18" charset="0"/>
+              </a:rPr>
+              <a:t> – деятельность , направленная на оптимизацию портфеля выданных займов. Управление служит для увеличения прибыли по активным операциям и для снижения риска.</a:t>
+            </a:r>
+          </a:p>
+        </p:txBody>
+      </p:sp>
+      <p:sp>
+        <p:nvSpPr>
+          <p:cNvPr id="32" name="Title 1">
+            <a:extLst>
+              <a:ext uri="{FF2B5EF4-FFF2-40B4-BE49-F238E27FC236}">
+                <a16:creationId xmlns:a16="http://schemas.microsoft.com/office/drawing/2014/main" id="{5D08965D-846D-BA3C-EA53-362B13841BA1}"/>
+              </a:ext>
+            </a:extLst>
+          </p:cNvPr>
+          <p:cNvSpPr txBox="1">
+            <a:spLocks/>
+          </p:cNvSpPr>
+          <p:nvPr/>
+        </p:nvSpPr>
+        <p:spPr>
+          <a:xfrm>
+            <a:off x="314418" y="287507"/>
+            <a:ext cx="10763157" cy="586513"/>
+          </a:xfrm>
+          <a:prstGeom prst="rect">
+            <a:avLst/>
+          </a:prstGeom>
+        </p:spPr>
+        <p:txBody>
+          <a:bodyPr vert="horz" lIns="91440" tIns="45720" rIns="91440" bIns="45720" rtlCol="0" anchor="ctr">
+            <a:normAutofit/>
+          </a:bodyPr>
+          <a:lstStyle>
+            <a:lvl1pPr algn="l" defTabSz="914400" rtl="0" eaLnBrk="1" latinLnBrk="0" hangingPunct="1">
+              <a:lnSpc>
+                <a:spcPct val="90000"/>
+              </a:lnSpc>
+              <a:spcBef>
+                <a:spcPct val="0"/>
+              </a:spcBef>
+              <a:buNone/>
+              <a:defRPr sz="4400" kern="1200">
+                <a:solidFill>
+                  <a:schemeClr val="tx1"/>
+                </a:solidFill>
+                <a:latin typeface="+mj-lt"/>
+                <a:ea typeface="+mj-ea"/>
+                <a:cs typeface="+mj-cs"/>
+              </a:defRPr>
+            </a:lvl1pPr>
+          </a:lstStyle>
+          <a:p>
+            <a:r>
+              <a:rPr lang="ru-RU" sz="3200" dirty="0"/>
+              <a:t>Основные понятия</a:t>
+            </a:r>
+          </a:p>
+        </p:txBody>
+      </p:sp>
+      <p:cxnSp>
+        <p:nvCxnSpPr>
+          <p:cNvPr id="8" name="Straight Connector 7">
+            <a:extLst>
+              <a:ext uri="{FF2B5EF4-FFF2-40B4-BE49-F238E27FC236}">
+                <a16:creationId xmlns:a16="http://schemas.microsoft.com/office/drawing/2014/main" id="{0E853930-ECCE-62B1-DBD4-7C8F79CF98A8}"/>
+              </a:ext>
+            </a:extLst>
+          </p:cNvPr>
+          <p:cNvCxnSpPr/>
+          <p:nvPr/>
+        </p:nvCxnSpPr>
+        <p:spPr>
+          <a:xfrm flipH="1">
+            <a:off x="304800" y="829877"/>
+            <a:ext cx="11298936" cy="8641"/>
+          </a:xfrm>
+          <a:prstGeom prst="line">
+            <a:avLst/>
+          </a:prstGeom>
+          <a:ln/>
+        </p:spPr>
+        <p:style>
+          <a:lnRef idx="3">
+            <a:schemeClr val="accent4"/>
+          </a:lnRef>
+          <a:fillRef idx="0">
+            <a:schemeClr val="accent4"/>
+          </a:fillRef>
+          <a:effectRef idx="2">
+            <a:schemeClr val="accent4"/>
+          </a:effectRef>
+          <a:fontRef idx="minor">
+            <a:schemeClr val="tx1"/>
+          </a:fontRef>
+        </p:style>
+      </p:cxnSp>
+      <p:sp>
+        <p:nvSpPr>
+          <p:cNvPr id="5" name="Скругленный прямоугольник 4"/>
+          <p:cNvSpPr/>
+          <p:nvPr/>
+        </p:nvSpPr>
+        <p:spPr>
+          <a:xfrm>
+            <a:off x="304800" y="2026296"/>
+            <a:ext cx="11289318" cy="1679041"/>
+          </a:xfrm>
+          <a:prstGeom prst="roundRect">
+            <a:avLst/>
+          </a:prstGeom>
+          <a:solidFill>
+            <a:schemeClr val="tx2">
+              <a:lumMod val="10000"/>
+              <a:lumOff val="90000"/>
+            </a:schemeClr>
+          </a:solidFill>
+          <a:ln>
+            <a:solidFill>
+              <a:schemeClr val="tx2">
+                <a:lumMod val="10000"/>
+                <a:lumOff val="90000"/>
+              </a:schemeClr>
+            </a:solidFill>
+          </a:ln>
+        </p:spPr>
+        <p:style>
+          <a:lnRef idx="2">
+            <a:schemeClr val="accent1">
+              <a:shade val="50000"/>
+            </a:schemeClr>
+          </a:lnRef>
+          <a:fillRef idx="1">
+            <a:schemeClr val="accent1"/>
+          </a:fillRef>
+          <a:effectRef idx="0">
+            <a:schemeClr val="accent1"/>
+          </a:effectRef>
+          <a:fontRef idx="minor">
+            <a:schemeClr val="lt1"/>
+          </a:fontRef>
+        </p:style>
+        <p:txBody>
+          <a:bodyPr rtlCol="0" anchor="ctr"/>
+          <a:lstStyle/>
+          <a:p>
+            <a:pPr algn="ctr"/>
+            <a:endParaRPr lang="en-US"/>
+          </a:p>
+        </p:txBody>
+      </p:sp>
+      <p:sp>
+        <p:nvSpPr>
+          <p:cNvPr id="6" name="Скругленный прямоугольник 5"/>
+          <p:cNvSpPr/>
+          <p:nvPr/>
+        </p:nvSpPr>
+        <p:spPr>
+          <a:xfrm>
+            <a:off x="435160" y="2445923"/>
+            <a:ext cx="2143921" cy="1155822"/>
+          </a:xfrm>
+          <a:prstGeom prst="roundRect">
+            <a:avLst/>
+          </a:prstGeom>
+          <a:solidFill>
+            <a:schemeClr val="tx2">
+              <a:lumMod val="25000"/>
+              <a:lumOff val="75000"/>
+            </a:schemeClr>
+          </a:solidFill>
+          <a:ln>
+            <a:solidFill>
+              <a:schemeClr val="tx2">
+                <a:lumMod val="50000"/>
+                <a:lumOff val="50000"/>
+              </a:schemeClr>
+            </a:solidFill>
+          </a:ln>
+        </p:spPr>
+        <p:style>
+          <a:lnRef idx="2">
+            <a:schemeClr val="accent1">
+              <a:shade val="50000"/>
+            </a:schemeClr>
+          </a:lnRef>
+          <a:fillRef idx="1">
+            <a:schemeClr val="accent1"/>
+          </a:fillRef>
+          <a:effectRef idx="0">
+            <a:schemeClr val="accent1"/>
+          </a:effectRef>
+          <a:fontRef idx="minor">
+            <a:schemeClr val="lt1"/>
+          </a:fontRef>
+        </p:style>
+        <p:txBody>
+          <a:bodyPr rtlCol="0" anchor="ctr"/>
+          <a:lstStyle/>
+          <a:p>
+            <a:pPr algn="ctr">
+              <a:lnSpc>
+                <a:spcPct val="200000"/>
+              </a:lnSpc>
+            </a:pPr>
+            <a:endParaRPr lang="ru-RU" sz="2400" dirty="0"/>
+          </a:p>
+        </p:txBody>
+      </p:sp>
+      <p:sp>
+        <p:nvSpPr>
+          <p:cNvPr id="22" name="Скругленный прямоугольник 21"/>
+          <p:cNvSpPr/>
+          <p:nvPr/>
+        </p:nvSpPr>
+        <p:spPr>
+          <a:xfrm>
+            <a:off x="2656297" y="2445923"/>
+            <a:ext cx="2143921" cy="1155822"/>
+          </a:xfrm>
+          <a:prstGeom prst="roundRect">
+            <a:avLst/>
+          </a:prstGeom>
+          <a:solidFill>
+            <a:schemeClr val="tx2">
+              <a:lumMod val="25000"/>
+              <a:lumOff val="75000"/>
+            </a:schemeClr>
+          </a:solidFill>
+          <a:ln>
+            <a:solidFill>
+              <a:schemeClr val="tx2">
+                <a:lumMod val="50000"/>
+                <a:lumOff val="50000"/>
+              </a:schemeClr>
+            </a:solidFill>
+          </a:ln>
+        </p:spPr>
+        <p:style>
+          <a:lnRef idx="2">
+            <a:schemeClr val="accent1">
+              <a:shade val="50000"/>
+            </a:schemeClr>
+          </a:lnRef>
+          <a:fillRef idx="1">
+            <a:schemeClr val="accent1"/>
+          </a:fillRef>
+          <a:effectRef idx="0">
+            <a:schemeClr val="accent1"/>
+          </a:effectRef>
+          <a:fontRef idx="minor">
+            <a:schemeClr val="lt1"/>
+          </a:fontRef>
+        </p:style>
+        <p:txBody>
+          <a:bodyPr rtlCol="0" anchor="ctr"/>
+          <a:lstStyle/>
+          <a:p>
+            <a:pPr>
+              <a:lnSpc>
+                <a:spcPct val="200000"/>
+              </a:lnSpc>
+            </a:pPr>
+            <a:endParaRPr lang="ru-RU" dirty="0"/>
+          </a:p>
+        </p:txBody>
+      </p:sp>
+      <p:sp>
+        <p:nvSpPr>
+          <p:cNvPr id="23" name="Скругленный прямоугольник 22"/>
+          <p:cNvSpPr/>
+          <p:nvPr/>
+        </p:nvSpPr>
+        <p:spPr>
+          <a:xfrm>
+            <a:off x="4877434" y="2445923"/>
+            <a:ext cx="2143921" cy="1155822"/>
+          </a:xfrm>
+          <a:prstGeom prst="roundRect">
+            <a:avLst/>
+          </a:prstGeom>
+          <a:solidFill>
+            <a:schemeClr val="tx2">
+              <a:lumMod val="25000"/>
+              <a:lumOff val="75000"/>
+            </a:schemeClr>
+          </a:solidFill>
+          <a:ln>
+            <a:solidFill>
+              <a:schemeClr val="tx2">
+                <a:lumMod val="50000"/>
+                <a:lumOff val="50000"/>
+              </a:schemeClr>
+            </a:solidFill>
+          </a:ln>
+        </p:spPr>
+        <p:style>
+          <a:lnRef idx="2">
+            <a:schemeClr val="accent1">
+              <a:shade val="50000"/>
+            </a:schemeClr>
+          </a:lnRef>
+          <a:fillRef idx="1">
+            <a:schemeClr val="accent1"/>
+          </a:fillRef>
+          <a:effectRef idx="0">
+            <a:schemeClr val="accent1"/>
+          </a:effectRef>
+          <a:fontRef idx="minor">
+            <a:schemeClr val="lt1"/>
+          </a:fontRef>
+        </p:style>
+        <p:txBody>
+          <a:bodyPr rtlCol="0" anchor="ctr"/>
+          <a:lstStyle/>
+          <a:p>
+            <a:pPr>
+              <a:lnSpc>
+                <a:spcPct val="200000"/>
+              </a:lnSpc>
+            </a:pPr>
+            <a:endParaRPr lang="ru-RU" dirty="0"/>
+          </a:p>
+        </p:txBody>
+      </p:sp>
+      <p:sp>
+        <p:nvSpPr>
+          <p:cNvPr id="24" name="Скругленный прямоугольник 23"/>
+          <p:cNvSpPr/>
+          <p:nvPr/>
+        </p:nvSpPr>
+        <p:spPr>
+          <a:xfrm>
+            <a:off x="7098571" y="2445923"/>
+            <a:ext cx="2143921" cy="1155822"/>
+          </a:xfrm>
+          <a:prstGeom prst="roundRect">
+            <a:avLst/>
+          </a:prstGeom>
+          <a:solidFill>
+            <a:schemeClr val="tx2">
+              <a:lumMod val="25000"/>
+              <a:lumOff val="75000"/>
+            </a:schemeClr>
+          </a:solidFill>
+          <a:ln>
+            <a:solidFill>
+              <a:schemeClr val="tx2">
+                <a:lumMod val="50000"/>
+                <a:lumOff val="50000"/>
+              </a:schemeClr>
+            </a:solidFill>
+          </a:ln>
+        </p:spPr>
+        <p:style>
+          <a:lnRef idx="2">
+            <a:schemeClr val="accent1">
+              <a:shade val="50000"/>
+            </a:schemeClr>
+          </a:lnRef>
+          <a:fillRef idx="1">
+            <a:schemeClr val="accent1"/>
+          </a:fillRef>
+          <a:effectRef idx="0">
+            <a:schemeClr val="accent1"/>
+          </a:effectRef>
+          <a:fontRef idx="minor">
+            <a:schemeClr val="lt1"/>
+          </a:fontRef>
+        </p:style>
+        <p:txBody>
+          <a:bodyPr rtlCol="0" anchor="ctr"/>
+          <a:lstStyle/>
+          <a:p>
+            <a:pPr>
+              <a:lnSpc>
+                <a:spcPct val="200000"/>
+              </a:lnSpc>
+            </a:pPr>
+            <a:endParaRPr lang="en-US" dirty="0"/>
+          </a:p>
+        </p:txBody>
+      </p:sp>
+      <p:sp>
+        <p:nvSpPr>
+          <p:cNvPr id="25" name="Скругленный прямоугольник 24"/>
+          <p:cNvSpPr/>
+          <p:nvPr/>
+        </p:nvSpPr>
+        <p:spPr>
+          <a:xfrm>
+            <a:off x="9319708" y="2445923"/>
+            <a:ext cx="2143921" cy="1155822"/>
+          </a:xfrm>
+          <a:prstGeom prst="roundRect">
+            <a:avLst/>
+          </a:prstGeom>
+          <a:solidFill>
+            <a:schemeClr val="tx2">
+              <a:lumMod val="25000"/>
+              <a:lumOff val="75000"/>
+            </a:schemeClr>
+          </a:solidFill>
+          <a:ln>
+            <a:solidFill>
+              <a:schemeClr val="tx2">
+                <a:lumMod val="50000"/>
+                <a:lumOff val="50000"/>
+              </a:schemeClr>
+            </a:solidFill>
+          </a:ln>
+        </p:spPr>
+        <p:style>
+          <a:lnRef idx="2">
+            <a:schemeClr val="accent1">
+              <a:shade val="50000"/>
+            </a:schemeClr>
+          </a:lnRef>
+          <a:fillRef idx="1">
+            <a:schemeClr val="accent1"/>
+          </a:fillRef>
+          <a:effectRef idx="0">
+            <a:schemeClr val="accent1"/>
+          </a:effectRef>
+          <a:fontRef idx="minor">
+            <a:schemeClr val="lt1"/>
+          </a:fontRef>
+        </p:style>
+        <p:txBody>
+          <a:bodyPr rtlCol="0" anchor="ctr"/>
+          <a:lstStyle/>
+          <a:p>
+            <a:pPr>
+              <a:lnSpc>
+                <a:spcPct val="200000"/>
+              </a:lnSpc>
+            </a:pPr>
+            <a:endParaRPr lang="ru-RU" dirty="0"/>
+          </a:p>
+        </p:txBody>
+      </p:sp>
+      <p:sp>
+        <p:nvSpPr>
+          <p:cNvPr id="7" name="TextBox 6"/>
+          <p:cNvSpPr txBox="1"/>
+          <p:nvPr/>
+        </p:nvSpPr>
+        <p:spPr>
+          <a:xfrm>
+            <a:off x="435160" y="2051444"/>
+            <a:ext cx="3745859" cy="369332"/>
+          </a:xfrm>
+          <a:prstGeom prst="rect">
+            <a:avLst/>
+          </a:prstGeom>
+          <a:noFill/>
+        </p:spPr>
+        <p:txBody>
+          <a:bodyPr wrap="square" rtlCol="0">
+            <a:spAutoFit/>
+          </a:bodyPr>
+          <a:lstStyle/>
+          <a:p>
+            <a:r>
+              <a:rPr lang="ru-RU" b="1" dirty="0" smtClean="0">
+                <a:solidFill>
+                  <a:schemeClr val="tx1">
+                    <a:lumMod val="95000"/>
+                    <a:lumOff val="5000"/>
+                  </a:schemeClr>
+                </a:solidFill>
+              </a:rPr>
+              <a:t>Виды банковских рисков</a:t>
+            </a:r>
+            <a:endParaRPr lang="en-US" b="1" dirty="0">
+              <a:solidFill>
+                <a:schemeClr val="tx1">
+                  <a:lumMod val="95000"/>
+                  <a:lumOff val="5000"/>
+                </a:schemeClr>
+              </a:solidFill>
+            </a:endParaRPr>
+          </a:p>
+        </p:txBody>
+      </p:sp>
+      <p:sp>
+        <p:nvSpPr>
+          <p:cNvPr id="10" name="TextBox 9"/>
+          <p:cNvSpPr txBox="1"/>
+          <p:nvPr/>
+        </p:nvSpPr>
+        <p:spPr>
+          <a:xfrm>
+            <a:off x="435105" y="2694451"/>
+            <a:ext cx="2152412" cy="646331"/>
+          </a:xfrm>
+          <a:prstGeom prst="rect">
+            <a:avLst/>
+          </a:prstGeom>
+          <a:noFill/>
+        </p:spPr>
+        <p:txBody>
+          <a:bodyPr wrap="square" rtlCol="0">
+            <a:spAutoFit/>
+          </a:bodyPr>
+          <a:lstStyle/>
+          <a:p>
+            <a:pPr algn="ctr"/>
+            <a:r>
+              <a:rPr lang="ru-RU" dirty="0"/>
+              <a:t>Процентный риск </a:t>
+            </a:r>
+          </a:p>
+        </p:txBody>
+      </p:sp>
+      <p:sp>
+        <p:nvSpPr>
+          <p:cNvPr id="34" name="TextBox 33"/>
+          <p:cNvSpPr txBox="1"/>
+          <p:nvPr/>
+        </p:nvSpPr>
+        <p:spPr>
+          <a:xfrm>
+            <a:off x="2647806" y="2690697"/>
+            <a:ext cx="2152412" cy="646331"/>
+          </a:xfrm>
+          <a:prstGeom prst="rect">
+            <a:avLst/>
+          </a:prstGeom>
+          <a:noFill/>
+        </p:spPr>
+        <p:txBody>
+          <a:bodyPr wrap="square" rtlCol="0">
+            <a:spAutoFit/>
+          </a:bodyPr>
+          <a:lstStyle/>
+          <a:p>
+            <a:pPr algn="ctr"/>
+            <a:r>
+              <a:rPr lang="ru-RU" dirty="0" smtClean="0"/>
+              <a:t>Валютный</a:t>
+            </a:r>
+          </a:p>
+          <a:p>
+            <a:pPr algn="ctr"/>
+            <a:r>
+              <a:rPr lang="ru-RU" dirty="0" smtClean="0"/>
+              <a:t>риск </a:t>
+            </a:r>
+            <a:endParaRPr lang="ru-RU" dirty="0"/>
+          </a:p>
+        </p:txBody>
+      </p:sp>
+      <p:sp>
+        <p:nvSpPr>
+          <p:cNvPr id="35" name="TextBox 34"/>
+          <p:cNvSpPr txBox="1"/>
+          <p:nvPr/>
+        </p:nvSpPr>
+        <p:spPr>
+          <a:xfrm>
+            <a:off x="4838614" y="2712735"/>
+            <a:ext cx="2152412" cy="646331"/>
+          </a:xfrm>
+          <a:prstGeom prst="rect">
+            <a:avLst/>
+          </a:prstGeom>
+          <a:noFill/>
+        </p:spPr>
+        <p:txBody>
+          <a:bodyPr wrap="square" rtlCol="0">
+            <a:spAutoFit/>
+          </a:bodyPr>
+          <a:lstStyle/>
+          <a:p>
+            <a:pPr algn="ctr"/>
+            <a:r>
+              <a:rPr lang="ru-RU" dirty="0" smtClean="0"/>
+              <a:t>Кредитный</a:t>
+            </a:r>
+          </a:p>
+          <a:p>
+            <a:pPr algn="ctr"/>
+            <a:r>
+              <a:rPr lang="ru-RU" dirty="0" smtClean="0"/>
+              <a:t>риск </a:t>
+            </a:r>
+            <a:endParaRPr lang="ru-RU" dirty="0"/>
+          </a:p>
+        </p:txBody>
+      </p:sp>
+      <p:sp>
+        <p:nvSpPr>
+          <p:cNvPr id="36" name="TextBox 35"/>
+          <p:cNvSpPr txBox="1"/>
+          <p:nvPr/>
+        </p:nvSpPr>
+        <p:spPr>
+          <a:xfrm>
+            <a:off x="7097280" y="2700668"/>
+            <a:ext cx="2152412" cy="646331"/>
+          </a:xfrm>
+          <a:prstGeom prst="rect">
+            <a:avLst/>
+          </a:prstGeom>
+          <a:noFill/>
+        </p:spPr>
+        <p:txBody>
+          <a:bodyPr wrap="square" rtlCol="0">
+            <a:spAutoFit/>
+          </a:bodyPr>
+          <a:lstStyle/>
+          <a:p>
+            <a:pPr algn="ctr"/>
+            <a:r>
+              <a:rPr lang="ru-RU" dirty="0" smtClean="0"/>
+              <a:t>Риск</a:t>
+            </a:r>
+          </a:p>
+          <a:p>
+            <a:pPr algn="ctr"/>
+            <a:r>
+              <a:rPr lang="ru-RU" dirty="0"/>
+              <a:t>л</a:t>
+            </a:r>
+            <a:r>
+              <a:rPr lang="ru-RU" dirty="0" smtClean="0"/>
+              <a:t>иквидности</a:t>
+            </a:r>
+            <a:endParaRPr lang="ru-RU" dirty="0"/>
+          </a:p>
+        </p:txBody>
+      </p:sp>
+      <p:sp>
+        <p:nvSpPr>
+          <p:cNvPr id="37" name="TextBox 36"/>
+          <p:cNvSpPr txBox="1"/>
+          <p:nvPr/>
+        </p:nvSpPr>
+        <p:spPr>
+          <a:xfrm>
+            <a:off x="9311217" y="2690697"/>
+            <a:ext cx="2152412" cy="646331"/>
+          </a:xfrm>
+          <a:prstGeom prst="rect">
+            <a:avLst/>
+          </a:prstGeom>
+          <a:noFill/>
+        </p:spPr>
+        <p:txBody>
+          <a:bodyPr wrap="square" rtlCol="0">
+            <a:spAutoFit/>
+          </a:bodyPr>
+          <a:lstStyle/>
+          <a:p>
+            <a:pPr algn="ctr"/>
+            <a:r>
+              <a:rPr lang="ru-RU" dirty="0" smtClean="0"/>
+              <a:t>Операционный</a:t>
+            </a:r>
+          </a:p>
+          <a:p>
+            <a:pPr algn="ctr"/>
+            <a:r>
+              <a:rPr lang="ru-RU" dirty="0" smtClean="0"/>
+              <a:t>риск</a:t>
+            </a:r>
+            <a:endParaRPr lang="ru-RU" dirty="0"/>
+          </a:p>
+        </p:txBody>
+      </p:sp>
+      <p:graphicFrame>
+        <p:nvGraphicFramePr>
+          <p:cNvPr id="11" name="Схема 10"/>
+          <p:cNvGraphicFramePr/>
+          <p:nvPr>
+            <p:extLst>
+              <p:ext uri="{D42A27DB-BD31-4B8C-83A1-F6EECF244321}">
+                <p14:modId xmlns:p14="http://schemas.microsoft.com/office/powerpoint/2010/main" val="1049302373"/>
+              </p:ext>
+            </p:extLst>
+          </p:nvPr>
+        </p:nvGraphicFramePr>
+        <p:xfrm>
+          <a:off x="444815" y="5215459"/>
+          <a:ext cx="11028524" cy="560771"/>
+        </p:xfrm>
+        <a:graphic>
+          <a:graphicData uri="http://schemas.openxmlformats.org/drawingml/2006/diagram">
+            <dgm:relIds xmlns:dgm="http://schemas.openxmlformats.org/drawingml/2006/diagram" xmlns:r="http://schemas.openxmlformats.org/officeDocument/2006/relationships" r:dm="rId2" r:lo="rId3" r:qs="rId4" r:cs="rId5"/>
+          </a:graphicData>
+        </a:graphic>
+      </p:graphicFrame>
+      <p:sp>
+        <p:nvSpPr>
+          <p:cNvPr id="12" name="TextBox 11"/>
+          <p:cNvSpPr txBox="1"/>
+          <p:nvPr/>
+        </p:nvSpPr>
+        <p:spPr>
+          <a:xfrm>
+            <a:off x="4863510" y="6021735"/>
+            <a:ext cx="1421127" cy="338554"/>
+          </a:xfrm>
+          <a:prstGeom prst="rect">
+            <a:avLst/>
+          </a:prstGeom>
+          <a:noFill/>
+        </p:spPr>
+        <p:txBody>
+          <a:bodyPr wrap="square" rtlCol="0">
+            <a:spAutoFit/>
+          </a:bodyPr>
+          <a:lstStyle/>
+          <a:p>
+            <a:r>
+              <a:rPr lang="ru-RU" sz="1600" dirty="0" smtClean="0"/>
+              <a:t>Базель 1</a:t>
+            </a:r>
+            <a:endParaRPr lang="en-US" sz="1600" dirty="0"/>
+          </a:p>
+        </p:txBody>
+      </p:sp>
+      <p:sp>
+        <p:nvSpPr>
+          <p:cNvPr id="38" name="TextBox 37"/>
+          <p:cNvSpPr txBox="1"/>
+          <p:nvPr/>
+        </p:nvSpPr>
+        <p:spPr>
+          <a:xfrm>
+            <a:off x="435105" y="6065379"/>
+            <a:ext cx="3014392" cy="584775"/>
+          </a:xfrm>
+          <a:prstGeom prst="rect">
+            <a:avLst/>
+          </a:prstGeom>
+          <a:noFill/>
+        </p:spPr>
+        <p:txBody>
+          <a:bodyPr wrap="square" rtlCol="0">
+            <a:spAutoFit/>
+          </a:bodyPr>
+          <a:lstStyle/>
+          <a:p>
+            <a:r>
+              <a:rPr lang="ru-RU" sz="1600" dirty="0" smtClean="0"/>
+              <a:t>Создание </a:t>
+            </a:r>
+            <a:r>
+              <a:rPr lang="ru-RU" sz="1600" dirty="0" err="1" smtClean="0"/>
+              <a:t>Базельского</a:t>
+            </a:r>
+            <a:r>
+              <a:rPr lang="ru-RU" sz="1600" dirty="0" smtClean="0"/>
+              <a:t> комитета</a:t>
+            </a:r>
+            <a:endParaRPr lang="en-US" sz="1600" dirty="0"/>
+          </a:p>
+        </p:txBody>
+      </p:sp>
+      <p:sp>
+        <p:nvSpPr>
+          <p:cNvPr id="39" name="TextBox 38"/>
+          <p:cNvSpPr txBox="1"/>
+          <p:nvPr/>
+        </p:nvSpPr>
+        <p:spPr>
+          <a:xfrm>
+            <a:off x="7453006" y="6021735"/>
+            <a:ext cx="1421127" cy="338554"/>
+          </a:xfrm>
+          <a:prstGeom prst="rect">
+            <a:avLst/>
+          </a:prstGeom>
+          <a:noFill/>
+        </p:spPr>
+        <p:txBody>
+          <a:bodyPr wrap="square" rtlCol="0">
+            <a:spAutoFit/>
+          </a:bodyPr>
+          <a:lstStyle/>
+          <a:p>
+            <a:r>
+              <a:rPr lang="ru-RU" sz="1600" dirty="0" smtClean="0"/>
+              <a:t>Базель 2</a:t>
+            </a:r>
+            <a:endParaRPr lang="en-US" sz="1600" dirty="0"/>
+          </a:p>
+        </p:txBody>
+      </p:sp>
+      <p:sp>
+        <p:nvSpPr>
+          <p:cNvPr id="40" name="TextBox 39"/>
+          <p:cNvSpPr txBox="1"/>
+          <p:nvPr/>
+        </p:nvSpPr>
+        <p:spPr>
+          <a:xfrm>
+            <a:off x="10140606" y="6021735"/>
+            <a:ext cx="1421127" cy="338554"/>
+          </a:xfrm>
+          <a:prstGeom prst="rect">
+            <a:avLst/>
+          </a:prstGeom>
+          <a:noFill/>
+        </p:spPr>
+        <p:txBody>
+          <a:bodyPr wrap="square" rtlCol="0">
+            <a:spAutoFit/>
+          </a:bodyPr>
+          <a:lstStyle/>
+          <a:p>
+            <a:r>
+              <a:rPr lang="ru-RU" sz="1600" dirty="0" smtClean="0"/>
+              <a:t>Базель 3</a:t>
+            </a:r>
+            <a:endParaRPr lang="en-US" sz="1600" dirty="0"/>
+          </a:p>
+        </p:txBody>
+      </p:sp>
+      <p:sp>
+        <p:nvSpPr>
+          <p:cNvPr id="41" name="Блок-схема: извлечение 40"/>
+          <p:cNvSpPr/>
+          <p:nvPr/>
+        </p:nvSpPr>
+        <p:spPr>
+          <a:xfrm>
+            <a:off x="1631405" y="5708005"/>
+            <a:ext cx="621792" cy="235596"/>
+          </a:xfrm>
+          <a:prstGeom prst="flowChartExtract">
+            <a:avLst/>
+          </a:prstGeom>
+          <a:solidFill>
+            <a:schemeClr val="accent1">
+              <a:lumMod val="40000"/>
+              <a:lumOff val="60000"/>
+            </a:schemeClr>
+          </a:solidFill>
+          <a:ln>
+            <a:noFill/>
+          </a:ln>
+        </p:spPr>
+        <p:style>
+          <a:lnRef idx="2">
+            <a:schemeClr val="accent1">
+              <a:shade val="50000"/>
+            </a:schemeClr>
+          </a:lnRef>
+          <a:fillRef idx="1">
+            <a:schemeClr val="accent1"/>
+          </a:fillRef>
+          <a:effectRef idx="0">
+            <a:schemeClr val="accent1"/>
+          </a:effectRef>
+          <a:fontRef idx="minor">
+            <a:schemeClr val="lt1"/>
+          </a:fontRef>
+        </p:style>
+        <p:txBody>
+          <a:bodyPr rtlCol="0" anchor="ctr"/>
+          <a:lstStyle/>
+          <a:p>
+            <a:pPr algn="ctr"/>
+            <a:endParaRPr lang="en-US"/>
+          </a:p>
+        </p:txBody>
+      </p:sp>
+      <p:sp>
+        <p:nvSpPr>
+          <p:cNvPr id="42" name="Блок-схема: извлечение 41"/>
+          <p:cNvSpPr/>
+          <p:nvPr/>
+        </p:nvSpPr>
+        <p:spPr>
+          <a:xfrm rot="10800000">
+            <a:off x="1631405" y="5058243"/>
+            <a:ext cx="621792" cy="235596"/>
+          </a:xfrm>
+          <a:prstGeom prst="flowChartExtract">
+            <a:avLst/>
+          </a:prstGeom>
+          <a:solidFill>
+            <a:schemeClr val="accent1">
+              <a:lumMod val="40000"/>
+              <a:lumOff val="60000"/>
+            </a:schemeClr>
+          </a:solidFill>
+          <a:ln>
+            <a:noFill/>
+          </a:ln>
+        </p:spPr>
+        <p:style>
+          <a:lnRef idx="2">
+            <a:schemeClr val="accent1">
+              <a:shade val="50000"/>
+            </a:schemeClr>
+          </a:lnRef>
+          <a:fillRef idx="1">
+            <a:schemeClr val="accent1"/>
+          </a:fillRef>
+          <a:effectRef idx="0">
+            <a:schemeClr val="accent1"/>
+          </a:effectRef>
+          <a:fontRef idx="minor">
+            <a:schemeClr val="lt1"/>
+          </a:fontRef>
+        </p:style>
+        <p:txBody>
+          <a:bodyPr rtlCol="0" anchor="ctr"/>
+          <a:lstStyle/>
+          <a:p>
+            <a:pPr algn="ctr"/>
+            <a:endParaRPr lang="en-US"/>
+          </a:p>
+        </p:txBody>
+      </p:sp>
+      <p:sp>
+        <p:nvSpPr>
+          <p:cNvPr id="43" name="Блок-схема: извлечение 42"/>
+          <p:cNvSpPr/>
+          <p:nvPr/>
+        </p:nvSpPr>
+        <p:spPr>
+          <a:xfrm rot="10800000">
+            <a:off x="3870123" y="5058243"/>
+            <a:ext cx="621792" cy="235596"/>
+          </a:xfrm>
+          <a:prstGeom prst="flowChartExtract">
+            <a:avLst/>
+          </a:prstGeom>
+          <a:solidFill>
+            <a:schemeClr val="accent1">
+              <a:lumMod val="40000"/>
+              <a:lumOff val="60000"/>
+            </a:schemeClr>
+          </a:solidFill>
+          <a:ln>
+            <a:noFill/>
+          </a:ln>
+        </p:spPr>
+        <p:style>
+          <a:lnRef idx="2">
+            <a:schemeClr val="accent1">
+              <a:shade val="50000"/>
+            </a:schemeClr>
+          </a:lnRef>
+          <a:fillRef idx="1">
+            <a:schemeClr val="accent1"/>
+          </a:fillRef>
+          <a:effectRef idx="0">
+            <a:schemeClr val="accent1"/>
+          </a:effectRef>
+          <a:fontRef idx="minor">
+            <a:schemeClr val="lt1"/>
+          </a:fontRef>
+        </p:style>
+        <p:txBody>
+          <a:bodyPr rtlCol="0" anchor="ctr"/>
+          <a:lstStyle/>
+          <a:p>
+            <a:pPr algn="ctr"/>
+            <a:endParaRPr lang="en-US"/>
+          </a:p>
+        </p:txBody>
+      </p:sp>
+      <p:sp>
+        <p:nvSpPr>
+          <p:cNvPr id="44" name="Блок-схема: извлечение 43"/>
+          <p:cNvSpPr/>
+          <p:nvPr/>
+        </p:nvSpPr>
+        <p:spPr>
+          <a:xfrm rot="10800000">
+            <a:off x="6598754" y="5058243"/>
+            <a:ext cx="621792" cy="235596"/>
+          </a:xfrm>
+          <a:prstGeom prst="flowChartExtract">
+            <a:avLst/>
+          </a:prstGeom>
+          <a:solidFill>
+            <a:schemeClr val="accent1">
+              <a:lumMod val="40000"/>
+              <a:lumOff val="60000"/>
+            </a:schemeClr>
+          </a:solidFill>
+          <a:ln>
+            <a:noFill/>
+          </a:ln>
+        </p:spPr>
+        <p:style>
+          <a:lnRef idx="2">
+            <a:schemeClr val="accent1">
+              <a:shade val="50000"/>
+            </a:schemeClr>
+          </a:lnRef>
+          <a:fillRef idx="1">
+            <a:schemeClr val="accent1"/>
+          </a:fillRef>
+          <a:effectRef idx="0">
+            <a:schemeClr val="accent1"/>
+          </a:effectRef>
+          <a:fontRef idx="minor">
+            <a:schemeClr val="lt1"/>
+          </a:fontRef>
+        </p:style>
+        <p:txBody>
+          <a:bodyPr rtlCol="0" anchor="ctr"/>
+          <a:lstStyle/>
+          <a:p>
+            <a:pPr algn="ctr"/>
+            <a:endParaRPr lang="en-US"/>
+          </a:p>
+        </p:txBody>
+      </p:sp>
+      <p:sp>
+        <p:nvSpPr>
+          <p:cNvPr id="45" name="Блок-схема: извлечение 44"/>
+          <p:cNvSpPr/>
+          <p:nvPr/>
+        </p:nvSpPr>
+        <p:spPr>
+          <a:xfrm rot="10800000">
+            <a:off x="9242492" y="5063603"/>
+            <a:ext cx="621792" cy="235596"/>
+          </a:xfrm>
+          <a:prstGeom prst="flowChartExtract">
+            <a:avLst/>
+          </a:prstGeom>
+          <a:solidFill>
+            <a:schemeClr val="accent1">
+              <a:lumMod val="40000"/>
+              <a:lumOff val="60000"/>
+            </a:schemeClr>
+          </a:solidFill>
+          <a:ln>
+            <a:noFill/>
+          </a:ln>
+        </p:spPr>
+        <p:style>
+          <a:lnRef idx="2">
+            <a:schemeClr val="accent1">
+              <a:shade val="50000"/>
+            </a:schemeClr>
+          </a:lnRef>
+          <a:fillRef idx="1">
+            <a:schemeClr val="accent1"/>
+          </a:fillRef>
+          <a:effectRef idx="0">
+            <a:schemeClr val="accent1"/>
+          </a:effectRef>
+          <a:fontRef idx="minor">
+            <a:schemeClr val="lt1"/>
+          </a:fontRef>
+        </p:style>
+        <p:txBody>
+          <a:bodyPr rtlCol="0" anchor="ctr"/>
+          <a:lstStyle/>
+          <a:p>
+            <a:pPr algn="ctr"/>
+            <a:endParaRPr lang="en-US"/>
+          </a:p>
+        </p:txBody>
+      </p:sp>
+      <p:sp>
+        <p:nvSpPr>
+          <p:cNvPr id="46" name="Блок-схема: извлечение 45"/>
+          <p:cNvSpPr/>
+          <p:nvPr/>
+        </p:nvSpPr>
+        <p:spPr>
+          <a:xfrm>
+            <a:off x="5074204" y="5705824"/>
+            <a:ext cx="621792" cy="235596"/>
+          </a:xfrm>
+          <a:prstGeom prst="flowChartExtract">
+            <a:avLst/>
+          </a:prstGeom>
+          <a:solidFill>
+            <a:schemeClr val="accent1">
+              <a:lumMod val="40000"/>
+              <a:lumOff val="60000"/>
+            </a:schemeClr>
+          </a:solidFill>
+          <a:ln>
+            <a:noFill/>
+          </a:ln>
+        </p:spPr>
+        <p:style>
+          <a:lnRef idx="2">
+            <a:schemeClr val="accent1">
+              <a:shade val="50000"/>
+            </a:schemeClr>
+          </a:lnRef>
+          <a:fillRef idx="1">
+            <a:schemeClr val="accent1"/>
+          </a:fillRef>
+          <a:effectRef idx="0">
+            <a:schemeClr val="accent1"/>
+          </a:effectRef>
+          <a:fontRef idx="minor">
+            <a:schemeClr val="lt1"/>
+          </a:fontRef>
+        </p:style>
+        <p:txBody>
+          <a:bodyPr rtlCol="0" anchor="ctr"/>
+          <a:lstStyle/>
+          <a:p>
+            <a:pPr algn="ctr"/>
+            <a:endParaRPr lang="en-US"/>
+          </a:p>
+        </p:txBody>
+      </p:sp>
+      <p:sp>
+        <p:nvSpPr>
+          <p:cNvPr id="47" name="Блок-схема: извлечение 46"/>
+          <p:cNvSpPr/>
+          <p:nvPr/>
+        </p:nvSpPr>
+        <p:spPr>
+          <a:xfrm>
+            <a:off x="7732060" y="5705824"/>
+            <a:ext cx="621792" cy="235596"/>
+          </a:xfrm>
+          <a:prstGeom prst="flowChartExtract">
+            <a:avLst/>
+          </a:prstGeom>
+          <a:solidFill>
+            <a:schemeClr val="accent1">
+              <a:lumMod val="40000"/>
+              <a:lumOff val="60000"/>
+            </a:schemeClr>
+          </a:solidFill>
+          <a:ln>
+            <a:noFill/>
+          </a:ln>
+        </p:spPr>
+        <p:style>
+          <a:lnRef idx="2">
+            <a:schemeClr val="accent1">
+              <a:shade val="50000"/>
+            </a:schemeClr>
+          </a:lnRef>
+          <a:fillRef idx="1">
+            <a:schemeClr val="accent1"/>
+          </a:fillRef>
+          <a:effectRef idx="0">
+            <a:schemeClr val="accent1"/>
+          </a:effectRef>
+          <a:fontRef idx="minor">
+            <a:schemeClr val="lt1"/>
+          </a:fontRef>
+        </p:style>
+        <p:txBody>
+          <a:bodyPr rtlCol="0" anchor="ctr"/>
+          <a:lstStyle/>
+          <a:p>
+            <a:pPr algn="ctr"/>
+            <a:endParaRPr lang="en-US"/>
+          </a:p>
+        </p:txBody>
+      </p:sp>
+      <p:sp>
+        <p:nvSpPr>
+          <p:cNvPr id="48" name="Блок-схема: извлечение 47"/>
+          <p:cNvSpPr/>
+          <p:nvPr/>
+        </p:nvSpPr>
+        <p:spPr>
+          <a:xfrm>
+            <a:off x="10427635" y="5705824"/>
+            <a:ext cx="621792" cy="235596"/>
+          </a:xfrm>
+          <a:prstGeom prst="flowChartExtract">
+            <a:avLst/>
+          </a:prstGeom>
+          <a:solidFill>
+            <a:schemeClr val="accent1">
+              <a:lumMod val="40000"/>
+              <a:lumOff val="60000"/>
+            </a:schemeClr>
+          </a:solidFill>
+          <a:ln>
+            <a:noFill/>
+          </a:ln>
+        </p:spPr>
+        <p:style>
+          <a:lnRef idx="2">
+            <a:schemeClr val="accent1">
+              <a:shade val="50000"/>
+            </a:schemeClr>
+          </a:lnRef>
+          <a:fillRef idx="1">
+            <a:schemeClr val="accent1"/>
+          </a:fillRef>
+          <a:effectRef idx="0">
+            <a:schemeClr val="accent1"/>
+          </a:effectRef>
+          <a:fontRef idx="minor">
+            <a:schemeClr val="lt1"/>
+          </a:fontRef>
+        </p:style>
+        <p:txBody>
+          <a:bodyPr rtlCol="0" anchor="ctr"/>
+          <a:lstStyle/>
+          <a:p>
+            <a:pPr algn="ctr"/>
+            <a:endParaRPr lang="en-US"/>
+          </a:p>
+        </p:txBody>
+      </p:sp>
+      <p:sp>
+        <p:nvSpPr>
+          <p:cNvPr id="49" name="TextBox 48"/>
+          <p:cNvSpPr txBox="1"/>
+          <p:nvPr/>
+        </p:nvSpPr>
+        <p:spPr>
+          <a:xfrm>
+            <a:off x="457166" y="3942461"/>
+            <a:ext cx="2637279" cy="1077218"/>
+          </a:xfrm>
+          <a:prstGeom prst="rect">
+            <a:avLst/>
+          </a:prstGeom>
+          <a:noFill/>
+        </p:spPr>
+        <p:txBody>
+          <a:bodyPr wrap="square" rtlCol="0">
+            <a:spAutoFit/>
+          </a:bodyPr>
+          <a:lstStyle/>
+          <a:p>
+            <a:r>
+              <a:rPr lang="ru-RU" sz="1600" dirty="0" smtClean="0"/>
+              <a:t>Валютный кризис вследствие краха </a:t>
+            </a:r>
+            <a:r>
+              <a:rPr lang="ru-RU" sz="1600" dirty="0" err="1" smtClean="0"/>
+              <a:t>Бреттон-Вудской</a:t>
+            </a:r>
+            <a:r>
+              <a:rPr lang="ru-RU" sz="1600" dirty="0" smtClean="0"/>
+              <a:t> системы</a:t>
+            </a:r>
+            <a:endParaRPr lang="en-US" sz="1600" dirty="0"/>
+          </a:p>
+        </p:txBody>
+      </p:sp>
+      <p:sp>
+        <p:nvSpPr>
+          <p:cNvPr id="50" name="TextBox 49"/>
+          <p:cNvSpPr txBox="1"/>
+          <p:nvPr/>
+        </p:nvSpPr>
+        <p:spPr>
+          <a:xfrm>
+            <a:off x="2962347" y="3920876"/>
+            <a:ext cx="3014392" cy="1077218"/>
+          </a:xfrm>
+          <a:prstGeom prst="rect">
+            <a:avLst/>
+          </a:prstGeom>
+          <a:noFill/>
+        </p:spPr>
+        <p:txBody>
+          <a:bodyPr wrap="square" rtlCol="0">
+            <a:spAutoFit/>
+          </a:bodyPr>
+          <a:lstStyle/>
+          <a:p>
+            <a:r>
+              <a:rPr lang="ru-RU" sz="1600" dirty="0" smtClean="0"/>
+              <a:t>Долговой кризис в Латинской Америке, политика по сдерживанию инфляции в США</a:t>
+            </a:r>
+            <a:endParaRPr lang="en-US" sz="1600" dirty="0"/>
+          </a:p>
+        </p:txBody>
+      </p:sp>
+      <p:sp>
+        <p:nvSpPr>
+          <p:cNvPr id="51" name="TextBox 50"/>
+          <p:cNvSpPr txBox="1"/>
+          <p:nvPr/>
+        </p:nvSpPr>
+        <p:spPr>
+          <a:xfrm>
+            <a:off x="6284593" y="4411191"/>
+            <a:ext cx="2596501" cy="584775"/>
+          </a:xfrm>
+          <a:prstGeom prst="rect">
+            <a:avLst/>
+          </a:prstGeom>
+          <a:noFill/>
+        </p:spPr>
+        <p:txBody>
+          <a:bodyPr wrap="square" rtlCol="0">
+            <a:spAutoFit/>
+          </a:bodyPr>
+          <a:lstStyle/>
+          <a:p>
+            <a:r>
+              <a:rPr lang="ru-RU" sz="1600" dirty="0" smtClean="0"/>
+              <a:t>Азиатский кризис и кризис в России</a:t>
+            </a:r>
+            <a:endParaRPr lang="en-US" sz="1600" dirty="0"/>
+          </a:p>
+        </p:txBody>
+      </p:sp>
+      <p:sp>
+        <p:nvSpPr>
+          <p:cNvPr id="52" name="TextBox 51"/>
+          <p:cNvSpPr txBox="1"/>
+          <p:nvPr/>
+        </p:nvSpPr>
+        <p:spPr>
+          <a:xfrm>
+            <a:off x="8881094" y="4411190"/>
+            <a:ext cx="2621674" cy="584775"/>
+          </a:xfrm>
+          <a:prstGeom prst="rect">
+            <a:avLst/>
+          </a:prstGeom>
+          <a:noFill/>
+        </p:spPr>
+        <p:txBody>
+          <a:bodyPr wrap="square" rtlCol="0">
+            <a:spAutoFit/>
+          </a:bodyPr>
+          <a:lstStyle/>
+          <a:p>
+            <a:r>
+              <a:rPr lang="ru-RU" sz="1600" dirty="0" smtClean="0"/>
+              <a:t>Мировой финансовый кризис</a:t>
+            </a:r>
+            <a:endParaRPr lang="en-US" sz="1600" dirty="0"/>
+          </a:p>
+        </p:txBody>
+      </p:sp>
+    </p:spTree>
+    <p:extLst>
+      <p:ext uri="{BB962C8B-B14F-4D97-AF65-F5344CB8AC3E}">
+        <p14:creationId xmlns:p14="http://schemas.microsoft.com/office/powerpoint/2010/main" val="1952895734"/>
+      </p:ext>
+    </p:extLst>
+  </p:cSld>
+  <p:clrMapOvr>
+    <a:masterClrMapping/>
+  </p:clrMapOvr>
+  <p:timing>
+    <p:tnLst>
+      <p:par>
+        <p:cTn id="1" dur="indefinite" restart="never" nodeType="tmRoot"/>
+      </p:par>
+    </p:tnLst>
+  </p:timing>
+</p:sld>
+</file>
+
+<file path=ppt/slides/slide20.xml><?xml version="1.0" encoding="utf-8"?>
+<p:sld xmlns:a="http://schemas.openxmlformats.org/drawingml/2006/main" xmlns:r="http://schemas.openxmlformats.org/officeDocument/2006/relationships" xmlns:p="http://schemas.openxmlformats.org/presentationml/2006/main">
+  <p:cSld>
+    <p:spTree>
+      <p:nvGrpSpPr>
+        <p:cNvPr id="1" name=""/>
+        <p:cNvGrpSpPr/>
+        <p:nvPr/>
+      </p:nvGrpSpPr>
+      <p:grpSpPr>
+        <a:xfrm>
+          <a:off x="0" y="0"/>
+          <a:ext cx="0" cy="0"/>
+          <a:chOff x="0" y="0"/>
+          <a:chExt cx="0" cy="0"/>
+        </a:xfrm>
+      </p:grpSpPr>
+      <p:sp>
+        <p:nvSpPr>
+          <p:cNvPr id="7" name="Прямоугольник 6"/>
+          <p:cNvSpPr/>
+          <p:nvPr/>
+        </p:nvSpPr>
+        <p:spPr>
+          <a:xfrm>
+            <a:off x="304800" y="2527585"/>
+            <a:ext cx="11298936" cy="4154984"/>
+          </a:xfrm>
+          <a:prstGeom prst="rect">
+            <a:avLst/>
+          </a:prstGeom>
+        </p:spPr>
+        <p:txBody>
+          <a:bodyPr wrap="square">
+            <a:spAutoFit/>
+          </a:bodyPr>
+          <a:lstStyle/>
+          <a:p>
+            <a:r>
+              <a:rPr lang="ru-RU" dirty="0" smtClean="0"/>
+              <a:t>НАПРАВЛЕНИЯ </a:t>
+            </a:r>
+            <a:r>
+              <a:rPr lang="ru-RU" dirty="0"/>
+              <a:t>ДОРАБОТКИ СИСТЕМЫ</a:t>
+            </a:r>
+          </a:p>
+          <a:p>
+            <a:endParaRPr lang="ru-RU" dirty="0"/>
+          </a:p>
+          <a:p>
+            <a:r>
+              <a:rPr lang="ru-RU" sz="1400" dirty="0" smtClean="0"/>
+              <a:t>1</a:t>
+            </a:r>
+            <a:r>
+              <a:rPr lang="ru-RU" sz="1400" dirty="0"/>
+              <a:t>. МАКРОЭКОНОМИЧЕСКИЕ </a:t>
+            </a:r>
+            <a:r>
+              <a:rPr lang="ru-RU" sz="1400" dirty="0" smtClean="0"/>
+              <a:t>ФАКТОРЫ</a:t>
+            </a:r>
+            <a:endParaRPr lang="ru-RU" sz="1400" dirty="0"/>
+          </a:p>
+          <a:p>
+            <a:r>
+              <a:rPr lang="ru-RU" sz="1400" dirty="0"/>
+              <a:t>- </a:t>
+            </a:r>
+            <a:r>
+              <a:rPr lang="ru-RU" sz="1400" dirty="0" smtClean="0"/>
+              <a:t>Ключевая </a:t>
+            </a:r>
+            <a:r>
+              <a:rPr lang="ru-RU" sz="1400" dirty="0"/>
+              <a:t>ставка ЦБ </a:t>
+            </a:r>
+            <a:r>
+              <a:rPr lang="ru-RU" sz="1400" dirty="0" smtClean="0"/>
+              <a:t>РФ </a:t>
+            </a:r>
+            <a:r>
+              <a:rPr lang="ru-RU" sz="1400" dirty="0"/>
+              <a:t>→ Динамическая корректировка базовых </a:t>
+            </a:r>
+            <a:r>
+              <a:rPr lang="ru-RU" sz="1400" dirty="0" smtClean="0"/>
+              <a:t>ставок</a:t>
+            </a:r>
+            <a:endParaRPr lang="ru-RU" sz="1400" dirty="0"/>
+          </a:p>
+          <a:p>
+            <a:endParaRPr lang="ru-RU" sz="1400" dirty="0" smtClean="0"/>
+          </a:p>
+          <a:p>
+            <a:r>
+              <a:rPr lang="ru-RU" sz="1400" dirty="0" smtClean="0"/>
+              <a:t>3</a:t>
+            </a:r>
+            <a:r>
+              <a:rPr lang="ru-RU" sz="1400" dirty="0"/>
+              <a:t>. ДИНАМИЧЕСКИЙ </a:t>
+            </a:r>
+            <a:r>
+              <a:rPr lang="ru-RU" sz="1400" dirty="0" smtClean="0"/>
+              <a:t>МОНИТОРИНГ</a:t>
+            </a:r>
+            <a:endParaRPr lang="ru-RU" sz="1400" dirty="0"/>
+          </a:p>
+          <a:p>
+            <a:r>
+              <a:rPr lang="ru-RU" sz="1400" dirty="0"/>
+              <a:t>- </a:t>
+            </a:r>
+            <a:r>
+              <a:rPr lang="ru-RU" sz="1400" dirty="0" smtClean="0"/>
+              <a:t>Ежемесячный </a:t>
+            </a:r>
+            <a:r>
+              <a:rPr lang="ru-RU" sz="1400" dirty="0"/>
+              <a:t>пересчет </a:t>
+            </a:r>
+            <a:r>
+              <a:rPr lang="ru-RU" sz="1400" dirty="0" smtClean="0"/>
+              <a:t>PD </a:t>
+            </a:r>
+            <a:r>
+              <a:rPr lang="ru-RU" sz="1400" dirty="0"/>
+              <a:t>→ Обновление рейтингов заемщиков</a:t>
+            </a:r>
+          </a:p>
+          <a:p>
+            <a:endParaRPr lang="ru-RU" sz="1400" dirty="0"/>
+          </a:p>
+          <a:p>
+            <a:r>
+              <a:rPr lang="ru-RU" sz="1400" dirty="0" smtClean="0"/>
+              <a:t>4</a:t>
+            </a:r>
+            <a:r>
+              <a:rPr lang="ru-RU" sz="1400" dirty="0"/>
+              <a:t>. РАСШИРЕННАЯ </a:t>
+            </a:r>
+            <a:r>
+              <a:rPr lang="ru-RU" sz="1400" dirty="0" smtClean="0"/>
+              <a:t>ДИВЕРСИФИКАЦИЯ</a:t>
+            </a:r>
+            <a:endParaRPr lang="ru-RU" sz="1400" dirty="0"/>
+          </a:p>
+          <a:p>
+            <a:r>
+              <a:rPr lang="ru-RU" sz="1400" dirty="0"/>
+              <a:t>- </a:t>
+            </a:r>
+            <a:r>
+              <a:rPr lang="ru-RU" sz="1400" dirty="0" smtClean="0"/>
+              <a:t>Географические лимиты </a:t>
+            </a:r>
+            <a:r>
+              <a:rPr lang="ru-RU" sz="1400" dirty="0"/>
+              <a:t>→ Регионы России (25% на регион)</a:t>
+            </a:r>
+          </a:p>
+          <a:p>
+            <a:r>
+              <a:rPr lang="ru-RU" sz="1400" dirty="0"/>
+              <a:t>- </a:t>
+            </a:r>
+            <a:r>
+              <a:rPr lang="ru-RU" sz="1400" dirty="0" smtClean="0"/>
+              <a:t>Валютные риски </a:t>
+            </a:r>
+            <a:r>
+              <a:rPr lang="ru-RU" sz="1400" dirty="0"/>
+              <a:t>→ Доллар/евро экспозиция (макс. 30%)</a:t>
+            </a:r>
+          </a:p>
+          <a:p>
+            <a:r>
+              <a:rPr lang="ru-RU" sz="1400" dirty="0"/>
+              <a:t>- </a:t>
+            </a:r>
+            <a:r>
+              <a:rPr lang="ru-RU" sz="1400" dirty="0" smtClean="0"/>
+              <a:t>Отраслевые подсектора </a:t>
+            </a:r>
+            <a:r>
+              <a:rPr lang="ru-RU" sz="1400" dirty="0"/>
+              <a:t>→ Детализация до 50+ </a:t>
+            </a:r>
+            <a:r>
+              <a:rPr lang="ru-RU" sz="1400" dirty="0" err="1"/>
+              <a:t>подотраслей</a:t>
+            </a:r>
+            <a:endParaRPr lang="ru-RU" sz="1400" dirty="0"/>
+          </a:p>
+          <a:p>
+            <a:endParaRPr lang="ru-RU" sz="1400" dirty="0"/>
+          </a:p>
+          <a:p>
+            <a:r>
+              <a:rPr lang="ru-RU" sz="1400" dirty="0" smtClean="0"/>
+              <a:t>МАШИННОЕ ОБУЧЕНИЕ</a:t>
+            </a:r>
+            <a:endParaRPr lang="ru-RU" sz="1400" dirty="0"/>
+          </a:p>
+          <a:p>
+            <a:r>
+              <a:rPr lang="ru-RU" sz="1400" dirty="0"/>
+              <a:t>- </a:t>
+            </a:r>
+            <a:r>
+              <a:rPr lang="ru-RU" sz="1400" dirty="0" smtClean="0"/>
+              <a:t>Предиктивная аналитика </a:t>
+            </a:r>
+            <a:r>
+              <a:rPr lang="ru-RU" sz="1400" dirty="0"/>
+              <a:t>→ ML-модели для прогноза дефолтов</a:t>
+            </a:r>
+          </a:p>
+          <a:p>
+            <a:r>
+              <a:rPr lang="ru-RU" sz="1400" dirty="0">
+                <a:solidFill>
+                  <a:schemeClr val="bg1">
+                    <a:lumMod val="65000"/>
+                  </a:schemeClr>
+                </a:solidFill>
+              </a:rPr>
+              <a:t>- </a:t>
+            </a:r>
+            <a:r>
+              <a:rPr lang="ru-RU" sz="1400" dirty="0" smtClean="0">
+                <a:solidFill>
+                  <a:schemeClr val="bg1">
+                    <a:lumMod val="65000"/>
+                  </a:schemeClr>
+                </a:solidFill>
+              </a:rPr>
+              <a:t>Альтернативные данные </a:t>
+            </a:r>
+            <a:r>
+              <a:rPr lang="ru-RU" sz="1400" dirty="0">
+                <a:solidFill>
+                  <a:schemeClr val="bg1">
+                    <a:lumMod val="65000"/>
+                  </a:schemeClr>
+                </a:solidFill>
+              </a:rPr>
+              <a:t>→ Анализ новостей, </a:t>
+            </a:r>
+            <a:r>
+              <a:rPr lang="ru-RU" sz="1400" dirty="0" err="1">
+                <a:solidFill>
+                  <a:schemeClr val="bg1">
+                    <a:lumMod val="65000"/>
+                  </a:schemeClr>
+                </a:solidFill>
+              </a:rPr>
+              <a:t>соцсетей</a:t>
+            </a:r>
+            <a:r>
+              <a:rPr lang="ru-RU" sz="1400" dirty="0">
+                <a:solidFill>
+                  <a:schemeClr val="bg1">
+                    <a:lumMod val="65000"/>
+                  </a:schemeClr>
+                </a:solidFill>
+              </a:rPr>
+              <a:t>, телеметрии</a:t>
+            </a:r>
+          </a:p>
+          <a:p>
+            <a:r>
+              <a:rPr lang="ru-RU" sz="1400" dirty="0">
+                <a:solidFill>
+                  <a:schemeClr val="bg1">
+                    <a:lumMod val="65000"/>
+                  </a:schemeClr>
+                </a:solidFill>
+              </a:rPr>
+              <a:t>- </a:t>
+            </a:r>
+            <a:r>
+              <a:rPr lang="ru-RU" sz="1400" dirty="0" smtClean="0">
+                <a:solidFill>
+                  <a:schemeClr val="bg1">
+                    <a:lumMod val="65000"/>
+                  </a:schemeClr>
+                </a:solidFill>
+              </a:rPr>
+              <a:t>Автоматическая калибровка </a:t>
+            </a:r>
+            <a:r>
+              <a:rPr lang="ru-RU" sz="1400" dirty="0">
+                <a:solidFill>
+                  <a:schemeClr val="bg1">
+                    <a:lumMod val="65000"/>
+                  </a:schemeClr>
+                </a:solidFill>
+              </a:rPr>
+              <a:t>→ </a:t>
+            </a:r>
+            <a:r>
+              <a:rPr lang="ru-RU" sz="1400" dirty="0" err="1">
+                <a:solidFill>
+                  <a:schemeClr val="bg1">
+                    <a:lumMod val="65000"/>
+                  </a:schemeClr>
+                </a:solidFill>
+              </a:rPr>
+              <a:t>Self-learning</a:t>
+            </a:r>
+            <a:r>
+              <a:rPr lang="ru-RU" sz="1400" dirty="0">
+                <a:solidFill>
+                  <a:schemeClr val="bg1">
+                    <a:lumMod val="65000"/>
+                  </a:schemeClr>
+                </a:solidFill>
+              </a:rPr>
+              <a:t> параметров модели</a:t>
+            </a:r>
+          </a:p>
+          <a:p>
+            <a:endParaRPr lang="ru-RU" dirty="0"/>
+          </a:p>
+        </p:txBody>
+      </p:sp>
+      <p:sp>
+        <p:nvSpPr>
+          <p:cNvPr id="8" name="Прямоугольник 7"/>
+          <p:cNvSpPr/>
+          <p:nvPr/>
+        </p:nvSpPr>
+        <p:spPr>
+          <a:xfrm>
+            <a:off x="304800" y="993988"/>
+            <a:ext cx="11298936" cy="1384995"/>
+          </a:xfrm>
+          <a:prstGeom prst="rect">
+            <a:avLst/>
+          </a:prstGeom>
+        </p:spPr>
+        <p:txBody>
+          <a:bodyPr wrap="square">
+            <a:spAutoFit/>
+          </a:bodyPr>
+          <a:lstStyle/>
+          <a:p>
+            <a:r>
+              <a:rPr lang="ru-RU" sz="1400" dirty="0" smtClean="0"/>
+              <a:t>ЧТО СДЕЛАНО:</a:t>
+            </a:r>
+            <a:endParaRPr lang="ru-RU" sz="1400" dirty="0"/>
+          </a:p>
+          <a:p>
+            <a:pPr indent="-342900">
+              <a:buAutoNum type="arabicPeriod"/>
+            </a:pPr>
+            <a:r>
+              <a:rPr lang="ru-RU" sz="1400" dirty="0"/>
+              <a:t>Настроена система </a:t>
+            </a:r>
+            <a:r>
+              <a:rPr lang="ru-RU" sz="1400" dirty="0"/>
+              <a:t>на основе реальных данных </a:t>
+            </a:r>
+          </a:p>
+          <a:p>
+            <a:r>
+              <a:rPr lang="ru-RU" sz="1400" dirty="0"/>
+              <a:t>2</a:t>
+            </a:r>
+            <a:r>
+              <a:rPr lang="ru-RU" sz="1400" dirty="0"/>
+              <a:t>. </a:t>
+            </a:r>
+            <a:r>
+              <a:rPr lang="ru-RU" sz="1400" dirty="0"/>
+              <a:t>Рассчитаны PD </a:t>
+            </a:r>
+            <a:r>
+              <a:rPr lang="ru-RU" sz="1400" dirty="0"/>
+              <a:t>для всех 15 компаний по модели Мертона</a:t>
+            </a:r>
+          </a:p>
+          <a:p>
+            <a:r>
+              <a:rPr lang="ru-RU" sz="1400" dirty="0"/>
+              <a:t>3. </a:t>
+            </a:r>
+            <a:r>
+              <a:rPr lang="ru-RU" sz="1400" dirty="0"/>
+              <a:t>Создана симуляция </a:t>
+            </a:r>
+            <a:r>
+              <a:rPr lang="ru-RU" sz="1400" dirty="0"/>
+              <a:t>управляемого </a:t>
+            </a:r>
+            <a:r>
+              <a:rPr lang="ru-RU" sz="1400" dirty="0" err="1"/>
+              <a:t>vs</a:t>
+            </a:r>
+            <a:r>
+              <a:rPr lang="ru-RU" sz="1400" dirty="0"/>
+              <a:t> неуправляемого портфеля</a:t>
+            </a:r>
+          </a:p>
+          <a:p>
+            <a:r>
+              <a:rPr lang="ru-RU" sz="1400" dirty="0"/>
+              <a:t>4. </a:t>
+            </a:r>
+            <a:r>
+              <a:rPr lang="ru-RU" sz="1400" dirty="0"/>
+              <a:t>Показан </a:t>
+            </a:r>
+            <a:r>
+              <a:rPr lang="ru-RU" sz="1400" dirty="0"/>
+              <a:t>экономический </a:t>
+            </a:r>
+            <a:r>
+              <a:rPr lang="ru-RU" sz="1400" dirty="0"/>
+              <a:t>эффект </a:t>
+            </a:r>
+            <a:r>
+              <a:rPr lang="ru-RU" sz="1400" dirty="0"/>
+              <a:t>- экономия потерь</a:t>
+            </a:r>
+          </a:p>
+          <a:p>
+            <a:r>
+              <a:rPr lang="ru-RU" sz="1400" dirty="0"/>
+              <a:t>5. </a:t>
+            </a:r>
+            <a:r>
+              <a:rPr lang="ru-RU" sz="1400" dirty="0"/>
+              <a:t>Проанализированы риски </a:t>
+            </a:r>
+            <a:r>
+              <a:rPr lang="ru-RU" sz="1400" dirty="0"/>
+              <a:t>по компаниям</a:t>
+            </a:r>
+            <a:endParaRPr lang="en-US" sz="1400" dirty="0"/>
+          </a:p>
+        </p:txBody>
+      </p:sp>
+      <p:sp>
+        <p:nvSpPr>
+          <p:cNvPr id="9" name="TextBox 8">
+            <a:extLst>
+              <a:ext uri="{FF2B5EF4-FFF2-40B4-BE49-F238E27FC236}">
+                <a16:creationId xmlns:a16="http://schemas.microsoft.com/office/drawing/2014/main" id="{CE39199E-8B1C-CB78-B8E3-32113A33FB9A}"/>
+              </a:ext>
+            </a:extLst>
+          </p:cNvPr>
+          <p:cNvSpPr txBox="1"/>
+          <p:nvPr/>
+        </p:nvSpPr>
+        <p:spPr>
+          <a:xfrm>
+            <a:off x="304800" y="306969"/>
+            <a:ext cx="4445252" cy="538417"/>
+          </a:xfrm>
+          <a:prstGeom prst="rect">
+            <a:avLst/>
+          </a:prstGeom>
+          <a:noFill/>
+        </p:spPr>
+        <p:txBody>
+          <a:bodyPr wrap="square" rtlCol="0">
+            <a:spAutoFit/>
+          </a:bodyPr>
+          <a:lstStyle/>
+          <a:p>
+            <a:pPr>
+              <a:lnSpc>
+                <a:spcPct val="90000"/>
+              </a:lnSpc>
+              <a:spcBef>
+                <a:spcPct val="0"/>
+              </a:spcBef>
+            </a:pPr>
+            <a:r>
+              <a:rPr lang="ru-RU" sz="3200" dirty="0">
+                <a:latin typeface="+mj-lt"/>
+                <a:ea typeface="+mj-ea"/>
+                <a:cs typeface="+mj-cs"/>
+              </a:rPr>
+              <a:t>Статус работы</a:t>
+            </a:r>
+          </a:p>
+        </p:txBody>
+      </p:sp>
+      <p:cxnSp>
+        <p:nvCxnSpPr>
+          <p:cNvPr id="10" name="Straight Connector 7">
+            <a:extLst>
+              <a:ext uri="{FF2B5EF4-FFF2-40B4-BE49-F238E27FC236}">
+                <a16:creationId xmlns:a16="http://schemas.microsoft.com/office/drawing/2014/main" id="{0E853930-ECCE-62B1-DBD4-7C8F79CF98A8}"/>
+              </a:ext>
+            </a:extLst>
+          </p:cNvPr>
+          <p:cNvCxnSpPr/>
+          <p:nvPr/>
+        </p:nvCxnSpPr>
+        <p:spPr>
+          <a:xfrm flipH="1">
+            <a:off x="304800" y="829877"/>
+            <a:ext cx="11298936" cy="8641"/>
+          </a:xfrm>
+          <a:prstGeom prst="line">
+            <a:avLst/>
+          </a:prstGeom>
+          <a:ln/>
+        </p:spPr>
+        <p:style>
+          <a:lnRef idx="3">
+            <a:schemeClr val="accent4"/>
+          </a:lnRef>
+          <a:fillRef idx="0">
+            <a:schemeClr val="accent4"/>
+          </a:fillRef>
+          <a:effectRef idx="2">
+            <a:schemeClr val="accent4"/>
+          </a:effectRef>
+          <a:fontRef idx="minor">
+            <a:schemeClr val="tx1"/>
+          </a:fontRef>
+        </p:style>
+      </p:cxnSp>
+    </p:spTree>
+    <p:extLst>
+      <p:ext uri="{BB962C8B-B14F-4D97-AF65-F5344CB8AC3E}">
+        <p14:creationId xmlns:p14="http://schemas.microsoft.com/office/powerpoint/2010/main" val="1234711879"/>
+      </p:ext>
+    </p:extLst>
+  </p:cSld>
+  <p:clrMapOvr>
+    <a:masterClrMapping/>
+  </p:clrMapOvr>
+</p:sld>
+</file>
+
+<file path=ppt/slides/slide21.xml><?xml version="1.0" encoding="utf-8"?>
+<p:sld xmlns:a="http://schemas.openxmlformats.org/drawingml/2006/main" xmlns:r="http://schemas.openxmlformats.org/officeDocument/2006/relationships" xmlns:p="http://schemas.openxmlformats.org/presentationml/2006/main">
+  <p:cSld>
+    <p:spTree>
+      <p:nvGrpSpPr>
+        <p:cNvPr id="1" name=""/>
+        <p:cNvGrpSpPr/>
+        <p:nvPr/>
+      </p:nvGrpSpPr>
+      <p:grpSpPr>
+        <a:xfrm>
+          <a:off x="0" y="0"/>
+          <a:ext cx="0" cy="0"/>
+          <a:chOff x="0" y="0"/>
+          <a:chExt cx="0" cy="0"/>
+        </a:xfrm>
+      </p:grpSpPr>
+      <p:sp>
+        <p:nvSpPr>
+          <p:cNvPr id="2" name="Заголовок 1"/>
+          <p:cNvSpPr>
+            <a:spLocks noGrp="1"/>
+          </p:cNvSpPr>
+          <p:nvPr>
+            <p:ph type="title"/>
+          </p:nvPr>
+        </p:nvSpPr>
+        <p:spPr>
+          <a:xfrm>
+            <a:off x="838200" y="2471016"/>
+            <a:ext cx="10515600" cy="1325563"/>
+          </a:xfrm>
+        </p:spPr>
+        <p:txBody>
+          <a:bodyPr/>
+          <a:lstStyle/>
+          <a:p>
+            <a:pPr algn="ctr"/>
+            <a:r>
+              <a:rPr lang="ru-RU" dirty="0" smtClean="0"/>
+              <a:t>Приложения</a:t>
+            </a:r>
+            <a:endParaRPr lang="en-US" dirty="0"/>
+          </a:p>
+        </p:txBody>
+      </p:sp>
+    </p:spTree>
+    <p:extLst>
+      <p:ext uri="{BB962C8B-B14F-4D97-AF65-F5344CB8AC3E}">
+        <p14:creationId xmlns:p14="http://schemas.microsoft.com/office/powerpoint/2010/main" val="542393043"/>
+      </p:ext>
+    </p:extLst>
+  </p:cSld>
+  <p:clrMapOvr>
+    <a:masterClrMapping/>
+  </p:clrMapOvr>
+  <p:timing>
+    <p:tnLst>
+      <p:par>
+        <p:cTn id="1" dur="indefinite" restart="never" nodeType="tmRoot"/>
+      </p:par>
+    </p:tnLst>
+  </p:timing>
+</p:sld>
+</file>
+
+<file path=ppt/slides/slide22.xml><?xml version="1.0" encoding="utf-8"?>
+<p:sld xmlns:a="http://schemas.openxmlformats.org/drawingml/2006/main" xmlns:r="http://schemas.openxmlformats.org/officeDocument/2006/relationships" xmlns:p="http://schemas.openxmlformats.org/presentationml/2006/main">
+  <p:cSld>
+    <p:spTree>
+      <p:nvGrpSpPr>
+        <p:cNvPr id="1" name=""/>
+        <p:cNvGrpSpPr/>
+        <p:nvPr/>
+      </p:nvGrpSpPr>
+      <p:grpSpPr>
+        <a:xfrm>
+          <a:off x="0" y="0"/>
+          <a:ext cx="0" cy="0"/>
+          <a:chOff x="0" y="0"/>
+          <a:chExt cx="0" cy="0"/>
+        </a:xfrm>
+      </p:grpSpPr>
+      <p:sp>
+        <p:nvSpPr>
+          <p:cNvPr id="9" name="Title 1">
+            <a:extLst>
+              <a:ext uri="{FF2B5EF4-FFF2-40B4-BE49-F238E27FC236}">
+                <a16:creationId xmlns:a16="http://schemas.microsoft.com/office/drawing/2014/main" id="{FF51146E-1C2C-043A-8B3E-B8AF2D263416}"/>
+              </a:ext>
+            </a:extLst>
+          </p:cNvPr>
+          <p:cNvSpPr>
+            <a:spLocks noGrp="1"/>
+          </p:cNvSpPr>
+          <p:nvPr>
+            <p:ph type="title"/>
+          </p:nvPr>
+        </p:nvSpPr>
+        <p:spPr>
+          <a:xfrm>
+            <a:off x="304800" y="127107"/>
+            <a:ext cx="10793431" cy="1325563"/>
+          </a:xfrm>
+        </p:spPr>
+        <p:txBody>
+          <a:bodyPr>
+            <a:normAutofit/>
+          </a:bodyPr>
+          <a:lstStyle/>
+          <a:p>
+            <a:r>
+              <a:rPr lang="ru-RU" sz="3200" dirty="0"/>
+              <a:t>Обзор методов моделирования управления кредитным портфелем банка</a:t>
+            </a:r>
+          </a:p>
+        </p:txBody>
+      </p:sp>
+      <p:sp>
+        <p:nvSpPr>
+          <p:cNvPr id="11" name="TextBox 10">
+            <a:extLst>
+              <a:ext uri="{FF2B5EF4-FFF2-40B4-BE49-F238E27FC236}">
+                <a16:creationId xmlns:a16="http://schemas.microsoft.com/office/drawing/2014/main" id="{60410213-9C0C-0CB8-29B7-BE89941834D1}"/>
+              </a:ext>
+            </a:extLst>
+          </p:cNvPr>
+          <p:cNvSpPr txBox="1"/>
+          <p:nvPr/>
+        </p:nvSpPr>
+        <p:spPr>
+          <a:xfrm>
+            <a:off x="304800" y="1340250"/>
+            <a:ext cx="4056888" cy="646331"/>
+          </a:xfrm>
+          <a:prstGeom prst="rect">
+            <a:avLst/>
+          </a:prstGeom>
+          <a:noFill/>
+        </p:spPr>
+        <p:txBody>
+          <a:bodyPr wrap="square">
+            <a:spAutoFit/>
+          </a:bodyPr>
+          <a:lstStyle/>
+          <a:p>
+            <a:r>
+              <a:rPr lang="ru-RU" b="1" dirty="0"/>
+              <a:t>1. Кредитное скоринг-моделирование</a:t>
+            </a:r>
+          </a:p>
+        </p:txBody>
+      </p:sp>
+      <p:sp>
+        <p:nvSpPr>
+          <p:cNvPr id="13" name="TextBox 12">
+            <a:extLst>
+              <a:ext uri="{FF2B5EF4-FFF2-40B4-BE49-F238E27FC236}">
+                <a16:creationId xmlns:a16="http://schemas.microsoft.com/office/drawing/2014/main" id="{91636762-B063-A970-677F-21AB3441CF24}"/>
+              </a:ext>
+            </a:extLst>
+          </p:cNvPr>
+          <p:cNvSpPr txBox="1"/>
+          <p:nvPr/>
+        </p:nvSpPr>
+        <p:spPr>
+          <a:xfrm>
+            <a:off x="304800" y="1667445"/>
+            <a:ext cx="3296816" cy="4247317"/>
+          </a:xfrm>
+          <a:prstGeom prst="rect">
+            <a:avLst/>
+          </a:prstGeom>
+          <a:noFill/>
+        </p:spPr>
+        <p:txBody>
+          <a:bodyPr wrap="square">
+            <a:spAutoFit/>
+          </a:bodyPr>
+          <a:lstStyle/>
+          <a:p>
+            <a:r>
+              <a:rPr lang="ru-RU" dirty="0"/>
+              <a:t>Используется для оценки вероятности дефолта заемщика на основе исторических данных и различных факторов (финансовые показатели, кредитная история и т.д.). Модели могут быть линейными (логистическая регрессия) или нелинейными (деревья решений, нейронные сети).</a:t>
+            </a:r>
+          </a:p>
+        </p:txBody>
+      </p:sp>
+      <p:sp>
+        <p:nvSpPr>
+          <p:cNvPr id="15" name="TextBox 14">
+            <a:extLst>
+              <a:ext uri="{FF2B5EF4-FFF2-40B4-BE49-F238E27FC236}">
+                <a16:creationId xmlns:a16="http://schemas.microsoft.com/office/drawing/2014/main" id="{4977CBCA-6D1E-733E-C73C-1F5C82422706}"/>
+              </a:ext>
+            </a:extLst>
+          </p:cNvPr>
+          <p:cNvSpPr txBox="1"/>
+          <p:nvPr/>
+        </p:nvSpPr>
+        <p:spPr>
+          <a:xfrm>
+            <a:off x="3647123" y="1476146"/>
+            <a:ext cx="4420543" cy="369332"/>
+          </a:xfrm>
+          <a:prstGeom prst="rect">
+            <a:avLst/>
+          </a:prstGeom>
+          <a:noFill/>
+        </p:spPr>
+        <p:txBody>
+          <a:bodyPr wrap="square">
+            <a:spAutoFit/>
+          </a:bodyPr>
+          <a:lstStyle/>
+          <a:p>
+            <a:r>
+              <a:rPr lang="ru-RU" b="1" dirty="0"/>
+              <a:t>2. Модели оценки потерь</a:t>
+            </a:r>
+          </a:p>
+        </p:txBody>
+      </p:sp>
+      <p:sp>
+        <p:nvSpPr>
+          <p:cNvPr id="17" name="TextBox 16">
+            <a:extLst>
+              <a:ext uri="{FF2B5EF4-FFF2-40B4-BE49-F238E27FC236}">
+                <a16:creationId xmlns:a16="http://schemas.microsoft.com/office/drawing/2014/main" id="{5B054E4D-C7E2-8DC8-4AB9-97545BEC436A}"/>
+              </a:ext>
+            </a:extLst>
+          </p:cNvPr>
+          <p:cNvSpPr txBox="1"/>
+          <p:nvPr/>
+        </p:nvSpPr>
+        <p:spPr>
+          <a:xfrm>
+            <a:off x="3840870" y="2180608"/>
+            <a:ext cx="4226796" cy="3970318"/>
+          </a:xfrm>
+          <a:prstGeom prst="rect">
+            <a:avLst/>
+          </a:prstGeom>
+          <a:noFill/>
+        </p:spPr>
+        <p:txBody>
+          <a:bodyPr wrap="square">
+            <a:spAutoFit/>
+          </a:bodyPr>
+          <a:lstStyle/>
+          <a:p>
+            <a:r>
+              <a:rPr lang="ru-RU" dirty="0"/>
+              <a:t>Модели потерь по дефолту (</a:t>
+            </a:r>
+            <a:r>
+              <a:rPr lang="ru-RU" dirty="0" err="1"/>
+              <a:t>Loss</a:t>
+            </a:r>
+            <a:r>
+              <a:rPr lang="ru-RU" dirty="0"/>
+              <a:t> </a:t>
+            </a:r>
+            <a:r>
+              <a:rPr lang="ru-RU" dirty="0" err="1"/>
+              <a:t>Given</a:t>
+            </a:r>
+            <a:r>
+              <a:rPr lang="ru-RU" dirty="0"/>
+              <a:t> </a:t>
+            </a:r>
+            <a:r>
+              <a:rPr lang="ru-RU" dirty="0" err="1"/>
+              <a:t>Default</a:t>
+            </a:r>
+            <a:r>
+              <a:rPr lang="ru-RU" dirty="0"/>
+              <a:t>, LGD) </a:t>
+            </a:r>
+            <a:r>
+              <a:rPr lang="en-US" dirty="0"/>
+              <a:t>,</a:t>
+            </a:r>
+            <a:r>
+              <a:rPr lang="ru-RU" dirty="0"/>
+              <a:t> вероятности дефолта (</a:t>
+            </a:r>
+            <a:r>
+              <a:rPr lang="ru-RU" dirty="0" err="1"/>
+              <a:t>Probability</a:t>
+            </a:r>
+            <a:r>
+              <a:rPr lang="ru-RU" dirty="0"/>
+              <a:t> </a:t>
+            </a:r>
+            <a:r>
+              <a:rPr lang="ru-RU" dirty="0" err="1"/>
+              <a:t>of</a:t>
+            </a:r>
+            <a:r>
+              <a:rPr lang="ru-RU" dirty="0"/>
+              <a:t> </a:t>
+            </a:r>
+            <a:r>
+              <a:rPr lang="ru-RU" dirty="0" err="1"/>
+              <a:t>Default</a:t>
+            </a:r>
+            <a:r>
+              <a:rPr lang="ru-RU" dirty="0"/>
+              <a:t>, PD)</a:t>
+            </a:r>
+            <a:r>
+              <a:rPr lang="en-US" dirty="0"/>
+              <a:t> </a:t>
+            </a:r>
+            <a:r>
+              <a:rPr lang="ru-RU" dirty="0"/>
+              <a:t>и суммы средств, которые будут подвержены риску на момент дефолта (</a:t>
+            </a:r>
+            <a:r>
+              <a:rPr lang="en-US" dirty="0"/>
+              <a:t>Exposure at Default, EAD</a:t>
+            </a:r>
+            <a:r>
+              <a:rPr lang="ru-RU" dirty="0"/>
+              <a:t>) позволяют оценить потенциальные убытки от дефолтов. Модели потерь могут быть основаны на исторических данных или использовать методы машинного обучения.</a:t>
+            </a:r>
+          </a:p>
+        </p:txBody>
+      </p:sp>
+      <p:sp>
+        <p:nvSpPr>
+          <p:cNvPr id="19" name="TextBox 18">
+            <a:extLst>
+              <a:ext uri="{FF2B5EF4-FFF2-40B4-BE49-F238E27FC236}">
+                <a16:creationId xmlns:a16="http://schemas.microsoft.com/office/drawing/2014/main" id="{97205FAD-3083-A31C-74E9-01C113EE55A3}"/>
+              </a:ext>
+            </a:extLst>
+          </p:cNvPr>
+          <p:cNvSpPr txBox="1"/>
+          <p:nvPr/>
+        </p:nvSpPr>
+        <p:spPr>
+          <a:xfrm>
+            <a:off x="7552481" y="1546698"/>
+            <a:ext cx="4639519" cy="369332"/>
+          </a:xfrm>
+          <a:prstGeom prst="rect">
+            <a:avLst/>
+          </a:prstGeom>
+          <a:noFill/>
+        </p:spPr>
+        <p:txBody>
+          <a:bodyPr wrap="square">
+            <a:spAutoFit/>
+          </a:bodyPr>
+          <a:lstStyle/>
+          <a:p>
+            <a:r>
+              <a:rPr lang="ru-RU" b="1" dirty="0"/>
+              <a:t>3. Модели стресс-тестирования</a:t>
+            </a:r>
+          </a:p>
+        </p:txBody>
+      </p:sp>
+      <p:sp>
+        <p:nvSpPr>
+          <p:cNvPr id="21" name="TextBox 20">
+            <a:extLst>
+              <a:ext uri="{FF2B5EF4-FFF2-40B4-BE49-F238E27FC236}">
+                <a16:creationId xmlns:a16="http://schemas.microsoft.com/office/drawing/2014/main" id="{B6B86F36-D77E-3D99-A221-6F6E88A7C5A5}"/>
+              </a:ext>
+            </a:extLst>
+          </p:cNvPr>
+          <p:cNvSpPr txBox="1"/>
+          <p:nvPr/>
+        </p:nvSpPr>
+        <p:spPr>
+          <a:xfrm>
+            <a:off x="7896248" y="2251160"/>
+            <a:ext cx="4365110" cy="1754326"/>
+          </a:xfrm>
+          <a:prstGeom prst="rect">
+            <a:avLst/>
+          </a:prstGeom>
+          <a:noFill/>
+        </p:spPr>
+        <p:txBody>
+          <a:bodyPr wrap="square">
+            <a:spAutoFit/>
+          </a:bodyPr>
+          <a:lstStyle/>
+          <a:p>
+            <a:r>
+              <a:rPr lang="ru-RU" dirty="0"/>
+              <a:t>Оценка воздействия неблагоприятных экономических сценариев на кредитный портфель. Позволяет выявить уязвимости и подготовиться к потенциальным рискам.</a:t>
+            </a:r>
+          </a:p>
+        </p:txBody>
+      </p:sp>
+      <p:cxnSp>
+        <p:nvCxnSpPr>
+          <p:cNvPr id="12" name="Straight Connector 7">
+            <a:extLst>
+              <a:ext uri="{FF2B5EF4-FFF2-40B4-BE49-F238E27FC236}">
+                <a16:creationId xmlns:a16="http://schemas.microsoft.com/office/drawing/2014/main" id="{0E853930-ECCE-62B1-DBD4-7C8F79CF98A8}"/>
+              </a:ext>
+            </a:extLst>
+          </p:cNvPr>
+          <p:cNvCxnSpPr/>
+          <p:nvPr/>
+        </p:nvCxnSpPr>
+        <p:spPr>
+          <a:xfrm flipH="1">
+            <a:off x="304800" y="1223662"/>
+            <a:ext cx="11298936" cy="8641"/>
+          </a:xfrm>
+          <a:prstGeom prst="line">
+            <a:avLst/>
+          </a:prstGeom>
+          <a:ln/>
+        </p:spPr>
+        <p:style>
+          <a:lnRef idx="3">
+            <a:schemeClr val="accent4"/>
+          </a:lnRef>
+          <a:fillRef idx="0">
+            <a:schemeClr val="accent4"/>
+          </a:fillRef>
+          <a:effectRef idx="2">
+            <a:schemeClr val="accent4"/>
+          </a:effectRef>
+          <a:fontRef idx="minor">
+            <a:schemeClr val="tx1"/>
+          </a:fontRef>
+        </p:style>
+      </p:cxnSp>
+    </p:spTree>
+    <p:extLst>
+      <p:ext uri="{BB962C8B-B14F-4D97-AF65-F5344CB8AC3E}">
+        <p14:creationId xmlns:p14="http://schemas.microsoft.com/office/powerpoint/2010/main" val="3013635931"/>
+      </p:ext>
+    </p:extLst>
+  </p:cSld>
+  <p:clrMapOvr>
+    <a:masterClrMapping/>
+  </p:clrMapOvr>
+  <p:timing>
+    <p:tnLst>
+      <p:par>
+        <p:cTn id="1" dur="indefinite" restart="never" nodeType="tmRoot"/>
+      </p:par>
+    </p:tnLst>
+  </p:timing>
+</p:sld>
+</file>
+
+<file path=ppt/slides/slide23.xml><?xml version="1.0" encoding="utf-8"?>
+<p:sld xmlns:a="http://schemas.openxmlformats.org/drawingml/2006/main" xmlns:r="http://schemas.openxmlformats.org/officeDocument/2006/relationships" xmlns:p="http://schemas.openxmlformats.org/presentationml/2006/main">
+  <p:cSld>
+    <p:spTree>
+      <p:nvGrpSpPr>
+        <p:cNvPr id="1" name=""/>
+        <p:cNvGrpSpPr/>
+        <p:nvPr/>
+      </p:nvGrpSpPr>
+      <p:grpSpPr>
+        <a:xfrm>
+          <a:off x="0" y="0"/>
+          <a:ext cx="0" cy="0"/>
+          <a:chOff x="0" y="0"/>
+          <a:chExt cx="0" cy="0"/>
+        </a:xfrm>
+      </p:grpSpPr>
+      <p:sp>
+        <p:nvSpPr>
+          <p:cNvPr id="4" name="TextBox 3">
+            <a:extLst>
+              <a:ext uri="{FF2B5EF4-FFF2-40B4-BE49-F238E27FC236}">
+                <a16:creationId xmlns:a16="http://schemas.microsoft.com/office/drawing/2014/main" id="{CE39199E-8B1C-CB78-B8E3-32113A33FB9A}"/>
+              </a:ext>
+            </a:extLst>
+          </p:cNvPr>
+          <p:cNvSpPr txBox="1"/>
+          <p:nvPr/>
+        </p:nvSpPr>
+        <p:spPr>
+          <a:xfrm>
+            <a:off x="304800" y="306969"/>
+            <a:ext cx="11426952" cy="547842"/>
+          </a:xfrm>
+          <a:prstGeom prst="rect">
+            <a:avLst/>
+          </a:prstGeom>
+          <a:noFill/>
+        </p:spPr>
+        <p:txBody>
+          <a:bodyPr wrap="square" rtlCol="0">
+            <a:spAutoFit/>
+          </a:bodyPr>
+          <a:lstStyle/>
+          <a:p>
+            <a:pPr>
+              <a:lnSpc>
+                <a:spcPct val="90000"/>
+              </a:lnSpc>
+              <a:spcBef>
+                <a:spcPct val="0"/>
+              </a:spcBef>
+            </a:pPr>
+            <a:r>
+              <a:rPr lang="ru-RU" sz="3200" dirty="0" smtClean="0"/>
+              <a:t>Взаимосвязь макроэкономических параметров</a:t>
+            </a:r>
+            <a:endParaRPr lang="ru-RU" sz="3200" dirty="0">
+              <a:latin typeface="+mj-lt"/>
+              <a:ea typeface="+mj-ea"/>
+              <a:cs typeface="+mj-cs"/>
+            </a:endParaRPr>
+          </a:p>
+        </p:txBody>
+      </p:sp>
+      <p:cxnSp>
+        <p:nvCxnSpPr>
+          <p:cNvPr id="5" name="Straight Connector 7">
+            <a:extLst>
+              <a:ext uri="{FF2B5EF4-FFF2-40B4-BE49-F238E27FC236}">
+                <a16:creationId xmlns:a16="http://schemas.microsoft.com/office/drawing/2014/main" id="{0E853930-ECCE-62B1-DBD4-7C8F79CF98A8}"/>
+              </a:ext>
+            </a:extLst>
+          </p:cNvPr>
+          <p:cNvCxnSpPr/>
+          <p:nvPr/>
+        </p:nvCxnSpPr>
+        <p:spPr>
+          <a:xfrm flipH="1">
+            <a:off x="304800" y="829877"/>
+            <a:ext cx="11298936" cy="8641"/>
+          </a:xfrm>
+          <a:prstGeom prst="line">
+            <a:avLst/>
+          </a:prstGeom>
+          <a:ln/>
+        </p:spPr>
+        <p:style>
+          <a:lnRef idx="3">
+            <a:schemeClr val="accent4"/>
+          </a:lnRef>
+          <a:fillRef idx="0">
+            <a:schemeClr val="accent4"/>
+          </a:fillRef>
+          <a:effectRef idx="2">
+            <a:schemeClr val="accent4"/>
+          </a:effectRef>
+          <a:fontRef idx="minor">
+            <a:schemeClr val="tx1"/>
+          </a:fontRef>
+        </p:style>
+      </p:cxnSp>
+      <mc:AlternateContent xmlns:mc="http://schemas.openxmlformats.org/markup-compatibility/2006" xmlns:a14="http://schemas.microsoft.com/office/drawing/2010/main">
+        <mc:Choice Requires="a14">
           <p:graphicFrame>
             <p:nvGraphicFramePr>
               <p:cNvPr id="2" name="Таблица 1"/>
@@ -12882,6 +17422,7 @@
                         <a:bodyPr/>
                         <a:lstStyle/>
                         <a:p>
+                          <a:pPr/>
                           <a14:m>
                             <m:oMathPara xmlns:m="http://schemas.openxmlformats.org/officeDocument/2006/math">
                               <m:oMathParaPr>
@@ -13679,7 +18220,7 @@
             </a:graphic>
           </p:graphicFrame>
         </mc:Choice>
-        <mc:Fallback>
+        <mc:Fallback xmlns="">
           <p:graphicFrame>
             <p:nvGraphicFramePr>
               <p:cNvPr id="2" name="Таблица 1"/>
@@ -14731,7 +19272,7 @@
 </p:sld>
 </file>
 
-<file path=ppt/slides/slide15.xml><?xml version="1.0" encoding="utf-8"?>
+<file path=ppt/slides/slide24.xml><?xml version="1.0" encoding="utf-8"?>
 <p:sld xmlns:a="http://schemas.openxmlformats.org/drawingml/2006/main" xmlns:r="http://schemas.openxmlformats.org/officeDocument/2006/relationships" xmlns:p="http://schemas.openxmlformats.org/presentationml/2006/main">
   <p:cSld>
     <p:spTree>
@@ -14786,11 +19327,15 @@
             </a:pPr>
             <a:r>
               <a:rPr lang="ru-RU" sz="3200" dirty="0" smtClean="0"/>
-              <a:t>Формула Мертона для расчета </a:t>
-            </a:r>
-            <a:r>
-              <a:rPr lang="en-US" sz="3200" dirty="0" smtClean="0"/>
-              <a:t>PD</a:t>
+              <a:t>Выводы</a:t>
+            </a:r>
+            <a:r>
+              <a:rPr lang="ru-RU" sz="3200" dirty="0"/>
+              <a:t> </a:t>
+            </a:r>
+            <a:r>
+              <a:rPr lang="ru-RU" sz="3200" dirty="0" smtClean="0"/>
+              <a:t>и результаты</a:t>
             </a:r>
             <a:endParaRPr lang="ru-RU" sz="3200" dirty="0">
               <a:latin typeface="+mj-lt"/>
@@ -14800,106 +19345,81 @@
           </a:p>
         </p:txBody>
       </p:sp>
-      <p:pic>
-        <p:nvPicPr>
-          <p:cNvPr id="2" name="Рисунок 1"/>
-          <p:cNvPicPr>
-            <a:picLocks noChangeAspect="1"/>
-          </p:cNvPicPr>
+      <p:sp>
+        <p:nvSpPr>
+          <p:cNvPr id="2" name="TextBox 1"/>
+          <p:cNvSpPr txBox="1"/>
           <p:nvPr/>
-        </p:nvPicPr>
-        <p:blipFill>
-          <a:blip r:embed="rId2"/>
-          <a:stretch>
-            <a:fillRect/>
-          </a:stretch>
-        </p:blipFill>
+        </p:nvSpPr>
         <p:spPr>
           <a:xfrm>
-            <a:off x="308684" y="854810"/>
-            <a:ext cx="5844016" cy="2887631"/>
+            <a:off x="304799" y="1560945"/>
+            <a:ext cx="11259127" cy="2585323"/>
           </a:xfrm>
           <a:prstGeom prst="rect">
             <a:avLst/>
           </a:prstGeom>
+          <a:noFill/>
         </p:spPr>
-      </p:pic>
-      <p:pic>
-        <p:nvPicPr>
-          <p:cNvPr id="5" name="Рисунок 4"/>
-          <p:cNvPicPr>
-            <a:picLocks noChangeAspect="1"/>
-          </p:cNvPicPr>
-          <p:nvPr/>
-        </p:nvPicPr>
-        <p:blipFill>
-          <a:blip r:embed="rId3"/>
-          <a:stretch>
-            <a:fillRect/>
-          </a:stretch>
-        </p:blipFill>
-        <p:spPr>
-          <a:xfrm>
-            <a:off x="6096000" y="3742441"/>
-            <a:ext cx="5857188" cy="2890739"/>
-          </a:xfrm>
-          <a:prstGeom prst="rect">
-            <a:avLst/>
-          </a:prstGeom>
-        </p:spPr>
-      </p:pic>
-      <p:pic>
-        <p:nvPicPr>
-          <p:cNvPr id="6" name="Рисунок 5"/>
-          <p:cNvPicPr>
-            <a:picLocks noChangeAspect="1"/>
-          </p:cNvPicPr>
-          <p:nvPr/>
-        </p:nvPicPr>
-        <p:blipFill>
-          <a:blip r:embed="rId4"/>
-          <a:stretch>
-            <a:fillRect/>
-          </a:stretch>
-        </p:blipFill>
-        <p:spPr>
-          <a:xfrm>
-            <a:off x="304800" y="3742441"/>
-            <a:ext cx="5847900" cy="2889551"/>
-          </a:xfrm>
-          <a:prstGeom prst="rect">
-            <a:avLst/>
-          </a:prstGeom>
-        </p:spPr>
-      </p:pic>
-      <p:pic>
-        <p:nvPicPr>
-          <p:cNvPr id="8" name="Рисунок 7"/>
-          <p:cNvPicPr>
-            <a:picLocks noChangeAspect="1"/>
-          </p:cNvPicPr>
-          <p:nvPr/>
-        </p:nvPicPr>
-        <p:blipFill>
-          <a:blip r:embed="rId5"/>
-          <a:stretch>
-            <a:fillRect/>
-          </a:stretch>
-        </p:blipFill>
-        <p:spPr>
-          <a:xfrm>
-            <a:off x="6095999" y="851702"/>
-            <a:ext cx="5857189" cy="2890739"/>
-          </a:xfrm>
-          <a:prstGeom prst="rect">
-            <a:avLst/>
-          </a:prstGeom>
-        </p:spPr>
-      </p:pic>
+        <p:txBody>
+          <a:bodyPr wrap="square" rtlCol="0">
+            <a:spAutoFit/>
+          </a:bodyPr>
+          <a:lstStyle/>
+          <a:p>
+            <a:pPr marL="285750" indent="-285750">
+              <a:buFont typeface="Arial" panose="020B0604020202020204" pitchFamily="34" charset="0"/>
+              <a:buChar char="•"/>
+            </a:pPr>
+            <a:r>
+              <a:rPr lang="ru-RU" dirty="0" smtClean="0"/>
+              <a:t>Составлен кредитный портфель из российских акций</a:t>
+            </a:r>
+          </a:p>
+          <a:p>
+            <a:pPr marL="285750" indent="-285750">
+              <a:buFont typeface="Arial" panose="020B0604020202020204" pitchFamily="34" charset="0"/>
+              <a:buChar char="•"/>
+            </a:pPr>
+            <a:r>
+              <a:rPr lang="ru-RU" dirty="0" smtClean="0"/>
+              <a:t>Рассчитаны вероятности дефолта каждой из компаний</a:t>
+            </a:r>
+          </a:p>
+          <a:p>
+            <a:pPr marL="285750" indent="-285750">
+              <a:buFont typeface="Arial" panose="020B0604020202020204" pitchFamily="34" charset="0"/>
+              <a:buChar char="•"/>
+            </a:pPr>
+            <a:r>
+              <a:rPr lang="ru-RU" dirty="0" smtClean="0"/>
+              <a:t>Проанализировано влияние инфляции и процентной ставки на кредитный риск портфеля.</a:t>
+            </a:r>
+          </a:p>
+          <a:p>
+            <a:pPr marL="285750" indent="-285750">
+              <a:buFont typeface="Arial" panose="020B0604020202020204" pitchFamily="34" charset="0"/>
+              <a:buChar char="•"/>
+            </a:pPr>
+            <a:endParaRPr lang="ru-RU" dirty="0"/>
+          </a:p>
+          <a:p>
+            <a:pPr marL="285750" indent="-285750">
+              <a:buFont typeface="Arial" panose="020B0604020202020204" pitchFamily="34" charset="0"/>
+              <a:buChar char="•"/>
+            </a:pPr>
+            <a:r>
+              <a:rPr lang="ru-RU" dirty="0" smtClean="0"/>
+              <a:t>При текущем подходе не было установлено, что инфляция и процентная ставка оказывают статистически значимое влияние на кредитный портфель в целом. Далее предполагается рассматривать влияние этих и других факторов (безработицы и валютных пар) на каждый сектор в отдельности.</a:t>
+            </a:r>
+            <a:endParaRPr lang="en-US" dirty="0" smtClean="0"/>
+          </a:p>
+        </p:txBody>
+      </p:sp>
     </p:spTree>
     <p:extLst>
       <p:ext uri="{BB962C8B-B14F-4D97-AF65-F5344CB8AC3E}">
-        <p14:creationId xmlns:p14="http://schemas.microsoft.com/office/powerpoint/2010/main" val="2222334011"/>
+        <p14:creationId xmlns:p14="http://schemas.microsoft.com/office/powerpoint/2010/main" val="3907144356"/>
       </p:ext>
     </p:extLst>
   </p:cSld>
@@ -14916,902 +19436,7 @@
 </p:sld>
 </file>
 
-<file path=ppt/slides/slide16.xml><?xml version="1.0" encoding="utf-8"?>
-<p:sld xmlns:a="http://schemas.openxmlformats.org/drawingml/2006/main" xmlns:r="http://schemas.openxmlformats.org/officeDocument/2006/relationships" xmlns:p="http://schemas.openxmlformats.org/presentationml/2006/main">
-  <p:cSld>
-    <p:spTree>
-      <p:nvGrpSpPr>
-        <p:cNvPr id="1" name=""/>
-        <p:cNvGrpSpPr/>
-        <p:nvPr/>
-      </p:nvGrpSpPr>
-      <p:grpSpPr>
-        <a:xfrm>
-          <a:off x="0" y="0"/>
-          <a:ext cx="0" cy="0"/>
-          <a:chOff x="0" y="0"/>
-          <a:chExt cx="0" cy="0"/>
-        </a:xfrm>
-      </p:grpSpPr>
-      <p:sp>
-        <p:nvSpPr>
-          <p:cNvPr id="5" name="TextBox 4">
-            <a:extLst>
-              <a:ext uri="{FF2B5EF4-FFF2-40B4-BE49-F238E27FC236}">
-                <a16:creationId xmlns:a16="http://schemas.microsoft.com/office/drawing/2014/main" id="{CE39199E-8B1C-CB78-B8E3-32113A33FB9A}"/>
-              </a:ext>
-            </a:extLst>
-          </p:cNvPr>
-          <p:cNvSpPr txBox="1"/>
-          <p:nvPr/>
-        </p:nvSpPr>
-        <p:spPr>
-          <a:xfrm>
-            <a:off x="304800" y="306969"/>
-            <a:ext cx="10385196" cy="535531"/>
-          </a:xfrm>
-          <a:prstGeom prst="rect">
-            <a:avLst/>
-          </a:prstGeom>
-          <a:noFill/>
-        </p:spPr>
-        <p:txBody>
-          <a:bodyPr wrap="square" rtlCol="0">
-            <a:spAutoFit/>
-          </a:bodyPr>
-          <a:lstStyle/>
-          <a:p>
-            <a:pPr>
-              <a:lnSpc>
-                <a:spcPct val="90000"/>
-              </a:lnSpc>
-              <a:spcBef>
-                <a:spcPct val="0"/>
-              </a:spcBef>
-            </a:pPr>
-            <a:r>
-              <a:rPr lang="ru-RU" sz="3200" dirty="0" smtClean="0"/>
-              <a:t>Функция импульсного отклика (</a:t>
-            </a:r>
-            <a:r>
-              <a:rPr lang="en-US" sz="3200" dirty="0" smtClean="0"/>
-              <a:t>IRF</a:t>
-            </a:r>
-            <a:r>
-              <a:rPr lang="ru-RU" sz="3200" dirty="0" smtClean="0"/>
-              <a:t>)</a:t>
-            </a:r>
-            <a:endParaRPr lang="ru-RU" sz="3200" dirty="0">
-              <a:latin typeface="+mj-lt"/>
-              <a:ea typeface="+mj-ea"/>
-              <a:cs typeface="+mj-cs"/>
-            </a:endParaRPr>
-          </a:p>
-        </p:txBody>
-      </p:sp>
-      <p:pic>
-        <p:nvPicPr>
-          <p:cNvPr id="3" name="Рисунок 2" descr="\documentclass{article}&#10;\usepackage{amsmath}&#10;\pagestyle{empty}&#10;\begin{document}&#10;&#10;&#10;$$Y_t = c + \phi_1 Y_{t-1} + \phi_2 Y_{t-2} + \dots + \phi_p Y_{t-p} + \varepsilon_t,$$  &#10;&#10;\end{document}" title="IguanaTex Bitmap Display"/>
-          <p:cNvPicPr>
-            <a:picLocks noChangeAspect="1"/>
-          </p:cNvPicPr>
-          <p:nvPr>
-            <p:custDataLst>
-              <p:tags r:id="rId1"/>
-            </p:custDataLst>
-          </p:nvPr>
-        </p:nvPicPr>
-        <p:blipFill>
-          <a:blip r:embed="rId11" cstate="hqprint">
-            <a:extLst>
-              <a:ext uri="{28A0092B-C50C-407E-A947-70E740481C1C}">
-                <a14:useLocalDpi xmlns:a14="http://schemas.microsoft.com/office/drawing/2010/main" val="0"/>
-              </a:ext>
-            </a:extLst>
-          </a:blip>
-          <a:stretch>
-            <a:fillRect/>
-          </a:stretch>
-        </p:blipFill>
-        <p:spPr>
-          <a:xfrm>
-            <a:off x="3565714" y="1803124"/>
-            <a:ext cx="5060571" cy="247771"/>
-          </a:xfrm>
-          <a:prstGeom prst="rect">
-            <a:avLst/>
-          </a:prstGeom>
-        </p:spPr>
-      </p:pic>
-      <p:sp>
-        <p:nvSpPr>
-          <p:cNvPr id="4" name="Прямоугольник 3"/>
-          <p:cNvSpPr/>
-          <p:nvPr/>
-        </p:nvSpPr>
-        <p:spPr>
-          <a:xfrm>
-            <a:off x="304800" y="1135633"/>
-            <a:ext cx="11280742" cy="369332"/>
-          </a:xfrm>
-          <a:prstGeom prst="rect">
-            <a:avLst/>
-          </a:prstGeom>
-        </p:spPr>
-        <p:txBody>
-          <a:bodyPr wrap="square">
-            <a:spAutoFit/>
-          </a:bodyPr>
-          <a:lstStyle/>
-          <a:p>
-            <a:r>
-              <a:rPr lang="ru-RU" dirty="0"/>
-              <a:t>Рассмотрим </a:t>
-            </a:r>
-            <a:r>
-              <a:rPr lang="ru-RU" dirty="0" err="1"/>
-              <a:t>авторегрессионную</a:t>
-            </a:r>
-            <a:r>
-              <a:rPr lang="ru-RU" dirty="0"/>
-              <a:t> модель порядка </a:t>
-            </a:r>
-            <a:r>
-              <a:rPr lang="ru-RU" dirty="0" smtClean="0"/>
-              <a:t>p </a:t>
-            </a:r>
-            <a:r>
-              <a:rPr lang="ru-RU" dirty="0"/>
-              <a:t>(AR(p)):</a:t>
-            </a:r>
-            <a:endParaRPr lang="en-US" dirty="0"/>
-          </a:p>
-        </p:txBody>
-      </p:sp>
-      <p:pic>
-        <p:nvPicPr>
-          <p:cNvPr id="6" name="Рисунок 5" descr="\documentclass{article}&#10;\usepackage{amsmath}&#10;\pagestyle{empty}&#10;\begin{document}&#10;&#10;$( \varepsilon_t \sim WN(0, \sigma^2) ) $&#10;&#10;&#10;\end{document}" title="IguanaTex Bitmap Display"/>
-          <p:cNvPicPr>
-            <a:picLocks noChangeAspect="1"/>
-          </p:cNvPicPr>
-          <p:nvPr>
-            <p:custDataLst>
-              <p:tags r:id="rId2"/>
-            </p:custDataLst>
-          </p:nvPr>
-        </p:nvPicPr>
-        <p:blipFill>
-          <a:blip r:embed="rId12" cstate="hqprint">
-            <a:extLst>
-              <a:ext uri="{28A0092B-C50C-407E-A947-70E740481C1C}">
-                <a14:useLocalDpi xmlns:a14="http://schemas.microsoft.com/office/drawing/2010/main" val="0"/>
-              </a:ext>
-            </a:extLst>
-          </a:blip>
-          <a:stretch>
-            <a:fillRect/>
-          </a:stretch>
-        </p:blipFill>
-        <p:spPr>
-          <a:xfrm>
-            <a:off x="608588" y="2314380"/>
-            <a:ext cx="1709897" cy="246034"/>
-          </a:xfrm>
-          <a:prstGeom prst="rect">
-            <a:avLst/>
-          </a:prstGeom>
-        </p:spPr>
-      </p:pic>
-      <p:pic>
-        <p:nvPicPr>
-          <p:cNvPr id="7" name="Рисунок 6" descr="\documentclass{article}&#10;\usepackage{amsmath}&#10;\pagestyle{empty}&#10;\begin{document}&#10;&#10;&#10;$\phi_i $&#10;&#10;\end{document}" title="IguanaTex Bitmap Display"/>
-          <p:cNvPicPr>
-            <a:picLocks noChangeAspect="1"/>
-          </p:cNvPicPr>
-          <p:nvPr>
-            <p:custDataLst>
-              <p:tags r:id="rId3"/>
-            </p:custDataLst>
-          </p:nvPr>
-        </p:nvPicPr>
-        <p:blipFill>
-          <a:blip r:embed="rId13" cstate="hqprint">
-            <a:extLst>
-              <a:ext uri="{28A0092B-C50C-407E-A947-70E740481C1C}">
-                <a14:useLocalDpi xmlns:a14="http://schemas.microsoft.com/office/drawing/2010/main" val="0"/>
-              </a:ext>
-            </a:extLst>
-          </a:blip>
-          <a:stretch>
-            <a:fillRect/>
-          </a:stretch>
-        </p:blipFill>
-        <p:spPr>
-          <a:xfrm>
-            <a:off x="608588" y="2636345"/>
-            <a:ext cx="181029" cy="204891"/>
-          </a:xfrm>
-          <a:prstGeom prst="rect">
-            <a:avLst/>
-          </a:prstGeom>
-        </p:spPr>
-      </p:pic>
-      <p:sp>
-        <p:nvSpPr>
-          <p:cNvPr id="8" name="Прямоугольник 7"/>
-          <p:cNvSpPr/>
-          <p:nvPr/>
-        </p:nvSpPr>
-        <p:spPr>
-          <a:xfrm>
-            <a:off x="304800" y="2314380"/>
-            <a:ext cx="6096000" cy="646331"/>
-          </a:xfrm>
-          <a:prstGeom prst="rect">
-            <a:avLst/>
-          </a:prstGeom>
-        </p:spPr>
-        <p:txBody>
-          <a:bodyPr>
-            <a:spAutoFit/>
-          </a:bodyPr>
-          <a:lstStyle/>
-          <a:p>
-            <a:pPr marL="285750" indent="-285750">
-              <a:buFont typeface="Arial" panose="020B0604020202020204" pitchFamily="34" charset="0"/>
-              <a:buChar char="•"/>
-            </a:pPr>
-            <a:r>
-              <a:rPr lang="en-US" dirty="0" smtClean="0"/>
-              <a:t>	        — </a:t>
-            </a:r>
-            <a:r>
-              <a:rPr lang="en-US" dirty="0" err="1"/>
-              <a:t>белый</a:t>
-            </a:r>
-            <a:r>
-              <a:rPr lang="en-US" dirty="0"/>
-              <a:t> </a:t>
-            </a:r>
-            <a:r>
-              <a:rPr lang="en-US" dirty="0" err="1" smtClean="0"/>
-              <a:t>шум</a:t>
-            </a:r>
-            <a:r>
-              <a:rPr lang="en-US" dirty="0" smtClean="0"/>
-              <a:t> </a:t>
-            </a:r>
-          </a:p>
-          <a:p>
-            <a:pPr marL="285750" indent="-285750">
-              <a:buFont typeface="Arial" panose="020B0604020202020204" pitchFamily="34" charset="0"/>
-              <a:buChar char="•"/>
-            </a:pPr>
-            <a:r>
-              <a:rPr lang="en-US" dirty="0" smtClean="0"/>
-              <a:t>  — </a:t>
-            </a:r>
-            <a:r>
-              <a:rPr lang="en-US" dirty="0" err="1"/>
-              <a:t>коэффициенты</a:t>
-            </a:r>
-            <a:r>
-              <a:rPr lang="en-US" dirty="0"/>
-              <a:t> </a:t>
-            </a:r>
-            <a:r>
-              <a:rPr lang="en-US" dirty="0" err="1" smtClean="0"/>
-              <a:t>модели</a:t>
-            </a:r>
-            <a:endParaRPr lang="en-US" dirty="0"/>
-          </a:p>
-        </p:txBody>
-      </p:sp>
-      <p:sp>
-        <p:nvSpPr>
-          <p:cNvPr id="9" name="Прямоугольник 8"/>
-          <p:cNvSpPr/>
-          <p:nvPr/>
-        </p:nvSpPr>
-        <p:spPr>
-          <a:xfrm>
-            <a:off x="304800" y="3241533"/>
-            <a:ext cx="11554120" cy="1200329"/>
-          </a:xfrm>
-          <a:prstGeom prst="rect">
-            <a:avLst/>
-          </a:prstGeom>
-        </p:spPr>
-        <p:txBody>
-          <a:bodyPr wrap="square">
-            <a:spAutoFit/>
-          </a:bodyPr>
-          <a:lstStyle/>
-          <a:p>
-            <a:r>
-              <a:rPr lang="ru-RU" b="1" dirty="0"/>
-              <a:t>Импульсная отклик-функция (IRF)</a:t>
-            </a:r>
-          </a:p>
-          <a:p>
-            <a:r>
-              <a:rPr lang="ru-RU" dirty="0"/>
-              <a:t>IRF показывает, как единичный шок </a:t>
-            </a:r>
-            <a:r>
-              <a:rPr lang="en-US" dirty="0" smtClean="0"/>
-              <a:t>      </a:t>
-            </a:r>
-            <a:r>
-              <a:rPr lang="ru-RU" dirty="0" smtClean="0"/>
-              <a:t>в </a:t>
-            </a:r>
-            <a:r>
-              <a:rPr lang="ru-RU" dirty="0"/>
-              <a:t>момент времени </a:t>
-            </a:r>
-            <a:r>
-              <a:rPr lang="ru-RU" dirty="0" smtClean="0"/>
-              <a:t>t </a:t>
-            </a:r>
-            <a:r>
-              <a:rPr lang="ru-RU" dirty="0"/>
-              <a:t>влияет на будущие </a:t>
-            </a:r>
-            <a:r>
-              <a:rPr lang="ru-RU" dirty="0" smtClean="0"/>
-              <a:t>значения</a:t>
-            </a:r>
-            <a:r>
-              <a:rPr lang="en-US" dirty="0" smtClean="0"/>
-              <a:t>     . </a:t>
-            </a:r>
-            <a:r>
-              <a:rPr lang="ru-RU" dirty="0" smtClean="0"/>
-              <a:t>Для </a:t>
-            </a:r>
-            <a:r>
-              <a:rPr lang="ru-RU" dirty="0"/>
-              <a:t>этого AR(p) представляется в виде скользящего среднего бесконечного порядка (MA(∞))</a:t>
-            </a:r>
-          </a:p>
-        </p:txBody>
-      </p:sp>
-      <p:pic>
-        <p:nvPicPr>
-          <p:cNvPr id="10" name="Рисунок 9" descr="\documentclass{article}&#10;\usepackage{amsmath}&#10;\pagestyle{empty}&#10;\begin{document}&#10;&#10;&#10;$$IRF(s) = \psi_s = \frac{\partial Y_{t+s}}{\partial \varepsilon_t},$$  &#10;&#10;\end{document}" title="IguanaTex Bitmap Display"/>
-          <p:cNvPicPr>
-            <a:picLocks noChangeAspect="1"/>
-          </p:cNvPicPr>
-          <p:nvPr>
-            <p:custDataLst>
-              <p:tags r:id="rId4"/>
-            </p:custDataLst>
-          </p:nvPr>
-        </p:nvPicPr>
-        <p:blipFill>
-          <a:blip r:embed="rId14" cstate="hqprint">
-            <a:extLst>
-              <a:ext uri="{28A0092B-C50C-407E-A947-70E740481C1C}">
-                <a14:useLocalDpi xmlns:a14="http://schemas.microsoft.com/office/drawing/2010/main" val="0"/>
-              </a:ext>
-            </a:extLst>
-          </a:blip>
-          <a:stretch>
-            <a:fillRect/>
-          </a:stretch>
-        </p:blipFill>
-        <p:spPr>
-          <a:xfrm>
-            <a:off x="4595044" y="5269774"/>
-            <a:ext cx="2526171" cy="565943"/>
-          </a:xfrm>
-          <a:prstGeom prst="rect">
-            <a:avLst/>
-          </a:prstGeom>
-        </p:spPr>
-      </p:pic>
-      <p:pic>
-        <p:nvPicPr>
-          <p:cNvPr id="11" name="Рисунок 10" descr="\documentclass{article}&#10;\usepackage{amsmath}&#10;\pagestyle{empty}&#10;\begin{document}&#10;&#10;$\varepsilon_t = 1 $&#10;&#10;&#10;\end{document}" title="IguanaTex Bitmap Display"/>
-          <p:cNvPicPr>
-            <a:picLocks noChangeAspect="1"/>
-          </p:cNvPicPr>
-          <p:nvPr>
-            <p:custDataLst>
-              <p:tags r:id="rId5"/>
-            </p:custDataLst>
-          </p:nvPr>
-        </p:nvPicPr>
-        <p:blipFill>
-          <a:blip r:embed="rId15" cstate="hqprint">
-            <a:extLst>
-              <a:ext uri="{28A0092B-C50C-407E-A947-70E740481C1C}">
-                <a14:useLocalDpi xmlns:a14="http://schemas.microsoft.com/office/drawing/2010/main" val="0"/>
-              </a:ext>
-            </a:extLst>
-          </a:blip>
-          <a:stretch>
-            <a:fillRect/>
-          </a:stretch>
-        </p:blipFill>
-        <p:spPr>
-          <a:xfrm>
-            <a:off x="5066383" y="3589106"/>
-            <a:ext cx="644571" cy="207543"/>
-          </a:xfrm>
-          <a:prstGeom prst="rect">
-            <a:avLst/>
-          </a:prstGeom>
-        </p:spPr>
-      </p:pic>
-      <p:pic>
-        <p:nvPicPr>
-          <p:cNvPr id="12" name="Рисунок 11" descr="\documentclass{article}&#10;\usepackage{amsmath}&#10;\pagestyle{empty}&#10;\begin{document}&#10;&#10;&#10;$Y_{t+s} $&#10;&#10;\end{document}" title="IguanaTex Bitmap Display"/>
-          <p:cNvPicPr>
-            <a:picLocks noChangeAspect="1"/>
-          </p:cNvPicPr>
-          <p:nvPr>
-            <p:custDataLst>
-              <p:tags r:id="rId6"/>
-            </p:custDataLst>
-          </p:nvPr>
-        </p:nvPicPr>
-        <p:blipFill>
-          <a:blip r:embed="rId16" cstate="hqprint">
-            <a:extLst>
-              <a:ext uri="{28A0092B-C50C-407E-A947-70E740481C1C}">
-                <a14:useLocalDpi xmlns:a14="http://schemas.microsoft.com/office/drawing/2010/main" val="0"/>
-              </a:ext>
-            </a:extLst>
-          </a:blip>
-          <a:stretch>
-            <a:fillRect/>
-          </a:stretch>
-        </p:blipFill>
-        <p:spPr>
-          <a:xfrm>
-            <a:off x="1642646" y="3883596"/>
-            <a:ext cx="454400" cy="231314"/>
-          </a:xfrm>
-          <a:prstGeom prst="rect">
-            <a:avLst/>
-          </a:prstGeom>
-        </p:spPr>
-      </p:pic>
-      <p:sp>
-        <p:nvSpPr>
-          <p:cNvPr id="13" name="Прямоугольник 12"/>
-          <p:cNvSpPr/>
-          <p:nvPr/>
-        </p:nvSpPr>
-        <p:spPr>
-          <a:xfrm>
-            <a:off x="304800" y="4756973"/>
-            <a:ext cx="2390398" cy="369332"/>
-          </a:xfrm>
-          <a:prstGeom prst="rect">
-            <a:avLst/>
-          </a:prstGeom>
-        </p:spPr>
-        <p:txBody>
-          <a:bodyPr wrap="none">
-            <a:spAutoFit/>
-          </a:bodyPr>
-          <a:lstStyle/>
-          <a:p>
-            <a:r>
-              <a:rPr lang="ru-RU" b="1" dirty="0"/>
-              <a:t>Определение </a:t>
-            </a:r>
-            <a:r>
-              <a:rPr lang="en-US" b="1" dirty="0" smtClean="0"/>
-              <a:t>IRF</a:t>
-            </a:r>
-            <a:r>
-              <a:rPr lang="en-US" dirty="0"/>
-              <a:t>:</a:t>
-            </a:r>
-          </a:p>
-        </p:txBody>
-      </p:sp>
-      <p:sp>
-        <p:nvSpPr>
-          <p:cNvPr id="14" name="Прямоугольник 13"/>
-          <p:cNvSpPr/>
-          <p:nvPr/>
-        </p:nvSpPr>
-        <p:spPr>
-          <a:xfrm>
-            <a:off x="304800" y="6128375"/>
-            <a:ext cx="10875389" cy="369332"/>
-          </a:xfrm>
-          <a:prstGeom prst="rect">
-            <a:avLst/>
-          </a:prstGeom>
-        </p:spPr>
-        <p:txBody>
-          <a:bodyPr wrap="square">
-            <a:spAutoFit/>
-          </a:bodyPr>
-          <a:lstStyle/>
-          <a:p>
-            <a:r>
-              <a:rPr lang="ru-RU" dirty="0"/>
-              <a:t>то есть </a:t>
-            </a:r>
-            <a:r>
-              <a:rPr lang="en-US" dirty="0" smtClean="0"/>
-              <a:t>  </a:t>
-            </a:r>
-            <a:r>
-              <a:rPr lang="ru-RU" dirty="0" smtClean="0"/>
-              <a:t>​ </a:t>
-            </a:r>
-            <a:r>
-              <a:rPr lang="ru-RU" dirty="0"/>
-              <a:t>отражает изменение </a:t>
-            </a:r>
-            <a:r>
-              <a:rPr lang="en-US" dirty="0" smtClean="0"/>
-              <a:t>    </a:t>
-            </a:r>
-            <a:r>
-              <a:rPr lang="ru-RU" dirty="0" smtClean="0"/>
-              <a:t>​ </a:t>
-            </a:r>
-            <a:r>
-              <a:rPr lang="ru-RU" dirty="0"/>
-              <a:t>при единичном </a:t>
-            </a:r>
-            <a:r>
-              <a:rPr lang="ru-RU" dirty="0" smtClean="0"/>
-              <a:t>шоке</a:t>
-            </a:r>
-            <a:r>
-              <a:rPr lang="en-US" dirty="0" smtClean="0"/>
-              <a:t>      </a:t>
-            </a:r>
-            <a:r>
-              <a:rPr lang="ru-RU" dirty="0" smtClean="0"/>
-              <a:t>.</a:t>
-            </a:r>
-            <a:endParaRPr lang="en-US" dirty="0"/>
-          </a:p>
-        </p:txBody>
-      </p:sp>
-      <p:pic>
-        <p:nvPicPr>
-          <p:cNvPr id="15" name="Рисунок 14" descr="\documentclass{article}&#10;\usepackage{amsmath}&#10;\pagestyle{empty}&#10;\begin{document}&#10;&#10;$\varepsilon_t = 1 $&#10;&#10;&#10;\end{document}" title="IguanaTex Bitmap Display"/>
-          <p:cNvPicPr>
-            <a:picLocks noChangeAspect="1"/>
-          </p:cNvPicPr>
-          <p:nvPr>
-            <p:custDataLst>
-              <p:tags r:id="rId7"/>
-            </p:custDataLst>
-          </p:nvPr>
-        </p:nvPicPr>
-        <p:blipFill>
-          <a:blip r:embed="rId15" cstate="hqprint">
-            <a:extLst>
-              <a:ext uri="{28A0092B-C50C-407E-A947-70E740481C1C}">
-                <a14:useLocalDpi xmlns:a14="http://schemas.microsoft.com/office/drawing/2010/main" val="0"/>
-              </a:ext>
-            </a:extLst>
-          </a:blip>
-          <a:stretch>
-            <a:fillRect/>
-          </a:stretch>
-        </p:blipFill>
-        <p:spPr>
-          <a:xfrm>
-            <a:off x="7792531" y="6208792"/>
-            <a:ext cx="644571" cy="207543"/>
-          </a:xfrm>
-          <a:prstGeom prst="rect">
-            <a:avLst/>
-          </a:prstGeom>
-        </p:spPr>
-      </p:pic>
-      <p:pic>
-        <p:nvPicPr>
-          <p:cNvPr id="16" name="Рисунок 15" descr="\documentclass{article}&#10;\usepackage{amsmath}&#10;\pagestyle{empty}&#10;\begin{document}&#10;&#10;&#10;$Y_{t+s} $&#10;&#10;\end{document}" title="IguanaTex Bitmap Display"/>
-          <p:cNvPicPr>
-            <a:picLocks noChangeAspect="1"/>
-          </p:cNvPicPr>
-          <p:nvPr>
-            <p:custDataLst>
-              <p:tags r:id="rId8"/>
-            </p:custDataLst>
-          </p:nvPr>
-        </p:nvPicPr>
-        <p:blipFill>
-          <a:blip r:embed="rId16" cstate="hqprint">
-            <a:extLst>
-              <a:ext uri="{28A0092B-C50C-407E-A947-70E740481C1C}">
-                <a14:useLocalDpi xmlns:a14="http://schemas.microsoft.com/office/drawing/2010/main" val="0"/>
-              </a:ext>
-            </a:extLst>
-          </a:blip>
-          <a:stretch>
-            <a:fillRect/>
-          </a:stretch>
-        </p:blipFill>
-        <p:spPr>
-          <a:xfrm>
-            <a:off x="4595044" y="6196907"/>
-            <a:ext cx="454400" cy="231314"/>
-          </a:xfrm>
-          <a:prstGeom prst="rect">
-            <a:avLst/>
-          </a:prstGeom>
-        </p:spPr>
-      </p:pic>
-      <p:pic>
-        <p:nvPicPr>
-          <p:cNvPr id="17" name="Рисунок 16" descr="\documentclass{article}&#10;\usepackage{amsmath}&#10;\pagestyle{empty}&#10;\begin{document}&#10;&#10;$\psi_s $&#10;&#10;&#10;\end{document}" title="IguanaTex Bitmap Display"/>
-          <p:cNvPicPr>
-            <a:picLocks noChangeAspect="1"/>
-          </p:cNvPicPr>
-          <p:nvPr>
-            <p:custDataLst>
-              <p:tags r:id="rId9"/>
-            </p:custDataLst>
-          </p:nvPr>
-        </p:nvPicPr>
-        <p:blipFill>
-          <a:blip r:embed="rId17" cstate="hqprint">
-            <a:extLst>
-              <a:ext uri="{28A0092B-C50C-407E-A947-70E740481C1C}">
-                <a14:useLocalDpi xmlns:a14="http://schemas.microsoft.com/office/drawing/2010/main" val="0"/>
-              </a:ext>
-            </a:extLst>
-          </a:blip>
-          <a:stretch>
-            <a:fillRect/>
-          </a:stretch>
-        </p:blipFill>
-        <p:spPr>
-          <a:xfrm>
-            <a:off x="1522417" y="6211471"/>
-            <a:ext cx="240457" cy="227657"/>
-          </a:xfrm>
-          <a:prstGeom prst="rect">
-            <a:avLst/>
-          </a:prstGeom>
-        </p:spPr>
-      </p:pic>
-    </p:spTree>
-    <p:extLst>
-      <p:ext uri="{BB962C8B-B14F-4D97-AF65-F5344CB8AC3E}">
-        <p14:creationId xmlns:p14="http://schemas.microsoft.com/office/powerpoint/2010/main" val="888602600"/>
-      </p:ext>
-    </p:extLst>
-  </p:cSld>
-  <p:clrMapOvr>
-    <a:masterClrMapping/>
-  </p:clrMapOvr>
-  <p:timing>
-    <p:tnLst>
-      <p:par>
-        <p:cTn id="1" dur="indefinite" restart="never" nodeType="tmRoot"/>
-      </p:par>
-    </p:tnLst>
-  </p:timing>
-</p:sld>
-</file>
-
-<file path=ppt/slides/slide17.xml><?xml version="1.0" encoding="utf-8"?>
-<p:sld xmlns:a="http://schemas.openxmlformats.org/drawingml/2006/main" xmlns:r="http://schemas.openxmlformats.org/officeDocument/2006/relationships" xmlns:p="http://schemas.openxmlformats.org/presentationml/2006/main">
-  <p:cSld>
-    <p:spTree>
-      <p:nvGrpSpPr>
-        <p:cNvPr id="1" name=""/>
-        <p:cNvGrpSpPr/>
-        <p:nvPr/>
-      </p:nvGrpSpPr>
-      <p:grpSpPr>
-        <a:xfrm>
-          <a:off x="0" y="0"/>
-          <a:ext cx="0" cy="0"/>
-          <a:chOff x="0" y="0"/>
-          <a:chExt cx="0" cy="0"/>
-        </a:xfrm>
-      </p:grpSpPr>
-      <p:sp>
-        <p:nvSpPr>
-          <p:cNvPr id="4" name="TextBox 3">
-            <a:extLst>
-              <a:ext uri="{FF2B5EF4-FFF2-40B4-BE49-F238E27FC236}">
-                <a16:creationId xmlns:a16="http://schemas.microsoft.com/office/drawing/2014/main" id="{CE39199E-8B1C-CB78-B8E3-32113A33FB9A}"/>
-              </a:ext>
-            </a:extLst>
-          </p:cNvPr>
-          <p:cNvSpPr txBox="1"/>
-          <p:nvPr/>
-        </p:nvSpPr>
-        <p:spPr>
-          <a:xfrm>
-            <a:off x="304800" y="306969"/>
-            <a:ext cx="11426952" cy="547842"/>
-          </a:xfrm>
-          <a:prstGeom prst="rect">
-            <a:avLst/>
-          </a:prstGeom>
-          <a:noFill/>
-        </p:spPr>
-        <p:txBody>
-          <a:bodyPr wrap="square" rtlCol="0">
-            <a:spAutoFit/>
-          </a:bodyPr>
-          <a:lstStyle/>
-          <a:p>
-            <a:pPr>
-              <a:lnSpc>
-                <a:spcPct val="90000"/>
-              </a:lnSpc>
-              <a:spcBef>
-                <a:spcPct val="0"/>
-              </a:spcBef>
-            </a:pPr>
-            <a:r>
-              <a:rPr lang="ru-RU" sz="3200" dirty="0" smtClean="0"/>
-              <a:t>Исследование </a:t>
-            </a:r>
-            <a:r>
-              <a:rPr lang="en-US" sz="3200" dirty="0" smtClean="0"/>
-              <a:t>IRF</a:t>
-            </a:r>
-            <a:endParaRPr lang="ru-RU" sz="3200" dirty="0">
-              <a:latin typeface="+mj-lt"/>
-              <a:ea typeface="+mj-ea"/>
-              <a:cs typeface="+mj-cs"/>
-            </a:endParaRPr>
-          </a:p>
-        </p:txBody>
-      </p:sp>
-      <p:pic>
-        <p:nvPicPr>
-          <p:cNvPr id="3" name="Рисунок 2"/>
-          <p:cNvPicPr>
-            <a:picLocks noChangeAspect="1"/>
-          </p:cNvPicPr>
-          <p:nvPr/>
-        </p:nvPicPr>
-        <p:blipFill>
-          <a:blip r:embed="rId2">
-            <a:extLst>
-              <a:ext uri="{28A0092B-C50C-407E-A947-70E740481C1C}">
-                <a14:useLocalDpi xmlns:a14="http://schemas.microsoft.com/office/drawing/2010/main" val="0"/>
-              </a:ext>
-            </a:extLst>
-          </a:blip>
-          <a:stretch>
-            <a:fillRect/>
-          </a:stretch>
-        </p:blipFill>
-        <p:spPr>
-          <a:xfrm>
-            <a:off x="304800" y="854811"/>
-            <a:ext cx="5791200" cy="2710774"/>
-          </a:xfrm>
-          <a:prstGeom prst="rect">
-            <a:avLst/>
-          </a:prstGeom>
-        </p:spPr>
-      </p:pic>
-      <p:pic>
-        <p:nvPicPr>
-          <p:cNvPr id="7" name="Рисунок 6"/>
-          <p:cNvPicPr>
-            <a:picLocks noChangeAspect="1"/>
-          </p:cNvPicPr>
-          <p:nvPr/>
-        </p:nvPicPr>
-        <p:blipFill>
-          <a:blip r:embed="rId3">
-            <a:extLst>
-              <a:ext uri="{28A0092B-C50C-407E-A947-70E740481C1C}">
-                <a14:useLocalDpi xmlns:a14="http://schemas.microsoft.com/office/drawing/2010/main" val="0"/>
-              </a:ext>
-            </a:extLst>
-          </a:blip>
-          <a:stretch>
-            <a:fillRect/>
-          </a:stretch>
-        </p:blipFill>
-        <p:spPr>
-          <a:xfrm>
-            <a:off x="6096000" y="854810"/>
-            <a:ext cx="5791200" cy="2710774"/>
-          </a:xfrm>
-          <a:prstGeom prst="rect">
-            <a:avLst/>
-          </a:prstGeom>
-        </p:spPr>
-      </p:pic>
-      <p:pic>
-        <p:nvPicPr>
-          <p:cNvPr id="9" name="Рисунок 8"/>
-          <p:cNvPicPr>
-            <a:picLocks noChangeAspect="1"/>
-          </p:cNvPicPr>
-          <p:nvPr/>
-        </p:nvPicPr>
-        <p:blipFill>
-          <a:blip r:embed="rId4">
-            <a:extLst>
-              <a:ext uri="{28A0092B-C50C-407E-A947-70E740481C1C}">
-                <a14:useLocalDpi xmlns:a14="http://schemas.microsoft.com/office/drawing/2010/main" val="0"/>
-              </a:ext>
-            </a:extLst>
-          </a:blip>
-          <a:stretch>
-            <a:fillRect/>
-          </a:stretch>
-        </p:blipFill>
-        <p:spPr>
-          <a:xfrm>
-            <a:off x="304800" y="3565585"/>
-            <a:ext cx="5791200" cy="2710775"/>
-          </a:xfrm>
-          <a:prstGeom prst="rect">
-            <a:avLst/>
-          </a:prstGeom>
-        </p:spPr>
-      </p:pic>
-      <p:pic>
-        <p:nvPicPr>
-          <p:cNvPr id="12" name="Рисунок 11"/>
-          <p:cNvPicPr>
-            <a:picLocks noChangeAspect="1"/>
-          </p:cNvPicPr>
-          <p:nvPr/>
-        </p:nvPicPr>
-        <p:blipFill>
-          <a:blip r:embed="rId5">
-            <a:extLst>
-              <a:ext uri="{28A0092B-C50C-407E-A947-70E740481C1C}">
-                <a14:useLocalDpi xmlns:a14="http://schemas.microsoft.com/office/drawing/2010/main" val="0"/>
-              </a:ext>
-            </a:extLst>
-          </a:blip>
-          <a:stretch>
-            <a:fillRect/>
-          </a:stretch>
-        </p:blipFill>
-        <p:spPr>
-          <a:xfrm>
-            <a:off x="6096000" y="3565585"/>
-            <a:ext cx="5791200" cy="2710774"/>
-          </a:xfrm>
-          <a:prstGeom prst="rect">
-            <a:avLst/>
-          </a:prstGeom>
-        </p:spPr>
-      </p:pic>
-    </p:spTree>
-    <p:extLst>
-      <p:ext uri="{BB962C8B-B14F-4D97-AF65-F5344CB8AC3E}">
-        <p14:creationId xmlns:p14="http://schemas.microsoft.com/office/powerpoint/2010/main" val="2550913748"/>
-      </p:ext>
-    </p:extLst>
-  </p:cSld>
-  <p:clrMapOvr>
-    <a:masterClrMapping/>
-  </p:clrMapOvr>
-  <p:timing>
-    <p:tnLst>
-      <p:par>
-        <p:cTn id="1" dur="indefinite" restart="never" nodeType="tmRoot"/>
-      </p:par>
-    </p:tnLst>
-  </p:timing>
-</p:sld>
-</file>
-
-<file path=ppt/slides/slide18.xml><?xml version="1.0" encoding="utf-8"?>
+<file path=ppt/slides/slide25.xml><?xml version="1.0" encoding="utf-8"?>
 <p:sld xmlns:a="http://schemas.openxmlformats.org/drawingml/2006/main" xmlns:r="http://schemas.openxmlformats.org/officeDocument/2006/relationships" xmlns:p="http://schemas.openxmlformats.org/presentationml/2006/main">
   <p:cSld>
     <p:spTree>
@@ -15838,2065 +19463,68 @@
             <p:ph type="title"/>
           </p:nvPr>
         </p:nvSpPr>
-        <p:spPr>
-          <a:xfrm>
-            <a:off x="838200" y="2471016"/>
-            <a:ext cx="10515600" cy="1325563"/>
-          </a:xfrm>
-        </p:spPr>
+        <p:spPr/>
         <p:txBody>
           <a:bodyPr/>
           <a:lstStyle/>
           <a:p>
-            <a:pPr algn="ctr"/>
-            <a:r>
-              <a:rPr lang="ru-RU" dirty="0" smtClean="0"/>
-              <a:t>Приложения</a:t>
-            </a:r>
-            <a:endParaRPr lang="en-US" dirty="0"/>
+            <a:endParaRPr lang="en-US"/>
           </a:p>
         </p:txBody>
       </p:sp>
+      <p:sp>
+        <p:nvSpPr>
+          <p:cNvPr id="3" name="Объект 2"/>
+          <p:cNvSpPr>
+            <a:spLocks noGrp="1"/>
+          </p:cNvSpPr>
+          <p:nvPr>
+            <p:ph idx="1"/>
+          </p:nvPr>
+        </p:nvSpPr>
+        <p:spPr/>
+        <p:txBody>
+          <a:bodyPr/>
+          <a:lstStyle/>
+          <a:p>
+            <a:endParaRPr lang="en-US" dirty="0"/>
+          </a:p>
+        </p:txBody>
+      </p:sp>
+      <p:pic>
+        <p:nvPicPr>
+          <p:cNvPr id="4" name="Рисунок 3"/>
+          <p:cNvPicPr>
+            <a:picLocks noChangeAspect="1"/>
+          </p:cNvPicPr>
+          <p:nvPr/>
+        </p:nvPicPr>
+        <p:blipFill>
+          <a:blip r:embed="rId2"/>
+          <a:stretch>
+            <a:fillRect/>
+          </a:stretch>
+        </p:blipFill>
+        <p:spPr>
+          <a:xfrm>
+            <a:off x="4038313" y="2728815"/>
+            <a:ext cx="4115374" cy="1400370"/>
+          </a:xfrm>
+          <a:prstGeom prst="rect">
+            <a:avLst/>
+          </a:prstGeom>
+        </p:spPr>
+      </p:pic>
     </p:spTree>
     <p:extLst>
       <p:ext uri="{BB962C8B-B14F-4D97-AF65-F5344CB8AC3E}">
-        <p14:creationId xmlns:p14="http://schemas.microsoft.com/office/powerpoint/2010/main" val="542393043"/>
+        <p14:creationId xmlns:p14="http://schemas.microsoft.com/office/powerpoint/2010/main" val="4164921695"/>
       </p:ext>
     </p:extLst>
   </p:cSld>
   <p:clrMapOvr>
     <a:masterClrMapping/>
   </p:clrMapOvr>
-  <p:timing>
-    <p:tnLst>
-      <p:par>
-        <p:cTn id="1" dur="indefinite" restart="never" nodeType="tmRoot"/>
-      </p:par>
-    </p:tnLst>
-  </p:timing>
-</p:sld>
-</file>
-
-<file path=ppt/slides/slide19.xml><?xml version="1.0" encoding="utf-8"?>
-<p:sld xmlns:a="http://schemas.openxmlformats.org/drawingml/2006/main" xmlns:r="http://schemas.openxmlformats.org/officeDocument/2006/relationships" xmlns:p="http://schemas.openxmlformats.org/presentationml/2006/main">
-  <p:cSld>
-    <p:spTree>
-      <p:nvGrpSpPr>
-        <p:cNvPr id="1" name=""/>
-        <p:cNvGrpSpPr/>
-        <p:nvPr/>
-      </p:nvGrpSpPr>
-      <p:grpSpPr>
-        <a:xfrm>
-          <a:off x="0" y="0"/>
-          <a:ext cx="0" cy="0"/>
-          <a:chOff x="0" y="0"/>
-          <a:chExt cx="0" cy="0"/>
-        </a:xfrm>
-      </p:grpSpPr>
-      <p:sp>
-        <p:nvSpPr>
-          <p:cNvPr id="9" name="Title 1">
-            <a:extLst>
-              <a:ext uri="{FF2B5EF4-FFF2-40B4-BE49-F238E27FC236}">
-                <a16:creationId xmlns:a16="http://schemas.microsoft.com/office/drawing/2014/main" id="{FF51146E-1C2C-043A-8B3E-B8AF2D263416}"/>
-              </a:ext>
-            </a:extLst>
-          </p:cNvPr>
-          <p:cNvSpPr>
-            <a:spLocks noGrp="1"/>
-          </p:cNvSpPr>
-          <p:nvPr>
-            <p:ph type="title"/>
-          </p:nvPr>
-        </p:nvSpPr>
-        <p:spPr>
-          <a:xfrm>
-            <a:off x="304800" y="127107"/>
-            <a:ext cx="10793431" cy="1325563"/>
-          </a:xfrm>
-        </p:spPr>
-        <p:txBody>
-          <a:bodyPr>
-            <a:normAutofit/>
-          </a:bodyPr>
-          <a:lstStyle/>
-          <a:p>
-            <a:r>
-              <a:rPr lang="ru-RU" sz="3200" dirty="0"/>
-              <a:t>Обзор методов моделирования управления кредитным портфелем банка</a:t>
-            </a:r>
-          </a:p>
-        </p:txBody>
-      </p:sp>
-      <p:sp>
-        <p:nvSpPr>
-          <p:cNvPr id="11" name="TextBox 10">
-            <a:extLst>
-              <a:ext uri="{FF2B5EF4-FFF2-40B4-BE49-F238E27FC236}">
-                <a16:creationId xmlns:a16="http://schemas.microsoft.com/office/drawing/2014/main" id="{60410213-9C0C-0CB8-29B7-BE89941834D1}"/>
-              </a:ext>
-            </a:extLst>
-          </p:cNvPr>
-          <p:cNvSpPr txBox="1"/>
-          <p:nvPr/>
-        </p:nvSpPr>
-        <p:spPr>
-          <a:xfrm>
-            <a:off x="304800" y="1340250"/>
-            <a:ext cx="4056888" cy="646331"/>
-          </a:xfrm>
-          <a:prstGeom prst="rect">
-            <a:avLst/>
-          </a:prstGeom>
-          <a:noFill/>
-        </p:spPr>
-        <p:txBody>
-          <a:bodyPr wrap="square">
-            <a:spAutoFit/>
-          </a:bodyPr>
-          <a:lstStyle/>
-          <a:p>
-            <a:r>
-              <a:rPr lang="ru-RU" b="1" dirty="0"/>
-              <a:t>1. Кредитное скоринг-моделирование</a:t>
-            </a:r>
-          </a:p>
-        </p:txBody>
-      </p:sp>
-      <p:sp>
-        <p:nvSpPr>
-          <p:cNvPr id="13" name="TextBox 12">
-            <a:extLst>
-              <a:ext uri="{FF2B5EF4-FFF2-40B4-BE49-F238E27FC236}">
-                <a16:creationId xmlns:a16="http://schemas.microsoft.com/office/drawing/2014/main" id="{91636762-B063-A970-677F-21AB3441CF24}"/>
-              </a:ext>
-            </a:extLst>
-          </p:cNvPr>
-          <p:cNvSpPr txBox="1"/>
-          <p:nvPr/>
-        </p:nvSpPr>
-        <p:spPr>
-          <a:xfrm>
-            <a:off x="304800" y="1667445"/>
-            <a:ext cx="3296816" cy="4247317"/>
-          </a:xfrm>
-          <a:prstGeom prst="rect">
-            <a:avLst/>
-          </a:prstGeom>
-          <a:noFill/>
-        </p:spPr>
-        <p:txBody>
-          <a:bodyPr wrap="square">
-            <a:spAutoFit/>
-          </a:bodyPr>
-          <a:lstStyle/>
-          <a:p>
-            <a:r>
-              <a:rPr lang="ru-RU" dirty="0"/>
-              <a:t>Используется для оценки вероятности дефолта заемщика на основе исторических данных и различных факторов (финансовые показатели, кредитная история и т.д.). Модели могут быть линейными (логистическая регрессия) или нелинейными (деревья решений, нейронные сети).</a:t>
-            </a:r>
-          </a:p>
-        </p:txBody>
-      </p:sp>
-      <p:sp>
-        <p:nvSpPr>
-          <p:cNvPr id="15" name="TextBox 14">
-            <a:extLst>
-              <a:ext uri="{FF2B5EF4-FFF2-40B4-BE49-F238E27FC236}">
-                <a16:creationId xmlns:a16="http://schemas.microsoft.com/office/drawing/2014/main" id="{4977CBCA-6D1E-733E-C73C-1F5C82422706}"/>
-              </a:ext>
-            </a:extLst>
-          </p:cNvPr>
-          <p:cNvSpPr txBox="1"/>
-          <p:nvPr/>
-        </p:nvSpPr>
-        <p:spPr>
-          <a:xfrm>
-            <a:off x="3647123" y="1476146"/>
-            <a:ext cx="4420543" cy="369332"/>
-          </a:xfrm>
-          <a:prstGeom prst="rect">
-            <a:avLst/>
-          </a:prstGeom>
-          <a:noFill/>
-        </p:spPr>
-        <p:txBody>
-          <a:bodyPr wrap="square">
-            <a:spAutoFit/>
-          </a:bodyPr>
-          <a:lstStyle/>
-          <a:p>
-            <a:r>
-              <a:rPr lang="ru-RU" b="1" dirty="0"/>
-              <a:t>2. Модели оценки потерь</a:t>
-            </a:r>
-          </a:p>
-        </p:txBody>
-      </p:sp>
-      <p:sp>
-        <p:nvSpPr>
-          <p:cNvPr id="17" name="TextBox 16">
-            <a:extLst>
-              <a:ext uri="{FF2B5EF4-FFF2-40B4-BE49-F238E27FC236}">
-                <a16:creationId xmlns:a16="http://schemas.microsoft.com/office/drawing/2014/main" id="{5B054E4D-C7E2-8DC8-4AB9-97545BEC436A}"/>
-              </a:ext>
-            </a:extLst>
-          </p:cNvPr>
-          <p:cNvSpPr txBox="1"/>
-          <p:nvPr/>
-        </p:nvSpPr>
-        <p:spPr>
-          <a:xfrm>
-            <a:off x="3840870" y="2180608"/>
-            <a:ext cx="4226796" cy="3970318"/>
-          </a:xfrm>
-          <a:prstGeom prst="rect">
-            <a:avLst/>
-          </a:prstGeom>
-          <a:noFill/>
-        </p:spPr>
-        <p:txBody>
-          <a:bodyPr wrap="square">
-            <a:spAutoFit/>
-          </a:bodyPr>
-          <a:lstStyle/>
-          <a:p>
-            <a:r>
-              <a:rPr lang="ru-RU" dirty="0"/>
-              <a:t>Модели потерь по дефолту (</a:t>
-            </a:r>
-            <a:r>
-              <a:rPr lang="ru-RU" dirty="0" err="1"/>
-              <a:t>Loss</a:t>
-            </a:r>
-            <a:r>
-              <a:rPr lang="ru-RU" dirty="0"/>
-              <a:t> </a:t>
-            </a:r>
-            <a:r>
-              <a:rPr lang="ru-RU" dirty="0" err="1"/>
-              <a:t>Given</a:t>
-            </a:r>
-            <a:r>
-              <a:rPr lang="ru-RU" dirty="0"/>
-              <a:t> </a:t>
-            </a:r>
-            <a:r>
-              <a:rPr lang="ru-RU" dirty="0" err="1"/>
-              <a:t>Default</a:t>
-            </a:r>
-            <a:r>
-              <a:rPr lang="ru-RU" dirty="0"/>
-              <a:t>, LGD) </a:t>
-            </a:r>
-            <a:r>
-              <a:rPr lang="en-US" dirty="0"/>
-              <a:t>,</a:t>
-            </a:r>
-            <a:r>
-              <a:rPr lang="ru-RU" dirty="0"/>
-              <a:t> вероятности дефолта (</a:t>
-            </a:r>
-            <a:r>
-              <a:rPr lang="ru-RU" dirty="0" err="1"/>
-              <a:t>Probability</a:t>
-            </a:r>
-            <a:r>
-              <a:rPr lang="ru-RU" dirty="0"/>
-              <a:t> </a:t>
-            </a:r>
-            <a:r>
-              <a:rPr lang="ru-RU" dirty="0" err="1"/>
-              <a:t>of</a:t>
-            </a:r>
-            <a:r>
-              <a:rPr lang="ru-RU" dirty="0"/>
-              <a:t> </a:t>
-            </a:r>
-            <a:r>
-              <a:rPr lang="ru-RU" dirty="0" err="1"/>
-              <a:t>Default</a:t>
-            </a:r>
-            <a:r>
-              <a:rPr lang="ru-RU" dirty="0"/>
-              <a:t>, PD)</a:t>
-            </a:r>
-            <a:r>
-              <a:rPr lang="en-US" dirty="0"/>
-              <a:t> </a:t>
-            </a:r>
-            <a:r>
-              <a:rPr lang="ru-RU" dirty="0"/>
-              <a:t>и суммы средств, которые будут подвержены риску на момент дефолта (</a:t>
-            </a:r>
-            <a:r>
-              <a:rPr lang="en-US" dirty="0"/>
-              <a:t>Exposure at Default, EAD</a:t>
-            </a:r>
-            <a:r>
-              <a:rPr lang="ru-RU" dirty="0"/>
-              <a:t>) позволяют оценить потенциальные убытки от дефолтов. Модели потерь могут быть основаны на исторических данных или использовать методы машинного обучения.</a:t>
-            </a:r>
-          </a:p>
-        </p:txBody>
-      </p:sp>
-      <p:sp>
-        <p:nvSpPr>
-          <p:cNvPr id="19" name="TextBox 18">
-            <a:extLst>
-              <a:ext uri="{FF2B5EF4-FFF2-40B4-BE49-F238E27FC236}">
-                <a16:creationId xmlns:a16="http://schemas.microsoft.com/office/drawing/2014/main" id="{97205FAD-3083-A31C-74E9-01C113EE55A3}"/>
-              </a:ext>
-            </a:extLst>
-          </p:cNvPr>
-          <p:cNvSpPr txBox="1"/>
-          <p:nvPr/>
-        </p:nvSpPr>
-        <p:spPr>
-          <a:xfrm>
-            <a:off x="7552481" y="1546698"/>
-            <a:ext cx="4639519" cy="369332"/>
-          </a:xfrm>
-          <a:prstGeom prst="rect">
-            <a:avLst/>
-          </a:prstGeom>
-          <a:noFill/>
-        </p:spPr>
-        <p:txBody>
-          <a:bodyPr wrap="square">
-            <a:spAutoFit/>
-          </a:bodyPr>
-          <a:lstStyle/>
-          <a:p>
-            <a:r>
-              <a:rPr lang="ru-RU" b="1" dirty="0"/>
-              <a:t>3. Модели стресс-тестирования</a:t>
-            </a:r>
-          </a:p>
-        </p:txBody>
-      </p:sp>
-      <p:sp>
-        <p:nvSpPr>
-          <p:cNvPr id="21" name="TextBox 20">
-            <a:extLst>
-              <a:ext uri="{FF2B5EF4-FFF2-40B4-BE49-F238E27FC236}">
-                <a16:creationId xmlns:a16="http://schemas.microsoft.com/office/drawing/2014/main" id="{B6B86F36-D77E-3D99-A221-6F6E88A7C5A5}"/>
-              </a:ext>
-            </a:extLst>
-          </p:cNvPr>
-          <p:cNvSpPr txBox="1"/>
-          <p:nvPr/>
-        </p:nvSpPr>
-        <p:spPr>
-          <a:xfrm>
-            <a:off x="7896248" y="2251160"/>
-            <a:ext cx="4365110" cy="1754326"/>
-          </a:xfrm>
-          <a:prstGeom prst="rect">
-            <a:avLst/>
-          </a:prstGeom>
-          <a:noFill/>
-        </p:spPr>
-        <p:txBody>
-          <a:bodyPr wrap="square">
-            <a:spAutoFit/>
-          </a:bodyPr>
-          <a:lstStyle/>
-          <a:p>
-            <a:r>
-              <a:rPr lang="ru-RU" dirty="0"/>
-              <a:t>Оценка воздействия неблагоприятных экономических сценариев на кредитный портфель. Позволяет выявить уязвимости и подготовиться к потенциальным рискам.</a:t>
-            </a:r>
-          </a:p>
-        </p:txBody>
-      </p:sp>
-      <p:cxnSp>
-        <p:nvCxnSpPr>
-          <p:cNvPr id="12" name="Straight Connector 7">
-            <a:extLst>
-              <a:ext uri="{FF2B5EF4-FFF2-40B4-BE49-F238E27FC236}">
-                <a16:creationId xmlns:a16="http://schemas.microsoft.com/office/drawing/2014/main" id="{0E853930-ECCE-62B1-DBD4-7C8F79CF98A8}"/>
-              </a:ext>
-            </a:extLst>
-          </p:cNvPr>
-          <p:cNvCxnSpPr/>
-          <p:nvPr/>
-        </p:nvCxnSpPr>
-        <p:spPr>
-          <a:xfrm flipH="1">
-            <a:off x="304800" y="1223662"/>
-            <a:ext cx="11298936" cy="8641"/>
-          </a:xfrm>
-          <a:prstGeom prst="line">
-            <a:avLst/>
-          </a:prstGeom>
-          <a:ln/>
-        </p:spPr>
-        <p:style>
-          <a:lnRef idx="3">
-            <a:schemeClr val="accent4"/>
-          </a:lnRef>
-          <a:fillRef idx="0">
-            <a:schemeClr val="accent4"/>
-          </a:fillRef>
-          <a:effectRef idx="2">
-            <a:schemeClr val="accent4"/>
-          </a:effectRef>
-          <a:fontRef idx="minor">
-            <a:schemeClr val="tx1"/>
-          </a:fontRef>
-        </p:style>
-      </p:cxnSp>
-    </p:spTree>
-    <p:extLst>
-      <p:ext uri="{BB962C8B-B14F-4D97-AF65-F5344CB8AC3E}">
-        <p14:creationId xmlns:p14="http://schemas.microsoft.com/office/powerpoint/2010/main" val="3013635931"/>
-      </p:ext>
-    </p:extLst>
-  </p:cSld>
-  <p:clrMapOvr>
-    <a:masterClrMapping/>
-  </p:clrMapOvr>
-  <p:timing>
-    <p:tnLst>
-      <p:par>
-        <p:cTn id="1" dur="indefinite" restart="never" nodeType="tmRoot"/>
-      </p:par>
-    </p:tnLst>
-  </p:timing>
-</p:sld>
-</file>
-
-<file path=ppt/slides/slide2.xml><?xml version="1.0" encoding="utf-8"?>
-<p:sld xmlns:a="http://schemas.openxmlformats.org/drawingml/2006/main" xmlns:r="http://schemas.openxmlformats.org/officeDocument/2006/relationships" xmlns:p="http://schemas.openxmlformats.org/presentationml/2006/main">
-  <p:cSld>
-    <p:spTree>
-      <p:nvGrpSpPr>
-        <p:cNvPr id="1" name=""/>
-        <p:cNvGrpSpPr/>
-        <p:nvPr/>
-      </p:nvGrpSpPr>
-      <p:grpSpPr>
-        <a:xfrm>
-          <a:off x="0" y="0"/>
-          <a:ext cx="0" cy="0"/>
-          <a:chOff x="0" y="0"/>
-          <a:chExt cx="0" cy="0"/>
-        </a:xfrm>
-      </p:grpSpPr>
-      <p:sp>
-        <p:nvSpPr>
-          <p:cNvPr id="2" name="Title 1">
-            <a:extLst>
-              <a:ext uri="{FF2B5EF4-FFF2-40B4-BE49-F238E27FC236}">
-                <a16:creationId xmlns:a16="http://schemas.microsoft.com/office/drawing/2014/main" id="{746997BD-4379-0CC3-174F-952BF4BF90D9}"/>
-              </a:ext>
-            </a:extLst>
-          </p:cNvPr>
-          <p:cNvSpPr>
-            <a:spLocks noGrp="1"/>
-          </p:cNvSpPr>
-          <p:nvPr>
-            <p:ph type="title"/>
-          </p:nvPr>
-        </p:nvSpPr>
-        <p:spPr>
-          <a:xfrm>
-            <a:off x="580618" y="2026297"/>
-            <a:ext cx="3488602" cy="968278"/>
-          </a:xfrm>
-        </p:spPr>
-        <p:txBody>
-          <a:bodyPr>
-            <a:normAutofit/>
-          </a:bodyPr>
-          <a:lstStyle/>
-          <a:p>
-            <a:r>
-              <a:rPr lang="ru-RU" sz="2400" dirty="0">
-                <a:solidFill>
-                  <a:schemeClr val="bg1"/>
-                </a:solidFill>
-              </a:rPr>
-              <a:t>Виды риска</a:t>
-            </a:r>
-          </a:p>
-        </p:txBody>
-      </p:sp>
-      <p:sp>
-        <p:nvSpPr>
-          <p:cNvPr id="9" name="TextBox 8">
-            <a:extLst>
-              <a:ext uri="{FF2B5EF4-FFF2-40B4-BE49-F238E27FC236}">
-                <a16:creationId xmlns:a16="http://schemas.microsoft.com/office/drawing/2014/main" id="{50010D59-AAC1-5369-1079-A337C5DDF8AB}"/>
-              </a:ext>
-            </a:extLst>
-          </p:cNvPr>
-          <p:cNvSpPr txBox="1"/>
-          <p:nvPr/>
-        </p:nvSpPr>
-        <p:spPr>
-          <a:xfrm>
-            <a:off x="314418" y="1084970"/>
-            <a:ext cx="11289318" cy="685059"/>
-          </a:xfrm>
-          <a:prstGeom prst="rect">
-            <a:avLst/>
-          </a:prstGeom>
-          <a:noFill/>
-        </p:spPr>
-        <p:txBody>
-          <a:bodyPr wrap="square">
-            <a:spAutoFit/>
-          </a:bodyPr>
-          <a:lstStyle/>
-          <a:p>
-            <a:pPr marL="0" marR="0">
-              <a:lnSpc>
-                <a:spcPct val="107000"/>
-              </a:lnSpc>
-              <a:spcAft>
-                <a:spcPts val="800"/>
-              </a:spcAft>
-            </a:pPr>
-            <a:r>
-              <a:rPr lang="ru-RU" b="1" kern="100" dirty="0">
-                <a:effectLst/>
-                <a:latin typeface="Calibri" panose="020F0502020204030204" pitchFamily="34" charset="0"/>
-                <a:ea typeface="Calibri" panose="020F0502020204030204" pitchFamily="34" charset="0"/>
-                <a:cs typeface="Times New Roman" panose="02020603050405020304" pitchFamily="18" charset="0"/>
-              </a:rPr>
-              <a:t>Управление кредитным портфелем</a:t>
-            </a:r>
-            <a:r>
-              <a:rPr lang="ru-RU" kern="100" dirty="0">
-                <a:effectLst/>
-                <a:latin typeface="Calibri" panose="020F0502020204030204" pitchFamily="34" charset="0"/>
-                <a:ea typeface="Calibri" panose="020F0502020204030204" pitchFamily="34" charset="0"/>
-                <a:cs typeface="Times New Roman" panose="02020603050405020304" pitchFamily="18" charset="0"/>
-              </a:rPr>
-              <a:t> – деятельность , направленная на оптимизацию портфеля выданных займов. Управление служит для увеличения прибыли по активным операциям и для снижения риска.</a:t>
-            </a:r>
-          </a:p>
-        </p:txBody>
-      </p:sp>
-      <p:sp>
-        <p:nvSpPr>
-          <p:cNvPr id="32" name="Title 1">
-            <a:extLst>
-              <a:ext uri="{FF2B5EF4-FFF2-40B4-BE49-F238E27FC236}">
-                <a16:creationId xmlns:a16="http://schemas.microsoft.com/office/drawing/2014/main" id="{5D08965D-846D-BA3C-EA53-362B13841BA1}"/>
-              </a:ext>
-            </a:extLst>
-          </p:cNvPr>
-          <p:cNvSpPr txBox="1">
-            <a:spLocks/>
-          </p:cNvSpPr>
-          <p:nvPr/>
-        </p:nvSpPr>
-        <p:spPr>
-          <a:xfrm>
-            <a:off x="314418" y="287507"/>
-            <a:ext cx="10763157" cy="586513"/>
-          </a:xfrm>
-          <a:prstGeom prst="rect">
-            <a:avLst/>
-          </a:prstGeom>
-        </p:spPr>
-        <p:txBody>
-          <a:bodyPr vert="horz" lIns="91440" tIns="45720" rIns="91440" bIns="45720" rtlCol="0" anchor="ctr">
-            <a:normAutofit/>
-          </a:bodyPr>
-          <a:lstStyle>
-            <a:lvl1pPr algn="l" defTabSz="914400" rtl="0" eaLnBrk="1" latinLnBrk="0" hangingPunct="1">
-              <a:lnSpc>
-                <a:spcPct val="90000"/>
-              </a:lnSpc>
-              <a:spcBef>
-                <a:spcPct val="0"/>
-              </a:spcBef>
-              <a:buNone/>
-              <a:defRPr sz="4400" kern="1200">
-                <a:solidFill>
-                  <a:schemeClr val="tx1"/>
-                </a:solidFill>
-                <a:latin typeface="+mj-lt"/>
-                <a:ea typeface="+mj-ea"/>
-                <a:cs typeface="+mj-cs"/>
-              </a:defRPr>
-            </a:lvl1pPr>
-          </a:lstStyle>
-          <a:p>
-            <a:r>
-              <a:rPr lang="ru-RU" sz="3200" dirty="0"/>
-              <a:t>Основные понятия</a:t>
-            </a:r>
-          </a:p>
-        </p:txBody>
-      </p:sp>
-      <p:cxnSp>
-        <p:nvCxnSpPr>
-          <p:cNvPr id="8" name="Straight Connector 7">
-            <a:extLst>
-              <a:ext uri="{FF2B5EF4-FFF2-40B4-BE49-F238E27FC236}">
-                <a16:creationId xmlns:a16="http://schemas.microsoft.com/office/drawing/2014/main" id="{0E853930-ECCE-62B1-DBD4-7C8F79CF98A8}"/>
-              </a:ext>
-            </a:extLst>
-          </p:cNvPr>
-          <p:cNvCxnSpPr/>
-          <p:nvPr/>
-        </p:nvCxnSpPr>
-        <p:spPr>
-          <a:xfrm flipH="1">
-            <a:off x="304800" y="829877"/>
-            <a:ext cx="11298936" cy="8641"/>
-          </a:xfrm>
-          <a:prstGeom prst="line">
-            <a:avLst/>
-          </a:prstGeom>
-          <a:ln/>
-        </p:spPr>
-        <p:style>
-          <a:lnRef idx="3">
-            <a:schemeClr val="accent4"/>
-          </a:lnRef>
-          <a:fillRef idx="0">
-            <a:schemeClr val="accent4"/>
-          </a:fillRef>
-          <a:effectRef idx="2">
-            <a:schemeClr val="accent4"/>
-          </a:effectRef>
-          <a:fontRef idx="minor">
-            <a:schemeClr val="tx1"/>
-          </a:fontRef>
-        </p:style>
-      </p:cxnSp>
-      <p:sp>
-        <p:nvSpPr>
-          <p:cNvPr id="5" name="Скругленный прямоугольник 4"/>
-          <p:cNvSpPr/>
-          <p:nvPr/>
-        </p:nvSpPr>
-        <p:spPr>
-          <a:xfrm>
-            <a:off x="304800" y="2026296"/>
-            <a:ext cx="11289318" cy="1679041"/>
-          </a:xfrm>
-          <a:prstGeom prst="roundRect">
-            <a:avLst/>
-          </a:prstGeom>
-          <a:solidFill>
-            <a:schemeClr val="tx2">
-              <a:lumMod val="10000"/>
-              <a:lumOff val="90000"/>
-            </a:schemeClr>
-          </a:solidFill>
-          <a:ln>
-            <a:solidFill>
-              <a:schemeClr val="tx2">
-                <a:lumMod val="10000"/>
-                <a:lumOff val="90000"/>
-              </a:schemeClr>
-            </a:solidFill>
-          </a:ln>
-        </p:spPr>
-        <p:style>
-          <a:lnRef idx="2">
-            <a:schemeClr val="accent1">
-              <a:shade val="50000"/>
-            </a:schemeClr>
-          </a:lnRef>
-          <a:fillRef idx="1">
-            <a:schemeClr val="accent1"/>
-          </a:fillRef>
-          <a:effectRef idx="0">
-            <a:schemeClr val="accent1"/>
-          </a:effectRef>
-          <a:fontRef idx="minor">
-            <a:schemeClr val="lt1"/>
-          </a:fontRef>
-        </p:style>
-        <p:txBody>
-          <a:bodyPr rtlCol="0" anchor="ctr"/>
-          <a:lstStyle/>
-          <a:p>
-            <a:pPr algn="ctr"/>
-            <a:endParaRPr lang="en-US"/>
-          </a:p>
-        </p:txBody>
-      </p:sp>
-      <p:sp>
-        <p:nvSpPr>
-          <p:cNvPr id="6" name="Скругленный прямоугольник 5"/>
-          <p:cNvSpPr/>
-          <p:nvPr/>
-        </p:nvSpPr>
-        <p:spPr>
-          <a:xfrm>
-            <a:off x="435160" y="2445923"/>
-            <a:ext cx="2143921" cy="1155822"/>
-          </a:xfrm>
-          <a:prstGeom prst="roundRect">
-            <a:avLst/>
-          </a:prstGeom>
-          <a:solidFill>
-            <a:schemeClr val="tx2">
-              <a:lumMod val="25000"/>
-              <a:lumOff val="75000"/>
-            </a:schemeClr>
-          </a:solidFill>
-          <a:ln>
-            <a:solidFill>
-              <a:schemeClr val="tx2">
-                <a:lumMod val="50000"/>
-                <a:lumOff val="50000"/>
-              </a:schemeClr>
-            </a:solidFill>
-          </a:ln>
-        </p:spPr>
-        <p:style>
-          <a:lnRef idx="2">
-            <a:schemeClr val="accent1">
-              <a:shade val="50000"/>
-            </a:schemeClr>
-          </a:lnRef>
-          <a:fillRef idx="1">
-            <a:schemeClr val="accent1"/>
-          </a:fillRef>
-          <a:effectRef idx="0">
-            <a:schemeClr val="accent1"/>
-          </a:effectRef>
-          <a:fontRef idx="minor">
-            <a:schemeClr val="lt1"/>
-          </a:fontRef>
-        </p:style>
-        <p:txBody>
-          <a:bodyPr rtlCol="0" anchor="ctr"/>
-          <a:lstStyle/>
-          <a:p>
-            <a:pPr algn="ctr">
-              <a:lnSpc>
-                <a:spcPct val="200000"/>
-              </a:lnSpc>
-            </a:pPr>
-            <a:endParaRPr lang="ru-RU" sz="2400" dirty="0"/>
-          </a:p>
-        </p:txBody>
-      </p:sp>
-      <p:sp>
-        <p:nvSpPr>
-          <p:cNvPr id="22" name="Скругленный прямоугольник 21"/>
-          <p:cNvSpPr/>
-          <p:nvPr/>
-        </p:nvSpPr>
-        <p:spPr>
-          <a:xfrm>
-            <a:off x="2656297" y="2445923"/>
-            <a:ext cx="2143921" cy="1155822"/>
-          </a:xfrm>
-          <a:prstGeom prst="roundRect">
-            <a:avLst/>
-          </a:prstGeom>
-          <a:solidFill>
-            <a:schemeClr val="tx2">
-              <a:lumMod val="25000"/>
-              <a:lumOff val="75000"/>
-            </a:schemeClr>
-          </a:solidFill>
-          <a:ln>
-            <a:solidFill>
-              <a:schemeClr val="tx2">
-                <a:lumMod val="50000"/>
-                <a:lumOff val="50000"/>
-              </a:schemeClr>
-            </a:solidFill>
-          </a:ln>
-        </p:spPr>
-        <p:style>
-          <a:lnRef idx="2">
-            <a:schemeClr val="accent1">
-              <a:shade val="50000"/>
-            </a:schemeClr>
-          </a:lnRef>
-          <a:fillRef idx="1">
-            <a:schemeClr val="accent1"/>
-          </a:fillRef>
-          <a:effectRef idx="0">
-            <a:schemeClr val="accent1"/>
-          </a:effectRef>
-          <a:fontRef idx="minor">
-            <a:schemeClr val="lt1"/>
-          </a:fontRef>
-        </p:style>
-        <p:txBody>
-          <a:bodyPr rtlCol="0" anchor="ctr"/>
-          <a:lstStyle/>
-          <a:p>
-            <a:pPr>
-              <a:lnSpc>
-                <a:spcPct val="200000"/>
-              </a:lnSpc>
-            </a:pPr>
-            <a:endParaRPr lang="ru-RU" dirty="0"/>
-          </a:p>
-        </p:txBody>
-      </p:sp>
-      <p:sp>
-        <p:nvSpPr>
-          <p:cNvPr id="23" name="Скругленный прямоугольник 22"/>
-          <p:cNvSpPr/>
-          <p:nvPr/>
-        </p:nvSpPr>
-        <p:spPr>
-          <a:xfrm>
-            <a:off x="4877434" y="2445923"/>
-            <a:ext cx="2143921" cy="1155822"/>
-          </a:xfrm>
-          <a:prstGeom prst="roundRect">
-            <a:avLst/>
-          </a:prstGeom>
-          <a:solidFill>
-            <a:schemeClr val="tx2">
-              <a:lumMod val="25000"/>
-              <a:lumOff val="75000"/>
-            </a:schemeClr>
-          </a:solidFill>
-          <a:ln>
-            <a:solidFill>
-              <a:schemeClr val="tx2">
-                <a:lumMod val="50000"/>
-                <a:lumOff val="50000"/>
-              </a:schemeClr>
-            </a:solidFill>
-          </a:ln>
-        </p:spPr>
-        <p:style>
-          <a:lnRef idx="2">
-            <a:schemeClr val="accent1">
-              <a:shade val="50000"/>
-            </a:schemeClr>
-          </a:lnRef>
-          <a:fillRef idx="1">
-            <a:schemeClr val="accent1"/>
-          </a:fillRef>
-          <a:effectRef idx="0">
-            <a:schemeClr val="accent1"/>
-          </a:effectRef>
-          <a:fontRef idx="minor">
-            <a:schemeClr val="lt1"/>
-          </a:fontRef>
-        </p:style>
-        <p:txBody>
-          <a:bodyPr rtlCol="0" anchor="ctr"/>
-          <a:lstStyle/>
-          <a:p>
-            <a:pPr>
-              <a:lnSpc>
-                <a:spcPct val="200000"/>
-              </a:lnSpc>
-            </a:pPr>
-            <a:endParaRPr lang="ru-RU" dirty="0"/>
-          </a:p>
-        </p:txBody>
-      </p:sp>
-      <p:sp>
-        <p:nvSpPr>
-          <p:cNvPr id="24" name="Скругленный прямоугольник 23"/>
-          <p:cNvSpPr/>
-          <p:nvPr/>
-        </p:nvSpPr>
-        <p:spPr>
-          <a:xfrm>
-            <a:off x="7098571" y="2445923"/>
-            <a:ext cx="2143921" cy="1155822"/>
-          </a:xfrm>
-          <a:prstGeom prst="roundRect">
-            <a:avLst/>
-          </a:prstGeom>
-          <a:solidFill>
-            <a:schemeClr val="tx2">
-              <a:lumMod val="25000"/>
-              <a:lumOff val="75000"/>
-            </a:schemeClr>
-          </a:solidFill>
-          <a:ln>
-            <a:solidFill>
-              <a:schemeClr val="tx2">
-                <a:lumMod val="50000"/>
-                <a:lumOff val="50000"/>
-              </a:schemeClr>
-            </a:solidFill>
-          </a:ln>
-        </p:spPr>
-        <p:style>
-          <a:lnRef idx="2">
-            <a:schemeClr val="accent1">
-              <a:shade val="50000"/>
-            </a:schemeClr>
-          </a:lnRef>
-          <a:fillRef idx="1">
-            <a:schemeClr val="accent1"/>
-          </a:fillRef>
-          <a:effectRef idx="0">
-            <a:schemeClr val="accent1"/>
-          </a:effectRef>
-          <a:fontRef idx="minor">
-            <a:schemeClr val="lt1"/>
-          </a:fontRef>
-        </p:style>
-        <p:txBody>
-          <a:bodyPr rtlCol="0" anchor="ctr"/>
-          <a:lstStyle/>
-          <a:p>
-            <a:pPr>
-              <a:lnSpc>
-                <a:spcPct val="200000"/>
-              </a:lnSpc>
-            </a:pPr>
-            <a:endParaRPr lang="en-US" dirty="0"/>
-          </a:p>
-        </p:txBody>
-      </p:sp>
-      <p:sp>
-        <p:nvSpPr>
-          <p:cNvPr id="25" name="Скругленный прямоугольник 24"/>
-          <p:cNvSpPr/>
-          <p:nvPr/>
-        </p:nvSpPr>
-        <p:spPr>
-          <a:xfrm>
-            <a:off x="9319708" y="2445923"/>
-            <a:ext cx="2143921" cy="1155822"/>
-          </a:xfrm>
-          <a:prstGeom prst="roundRect">
-            <a:avLst/>
-          </a:prstGeom>
-          <a:solidFill>
-            <a:schemeClr val="tx2">
-              <a:lumMod val="25000"/>
-              <a:lumOff val="75000"/>
-            </a:schemeClr>
-          </a:solidFill>
-          <a:ln>
-            <a:solidFill>
-              <a:schemeClr val="tx2">
-                <a:lumMod val="50000"/>
-                <a:lumOff val="50000"/>
-              </a:schemeClr>
-            </a:solidFill>
-          </a:ln>
-        </p:spPr>
-        <p:style>
-          <a:lnRef idx="2">
-            <a:schemeClr val="accent1">
-              <a:shade val="50000"/>
-            </a:schemeClr>
-          </a:lnRef>
-          <a:fillRef idx="1">
-            <a:schemeClr val="accent1"/>
-          </a:fillRef>
-          <a:effectRef idx="0">
-            <a:schemeClr val="accent1"/>
-          </a:effectRef>
-          <a:fontRef idx="minor">
-            <a:schemeClr val="lt1"/>
-          </a:fontRef>
-        </p:style>
-        <p:txBody>
-          <a:bodyPr rtlCol="0" anchor="ctr"/>
-          <a:lstStyle/>
-          <a:p>
-            <a:pPr>
-              <a:lnSpc>
-                <a:spcPct val="200000"/>
-              </a:lnSpc>
-            </a:pPr>
-            <a:endParaRPr lang="ru-RU" dirty="0"/>
-          </a:p>
-        </p:txBody>
-      </p:sp>
-      <p:sp>
-        <p:nvSpPr>
-          <p:cNvPr id="7" name="TextBox 6"/>
-          <p:cNvSpPr txBox="1"/>
-          <p:nvPr/>
-        </p:nvSpPr>
-        <p:spPr>
-          <a:xfrm>
-            <a:off x="435160" y="2051444"/>
-            <a:ext cx="3745859" cy="369332"/>
-          </a:xfrm>
-          <a:prstGeom prst="rect">
-            <a:avLst/>
-          </a:prstGeom>
-          <a:noFill/>
-        </p:spPr>
-        <p:txBody>
-          <a:bodyPr wrap="square" rtlCol="0">
-            <a:spAutoFit/>
-          </a:bodyPr>
-          <a:lstStyle/>
-          <a:p>
-            <a:r>
-              <a:rPr lang="ru-RU" b="1" dirty="0" smtClean="0">
-                <a:solidFill>
-                  <a:schemeClr val="tx1">
-                    <a:lumMod val="95000"/>
-                    <a:lumOff val="5000"/>
-                  </a:schemeClr>
-                </a:solidFill>
-              </a:rPr>
-              <a:t>Виды банковских рисков</a:t>
-            </a:r>
-            <a:endParaRPr lang="en-US" b="1" dirty="0">
-              <a:solidFill>
-                <a:schemeClr val="tx1">
-                  <a:lumMod val="95000"/>
-                  <a:lumOff val="5000"/>
-                </a:schemeClr>
-              </a:solidFill>
-            </a:endParaRPr>
-          </a:p>
-        </p:txBody>
-      </p:sp>
-      <p:sp>
-        <p:nvSpPr>
-          <p:cNvPr id="10" name="TextBox 9"/>
-          <p:cNvSpPr txBox="1"/>
-          <p:nvPr/>
-        </p:nvSpPr>
-        <p:spPr>
-          <a:xfrm>
-            <a:off x="435105" y="2694451"/>
-            <a:ext cx="2152412" cy="646331"/>
-          </a:xfrm>
-          <a:prstGeom prst="rect">
-            <a:avLst/>
-          </a:prstGeom>
-          <a:noFill/>
-        </p:spPr>
-        <p:txBody>
-          <a:bodyPr wrap="square" rtlCol="0">
-            <a:spAutoFit/>
-          </a:bodyPr>
-          <a:lstStyle/>
-          <a:p>
-            <a:pPr algn="ctr"/>
-            <a:r>
-              <a:rPr lang="ru-RU" dirty="0"/>
-              <a:t>Процентный риск </a:t>
-            </a:r>
-          </a:p>
-        </p:txBody>
-      </p:sp>
-      <p:sp>
-        <p:nvSpPr>
-          <p:cNvPr id="34" name="TextBox 33"/>
-          <p:cNvSpPr txBox="1"/>
-          <p:nvPr/>
-        </p:nvSpPr>
-        <p:spPr>
-          <a:xfrm>
-            <a:off x="2647806" y="2690697"/>
-            <a:ext cx="2152412" cy="646331"/>
-          </a:xfrm>
-          <a:prstGeom prst="rect">
-            <a:avLst/>
-          </a:prstGeom>
-          <a:noFill/>
-        </p:spPr>
-        <p:txBody>
-          <a:bodyPr wrap="square" rtlCol="0">
-            <a:spAutoFit/>
-          </a:bodyPr>
-          <a:lstStyle/>
-          <a:p>
-            <a:pPr algn="ctr"/>
-            <a:r>
-              <a:rPr lang="ru-RU" dirty="0" smtClean="0"/>
-              <a:t>Валютный</a:t>
-            </a:r>
-          </a:p>
-          <a:p>
-            <a:pPr algn="ctr"/>
-            <a:r>
-              <a:rPr lang="ru-RU" dirty="0" smtClean="0"/>
-              <a:t>риск </a:t>
-            </a:r>
-            <a:endParaRPr lang="ru-RU" dirty="0"/>
-          </a:p>
-        </p:txBody>
-      </p:sp>
-      <p:sp>
-        <p:nvSpPr>
-          <p:cNvPr id="35" name="TextBox 34"/>
-          <p:cNvSpPr txBox="1"/>
-          <p:nvPr/>
-        </p:nvSpPr>
-        <p:spPr>
-          <a:xfrm>
-            <a:off x="4838614" y="2712735"/>
-            <a:ext cx="2152412" cy="646331"/>
-          </a:xfrm>
-          <a:prstGeom prst="rect">
-            <a:avLst/>
-          </a:prstGeom>
-          <a:noFill/>
-        </p:spPr>
-        <p:txBody>
-          <a:bodyPr wrap="square" rtlCol="0">
-            <a:spAutoFit/>
-          </a:bodyPr>
-          <a:lstStyle/>
-          <a:p>
-            <a:pPr algn="ctr"/>
-            <a:r>
-              <a:rPr lang="ru-RU" dirty="0" smtClean="0"/>
-              <a:t>Кредитный</a:t>
-            </a:r>
-          </a:p>
-          <a:p>
-            <a:pPr algn="ctr"/>
-            <a:r>
-              <a:rPr lang="ru-RU" dirty="0" smtClean="0"/>
-              <a:t>риск </a:t>
-            </a:r>
-            <a:endParaRPr lang="ru-RU" dirty="0"/>
-          </a:p>
-        </p:txBody>
-      </p:sp>
-      <p:sp>
-        <p:nvSpPr>
-          <p:cNvPr id="36" name="TextBox 35"/>
-          <p:cNvSpPr txBox="1"/>
-          <p:nvPr/>
-        </p:nvSpPr>
-        <p:spPr>
-          <a:xfrm>
-            <a:off x="7097280" y="2700668"/>
-            <a:ext cx="2152412" cy="646331"/>
-          </a:xfrm>
-          <a:prstGeom prst="rect">
-            <a:avLst/>
-          </a:prstGeom>
-          <a:noFill/>
-        </p:spPr>
-        <p:txBody>
-          <a:bodyPr wrap="square" rtlCol="0">
-            <a:spAutoFit/>
-          </a:bodyPr>
-          <a:lstStyle/>
-          <a:p>
-            <a:pPr algn="ctr"/>
-            <a:r>
-              <a:rPr lang="ru-RU" dirty="0" smtClean="0"/>
-              <a:t>Риск</a:t>
-            </a:r>
-          </a:p>
-          <a:p>
-            <a:pPr algn="ctr"/>
-            <a:r>
-              <a:rPr lang="ru-RU" dirty="0"/>
-              <a:t>л</a:t>
-            </a:r>
-            <a:r>
-              <a:rPr lang="ru-RU" dirty="0" smtClean="0"/>
-              <a:t>иквидности</a:t>
-            </a:r>
-            <a:endParaRPr lang="ru-RU" dirty="0"/>
-          </a:p>
-        </p:txBody>
-      </p:sp>
-      <p:sp>
-        <p:nvSpPr>
-          <p:cNvPr id="37" name="TextBox 36"/>
-          <p:cNvSpPr txBox="1"/>
-          <p:nvPr/>
-        </p:nvSpPr>
-        <p:spPr>
-          <a:xfrm>
-            <a:off x="9311217" y="2690697"/>
-            <a:ext cx="2152412" cy="646331"/>
-          </a:xfrm>
-          <a:prstGeom prst="rect">
-            <a:avLst/>
-          </a:prstGeom>
-          <a:noFill/>
-        </p:spPr>
-        <p:txBody>
-          <a:bodyPr wrap="square" rtlCol="0">
-            <a:spAutoFit/>
-          </a:bodyPr>
-          <a:lstStyle/>
-          <a:p>
-            <a:pPr algn="ctr"/>
-            <a:r>
-              <a:rPr lang="ru-RU" dirty="0" smtClean="0"/>
-              <a:t>Операционный</a:t>
-            </a:r>
-          </a:p>
-          <a:p>
-            <a:pPr algn="ctr"/>
-            <a:r>
-              <a:rPr lang="ru-RU" dirty="0" smtClean="0"/>
-              <a:t>риск</a:t>
-            </a:r>
-            <a:endParaRPr lang="ru-RU" dirty="0"/>
-          </a:p>
-        </p:txBody>
-      </p:sp>
-      <p:graphicFrame>
-        <p:nvGraphicFramePr>
-          <p:cNvPr id="11" name="Схема 10"/>
-          <p:cNvGraphicFramePr/>
-          <p:nvPr>
-            <p:extLst>
-              <p:ext uri="{D42A27DB-BD31-4B8C-83A1-F6EECF244321}">
-                <p14:modId xmlns:p14="http://schemas.microsoft.com/office/powerpoint/2010/main" val="1049302373"/>
-              </p:ext>
-            </p:extLst>
-          </p:nvPr>
-        </p:nvGraphicFramePr>
-        <p:xfrm>
-          <a:off x="444815" y="5215459"/>
-          <a:ext cx="11028524" cy="560771"/>
-        </p:xfrm>
-        <a:graphic>
-          <a:graphicData uri="http://schemas.openxmlformats.org/drawingml/2006/diagram">
-            <dgm:relIds xmlns:dgm="http://schemas.openxmlformats.org/drawingml/2006/diagram" xmlns:r="http://schemas.openxmlformats.org/officeDocument/2006/relationships" r:dm="rId2" r:lo="rId3" r:qs="rId4" r:cs="rId5"/>
-          </a:graphicData>
-        </a:graphic>
-      </p:graphicFrame>
-      <p:sp>
-        <p:nvSpPr>
-          <p:cNvPr id="12" name="TextBox 11"/>
-          <p:cNvSpPr txBox="1"/>
-          <p:nvPr/>
-        </p:nvSpPr>
-        <p:spPr>
-          <a:xfrm>
-            <a:off x="4863510" y="6021735"/>
-            <a:ext cx="1421127" cy="338554"/>
-          </a:xfrm>
-          <a:prstGeom prst="rect">
-            <a:avLst/>
-          </a:prstGeom>
-          <a:noFill/>
-        </p:spPr>
-        <p:txBody>
-          <a:bodyPr wrap="square" rtlCol="0">
-            <a:spAutoFit/>
-          </a:bodyPr>
-          <a:lstStyle/>
-          <a:p>
-            <a:r>
-              <a:rPr lang="ru-RU" sz="1600" dirty="0" smtClean="0"/>
-              <a:t>Базель 1</a:t>
-            </a:r>
-            <a:endParaRPr lang="en-US" sz="1600" dirty="0"/>
-          </a:p>
-        </p:txBody>
-      </p:sp>
-      <p:sp>
-        <p:nvSpPr>
-          <p:cNvPr id="38" name="TextBox 37"/>
-          <p:cNvSpPr txBox="1"/>
-          <p:nvPr/>
-        </p:nvSpPr>
-        <p:spPr>
-          <a:xfrm>
-            <a:off x="435105" y="6065379"/>
-            <a:ext cx="3014392" cy="584775"/>
-          </a:xfrm>
-          <a:prstGeom prst="rect">
-            <a:avLst/>
-          </a:prstGeom>
-          <a:noFill/>
-        </p:spPr>
-        <p:txBody>
-          <a:bodyPr wrap="square" rtlCol="0">
-            <a:spAutoFit/>
-          </a:bodyPr>
-          <a:lstStyle/>
-          <a:p>
-            <a:r>
-              <a:rPr lang="ru-RU" sz="1600" dirty="0" smtClean="0"/>
-              <a:t>Создание </a:t>
-            </a:r>
-            <a:r>
-              <a:rPr lang="ru-RU" sz="1600" dirty="0" err="1" smtClean="0"/>
-              <a:t>Базельского</a:t>
-            </a:r>
-            <a:r>
-              <a:rPr lang="ru-RU" sz="1600" dirty="0" smtClean="0"/>
-              <a:t> комитета</a:t>
-            </a:r>
-            <a:endParaRPr lang="en-US" sz="1600" dirty="0"/>
-          </a:p>
-        </p:txBody>
-      </p:sp>
-      <p:sp>
-        <p:nvSpPr>
-          <p:cNvPr id="39" name="TextBox 38"/>
-          <p:cNvSpPr txBox="1"/>
-          <p:nvPr/>
-        </p:nvSpPr>
-        <p:spPr>
-          <a:xfrm>
-            <a:off x="7453006" y="6021735"/>
-            <a:ext cx="1421127" cy="338554"/>
-          </a:xfrm>
-          <a:prstGeom prst="rect">
-            <a:avLst/>
-          </a:prstGeom>
-          <a:noFill/>
-        </p:spPr>
-        <p:txBody>
-          <a:bodyPr wrap="square" rtlCol="0">
-            <a:spAutoFit/>
-          </a:bodyPr>
-          <a:lstStyle/>
-          <a:p>
-            <a:r>
-              <a:rPr lang="ru-RU" sz="1600" dirty="0" smtClean="0"/>
-              <a:t>Базель 2</a:t>
-            </a:r>
-            <a:endParaRPr lang="en-US" sz="1600" dirty="0"/>
-          </a:p>
-        </p:txBody>
-      </p:sp>
-      <p:sp>
-        <p:nvSpPr>
-          <p:cNvPr id="40" name="TextBox 39"/>
-          <p:cNvSpPr txBox="1"/>
-          <p:nvPr/>
-        </p:nvSpPr>
-        <p:spPr>
-          <a:xfrm>
-            <a:off x="10140606" y="6021735"/>
-            <a:ext cx="1421127" cy="338554"/>
-          </a:xfrm>
-          <a:prstGeom prst="rect">
-            <a:avLst/>
-          </a:prstGeom>
-          <a:noFill/>
-        </p:spPr>
-        <p:txBody>
-          <a:bodyPr wrap="square" rtlCol="0">
-            <a:spAutoFit/>
-          </a:bodyPr>
-          <a:lstStyle/>
-          <a:p>
-            <a:r>
-              <a:rPr lang="ru-RU" sz="1600" dirty="0" smtClean="0"/>
-              <a:t>Базель 3</a:t>
-            </a:r>
-            <a:endParaRPr lang="en-US" sz="1600" dirty="0"/>
-          </a:p>
-        </p:txBody>
-      </p:sp>
-      <p:sp>
-        <p:nvSpPr>
-          <p:cNvPr id="41" name="Блок-схема: извлечение 40"/>
-          <p:cNvSpPr/>
-          <p:nvPr/>
-        </p:nvSpPr>
-        <p:spPr>
-          <a:xfrm>
-            <a:off x="1631405" y="5708005"/>
-            <a:ext cx="621792" cy="235596"/>
-          </a:xfrm>
-          <a:prstGeom prst="flowChartExtract">
-            <a:avLst/>
-          </a:prstGeom>
-          <a:solidFill>
-            <a:schemeClr val="accent1">
-              <a:lumMod val="40000"/>
-              <a:lumOff val="60000"/>
-            </a:schemeClr>
-          </a:solidFill>
-          <a:ln>
-            <a:noFill/>
-          </a:ln>
-        </p:spPr>
-        <p:style>
-          <a:lnRef idx="2">
-            <a:schemeClr val="accent1">
-              <a:shade val="50000"/>
-            </a:schemeClr>
-          </a:lnRef>
-          <a:fillRef idx="1">
-            <a:schemeClr val="accent1"/>
-          </a:fillRef>
-          <a:effectRef idx="0">
-            <a:schemeClr val="accent1"/>
-          </a:effectRef>
-          <a:fontRef idx="minor">
-            <a:schemeClr val="lt1"/>
-          </a:fontRef>
-        </p:style>
-        <p:txBody>
-          <a:bodyPr rtlCol="0" anchor="ctr"/>
-          <a:lstStyle/>
-          <a:p>
-            <a:pPr algn="ctr"/>
-            <a:endParaRPr lang="en-US"/>
-          </a:p>
-        </p:txBody>
-      </p:sp>
-      <p:sp>
-        <p:nvSpPr>
-          <p:cNvPr id="42" name="Блок-схема: извлечение 41"/>
-          <p:cNvSpPr/>
-          <p:nvPr/>
-        </p:nvSpPr>
-        <p:spPr>
-          <a:xfrm rot="10800000">
-            <a:off x="1631405" y="5058243"/>
-            <a:ext cx="621792" cy="235596"/>
-          </a:xfrm>
-          <a:prstGeom prst="flowChartExtract">
-            <a:avLst/>
-          </a:prstGeom>
-          <a:solidFill>
-            <a:schemeClr val="accent1">
-              <a:lumMod val="40000"/>
-              <a:lumOff val="60000"/>
-            </a:schemeClr>
-          </a:solidFill>
-          <a:ln>
-            <a:noFill/>
-          </a:ln>
-        </p:spPr>
-        <p:style>
-          <a:lnRef idx="2">
-            <a:schemeClr val="accent1">
-              <a:shade val="50000"/>
-            </a:schemeClr>
-          </a:lnRef>
-          <a:fillRef idx="1">
-            <a:schemeClr val="accent1"/>
-          </a:fillRef>
-          <a:effectRef idx="0">
-            <a:schemeClr val="accent1"/>
-          </a:effectRef>
-          <a:fontRef idx="minor">
-            <a:schemeClr val="lt1"/>
-          </a:fontRef>
-        </p:style>
-        <p:txBody>
-          <a:bodyPr rtlCol="0" anchor="ctr"/>
-          <a:lstStyle/>
-          <a:p>
-            <a:pPr algn="ctr"/>
-            <a:endParaRPr lang="en-US"/>
-          </a:p>
-        </p:txBody>
-      </p:sp>
-      <p:sp>
-        <p:nvSpPr>
-          <p:cNvPr id="43" name="Блок-схема: извлечение 42"/>
-          <p:cNvSpPr/>
-          <p:nvPr/>
-        </p:nvSpPr>
-        <p:spPr>
-          <a:xfrm rot="10800000">
-            <a:off x="3870123" y="5058243"/>
-            <a:ext cx="621792" cy="235596"/>
-          </a:xfrm>
-          <a:prstGeom prst="flowChartExtract">
-            <a:avLst/>
-          </a:prstGeom>
-          <a:solidFill>
-            <a:schemeClr val="accent1">
-              <a:lumMod val="40000"/>
-              <a:lumOff val="60000"/>
-            </a:schemeClr>
-          </a:solidFill>
-          <a:ln>
-            <a:noFill/>
-          </a:ln>
-        </p:spPr>
-        <p:style>
-          <a:lnRef idx="2">
-            <a:schemeClr val="accent1">
-              <a:shade val="50000"/>
-            </a:schemeClr>
-          </a:lnRef>
-          <a:fillRef idx="1">
-            <a:schemeClr val="accent1"/>
-          </a:fillRef>
-          <a:effectRef idx="0">
-            <a:schemeClr val="accent1"/>
-          </a:effectRef>
-          <a:fontRef idx="minor">
-            <a:schemeClr val="lt1"/>
-          </a:fontRef>
-        </p:style>
-        <p:txBody>
-          <a:bodyPr rtlCol="0" anchor="ctr"/>
-          <a:lstStyle/>
-          <a:p>
-            <a:pPr algn="ctr"/>
-            <a:endParaRPr lang="en-US"/>
-          </a:p>
-        </p:txBody>
-      </p:sp>
-      <p:sp>
-        <p:nvSpPr>
-          <p:cNvPr id="44" name="Блок-схема: извлечение 43"/>
-          <p:cNvSpPr/>
-          <p:nvPr/>
-        </p:nvSpPr>
-        <p:spPr>
-          <a:xfrm rot="10800000">
-            <a:off x="6598754" y="5058243"/>
-            <a:ext cx="621792" cy="235596"/>
-          </a:xfrm>
-          <a:prstGeom prst="flowChartExtract">
-            <a:avLst/>
-          </a:prstGeom>
-          <a:solidFill>
-            <a:schemeClr val="accent1">
-              <a:lumMod val="40000"/>
-              <a:lumOff val="60000"/>
-            </a:schemeClr>
-          </a:solidFill>
-          <a:ln>
-            <a:noFill/>
-          </a:ln>
-        </p:spPr>
-        <p:style>
-          <a:lnRef idx="2">
-            <a:schemeClr val="accent1">
-              <a:shade val="50000"/>
-            </a:schemeClr>
-          </a:lnRef>
-          <a:fillRef idx="1">
-            <a:schemeClr val="accent1"/>
-          </a:fillRef>
-          <a:effectRef idx="0">
-            <a:schemeClr val="accent1"/>
-          </a:effectRef>
-          <a:fontRef idx="minor">
-            <a:schemeClr val="lt1"/>
-          </a:fontRef>
-        </p:style>
-        <p:txBody>
-          <a:bodyPr rtlCol="0" anchor="ctr"/>
-          <a:lstStyle/>
-          <a:p>
-            <a:pPr algn="ctr"/>
-            <a:endParaRPr lang="en-US"/>
-          </a:p>
-        </p:txBody>
-      </p:sp>
-      <p:sp>
-        <p:nvSpPr>
-          <p:cNvPr id="45" name="Блок-схема: извлечение 44"/>
-          <p:cNvSpPr/>
-          <p:nvPr/>
-        </p:nvSpPr>
-        <p:spPr>
-          <a:xfrm rot="10800000">
-            <a:off x="9242492" y="5063603"/>
-            <a:ext cx="621792" cy="235596"/>
-          </a:xfrm>
-          <a:prstGeom prst="flowChartExtract">
-            <a:avLst/>
-          </a:prstGeom>
-          <a:solidFill>
-            <a:schemeClr val="accent1">
-              <a:lumMod val="40000"/>
-              <a:lumOff val="60000"/>
-            </a:schemeClr>
-          </a:solidFill>
-          <a:ln>
-            <a:noFill/>
-          </a:ln>
-        </p:spPr>
-        <p:style>
-          <a:lnRef idx="2">
-            <a:schemeClr val="accent1">
-              <a:shade val="50000"/>
-            </a:schemeClr>
-          </a:lnRef>
-          <a:fillRef idx="1">
-            <a:schemeClr val="accent1"/>
-          </a:fillRef>
-          <a:effectRef idx="0">
-            <a:schemeClr val="accent1"/>
-          </a:effectRef>
-          <a:fontRef idx="minor">
-            <a:schemeClr val="lt1"/>
-          </a:fontRef>
-        </p:style>
-        <p:txBody>
-          <a:bodyPr rtlCol="0" anchor="ctr"/>
-          <a:lstStyle/>
-          <a:p>
-            <a:pPr algn="ctr"/>
-            <a:endParaRPr lang="en-US"/>
-          </a:p>
-        </p:txBody>
-      </p:sp>
-      <p:sp>
-        <p:nvSpPr>
-          <p:cNvPr id="46" name="Блок-схема: извлечение 45"/>
-          <p:cNvSpPr/>
-          <p:nvPr/>
-        </p:nvSpPr>
-        <p:spPr>
-          <a:xfrm>
-            <a:off x="5074204" y="5705824"/>
-            <a:ext cx="621792" cy="235596"/>
-          </a:xfrm>
-          <a:prstGeom prst="flowChartExtract">
-            <a:avLst/>
-          </a:prstGeom>
-          <a:solidFill>
-            <a:schemeClr val="accent1">
-              <a:lumMod val="40000"/>
-              <a:lumOff val="60000"/>
-            </a:schemeClr>
-          </a:solidFill>
-          <a:ln>
-            <a:noFill/>
-          </a:ln>
-        </p:spPr>
-        <p:style>
-          <a:lnRef idx="2">
-            <a:schemeClr val="accent1">
-              <a:shade val="50000"/>
-            </a:schemeClr>
-          </a:lnRef>
-          <a:fillRef idx="1">
-            <a:schemeClr val="accent1"/>
-          </a:fillRef>
-          <a:effectRef idx="0">
-            <a:schemeClr val="accent1"/>
-          </a:effectRef>
-          <a:fontRef idx="minor">
-            <a:schemeClr val="lt1"/>
-          </a:fontRef>
-        </p:style>
-        <p:txBody>
-          <a:bodyPr rtlCol="0" anchor="ctr"/>
-          <a:lstStyle/>
-          <a:p>
-            <a:pPr algn="ctr"/>
-            <a:endParaRPr lang="en-US"/>
-          </a:p>
-        </p:txBody>
-      </p:sp>
-      <p:sp>
-        <p:nvSpPr>
-          <p:cNvPr id="47" name="Блок-схема: извлечение 46"/>
-          <p:cNvSpPr/>
-          <p:nvPr/>
-        </p:nvSpPr>
-        <p:spPr>
-          <a:xfrm>
-            <a:off x="7732060" y="5705824"/>
-            <a:ext cx="621792" cy="235596"/>
-          </a:xfrm>
-          <a:prstGeom prst="flowChartExtract">
-            <a:avLst/>
-          </a:prstGeom>
-          <a:solidFill>
-            <a:schemeClr val="accent1">
-              <a:lumMod val="40000"/>
-              <a:lumOff val="60000"/>
-            </a:schemeClr>
-          </a:solidFill>
-          <a:ln>
-            <a:noFill/>
-          </a:ln>
-        </p:spPr>
-        <p:style>
-          <a:lnRef idx="2">
-            <a:schemeClr val="accent1">
-              <a:shade val="50000"/>
-            </a:schemeClr>
-          </a:lnRef>
-          <a:fillRef idx="1">
-            <a:schemeClr val="accent1"/>
-          </a:fillRef>
-          <a:effectRef idx="0">
-            <a:schemeClr val="accent1"/>
-          </a:effectRef>
-          <a:fontRef idx="minor">
-            <a:schemeClr val="lt1"/>
-          </a:fontRef>
-        </p:style>
-        <p:txBody>
-          <a:bodyPr rtlCol="0" anchor="ctr"/>
-          <a:lstStyle/>
-          <a:p>
-            <a:pPr algn="ctr"/>
-            <a:endParaRPr lang="en-US"/>
-          </a:p>
-        </p:txBody>
-      </p:sp>
-      <p:sp>
-        <p:nvSpPr>
-          <p:cNvPr id="48" name="Блок-схема: извлечение 47"/>
-          <p:cNvSpPr/>
-          <p:nvPr/>
-        </p:nvSpPr>
-        <p:spPr>
-          <a:xfrm>
-            <a:off x="10427635" y="5705824"/>
-            <a:ext cx="621792" cy="235596"/>
-          </a:xfrm>
-          <a:prstGeom prst="flowChartExtract">
-            <a:avLst/>
-          </a:prstGeom>
-          <a:solidFill>
-            <a:schemeClr val="accent1">
-              <a:lumMod val="40000"/>
-              <a:lumOff val="60000"/>
-            </a:schemeClr>
-          </a:solidFill>
-          <a:ln>
-            <a:noFill/>
-          </a:ln>
-        </p:spPr>
-        <p:style>
-          <a:lnRef idx="2">
-            <a:schemeClr val="accent1">
-              <a:shade val="50000"/>
-            </a:schemeClr>
-          </a:lnRef>
-          <a:fillRef idx="1">
-            <a:schemeClr val="accent1"/>
-          </a:fillRef>
-          <a:effectRef idx="0">
-            <a:schemeClr val="accent1"/>
-          </a:effectRef>
-          <a:fontRef idx="minor">
-            <a:schemeClr val="lt1"/>
-          </a:fontRef>
-        </p:style>
-        <p:txBody>
-          <a:bodyPr rtlCol="0" anchor="ctr"/>
-          <a:lstStyle/>
-          <a:p>
-            <a:pPr algn="ctr"/>
-            <a:endParaRPr lang="en-US"/>
-          </a:p>
-        </p:txBody>
-      </p:sp>
-      <p:sp>
-        <p:nvSpPr>
-          <p:cNvPr id="49" name="TextBox 48"/>
-          <p:cNvSpPr txBox="1"/>
-          <p:nvPr/>
-        </p:nvSpPr>
-        <p:spPr>
-          <a:xfrm>
-            <a:off x="457166" y="3942461"/>
-            <a:ext cx="2637279" cy="1077218"/>
-          </a:xfrm>
-          <a:prstGeom prst="rect">
-            <a:avLst/>
-          </a:prstGeom>
-          <a:noFill/>
-        </p:spPr>
-        <p:txBody>
-          <a:bodyPr wrap="square" rtlCol="0">
-            <a:spAutoFit/>
-          </a:bodyPr>
-          <a:lstStyle/>
-          <a:p>
-            <a:r>
-              <a:rPr lang="ru-RU" sz="1600" dirty="0" smtClean="0"/>
-              <a:t>Валютный кризис вследствие краха </a:t>
-            </a:r>
-            <a:r>
-              <a:rPr lang="ru-RU" sz="1600" dirty="0" err="1" smtClean="0"/>
-              <a:t>Бреттон-Вудской</a:t>
-            </a:r>
-            <a:r>
-              <a:rPr lang="ru-RU" sz="1600" dirty="0" smtClean="0"/>
-              <a:t> системы</a:t>
-            </a:r>
-            <a:endParaRPr lang="en-US" sz="1600" dirty="0"/>
-          </a:p>
-        </p:txBody>
-      </p:sp>
-      <p:sp>
-        <p:nvSpPr>
-          <p:cNvPr id="50" name="TextBox 49"/>
-          <p:cNvSpPr txBox="1"/>
-          <p:nvPr/>
-        </p:nvSpPr>
-        <p:spPr>
-          <a:xfrm>
-            <a:off x="2962347" y="3920876"/>
-            <a:ext cx="3014392" cy="1077218"/>
-          </a:xfrm>
-          <a:prstGeom prst="rect">
-            <a:avLst/>
-          </a:prstGeom>
-          <a:noFill/>
-        </p:spPr>
-        <p:txBody>
-          <a:bodyPr wrap="square" rtlCol="0">
-            <a:spAutoFit/>
-          </a:bodyPr>
-          <a:lstStyle/>
-          <a:p>
-            <a:r>
-              <a:rPr lang="ru-RU" sz="1600" dirty="0" smtClean="0"/>
-              <a:t>Долговой кризис в Латинской Америке, политика по сдерживанию инфляции в США</a:t>
-            </a:r>
-            <a:endParaRPr lang="en-US" sz="1600" dirty="0"/>
-          </a:p>
-        </p:txBody>
-      </p:sp>
-      <p:sp>
-        <p:nvSpPr>
-          <p:cNvPr id="51" name="TextBox 50"/>
-          <p:cNvSpPr txBox="1"/>
-          <p:nvPr/>
-        </p:nvSpPr>
-        <p:spPr>
-          <a:xfrm>
-            <a:off x="6284593" y="4411191"/>
-            <a:ext cx="2596501" cy="584775"/>
-          </a:xfrm>
-          <a:prstGeom prst="rect">
-            <a:avLst/>
-          </a:prstGeom>
-          <a:noFill/>
-        </p:spPr>
-        <p:txBody>
-          <a:bodyPr wrap="square" rtlCol="0">
-            <a:spAutoFit/>
-          </a:bodyPr>
-          <a:lstStyle/>
-          <a:p>
-            <a:r>
-              <a:rPr lang="ru-RU" sz="1600" dirty="0" smtClean="0"/>
-              <a:t>Азиатский кризис и кризис в России</a:t>
-            </a:r>
-            <a:endParaRPr lang="en-US" sz="1600" dirty="0"/>
-          </a:p>
-        </p:txBody>
-      </p:sp>
-      <p:sp>
-        <p:nvSpPr>
-          <p:cNvPr id="52" name="TextBox 51"/>
-          <p:cNvSpPr txBox="1"/>
-          <p:nvPr/>
-        </p:nvSpPr>
-        <p:spPr>
-          <a:xfrm>
-            <a:off x="8881094" y="4411190"/>
-            <a:ext cx="2621674" cy="584775"/>
-          </a:xfrm>
-          <a:prstGeom prst="rect">
-            <a:avLst/>
-          </a:prstGeom>
-          <a:noFill/>
-        </p:spPr>
-        <p:txBody>
-          <a:bodyPr wrap="square" rtlCol="0">
-            <a:spAutoFit/>
-          </a:bodyPr>
-          <a:lstStyle/>
-          <a:p>
-            <a:r>
-              <a:rPr lang="ru-RU" sz="1600" dirty="0" smtClean="0"/>
-              <a:t>Мировой финансовый кризис</a:t>
-            </a:r>
-            <a:endParaRPr lang="en-US" sz="1600" dirty="0"/>
-          </a:p>
-        </p:txBody>
-      </p:sp>
-    </p:spTree>
-    <p:extLst>
-      <p:ext uri="{BB962C8B-B14F-4D97-AF65-F5344CB8AC3E}">
-        <p14:creationId xmlns:p14="http://schemas.microsoft.com/office/powerpoint/2010/main" val="1952895734"/>
-      </p:ext>
-    </p:extLst>
-  </p:cSld>
-  <p:clrMapOvr>
-    <a:masterClrMapping/>
-  </p:clrMapOvr>
-  <p:timing>
-    <p:tnLst>
-      <p:par>
-        <p:cTn id="1" dur="indefinite" restart="never" nodeType="tmRoot"/>
-      </p:par>
-    </p:tnLst>
-  </p:timing>
-</p:sld>
-</file>
-
-<file path=ppt/slides/slide20.xml><?xml version="1.0" encoding="utf-8"?>
-<p:sld xmlns:a="http://schemas.openxmlformats.org/drawingml/2006/main" xmlns:r="http://schemas.openxmlformats.org/officeDocument/2006/relationships" xmlns:p="http://schemas.openxmlformats.org/presentationml/2006/main">
-  <p:cSld>
-    <p:spTree>
-      <p:nvGrpSpPr>
-        <p:cNvPr id="1" name=""/>
-        <p:cNvGrpSpPr/>
-        <p:nvPr/>
-      </p:nvGrpSpPr>
-      <p:grpSpPr>
-        <a:xfrm>
-          <a:off x="0" y="0"/>
-          <a:ext cx="0" cy="0"/>
-          <a:chOff x="0" y="0"/>
-          <a:chExt cx="0" cy="0"/>
-        </a:xfrm>
-      </p:grpSpPr>
-      <p:sp>
-        <p:nvSpPr>
-          <p:cNvPr id="4" name="TextBox 3">
-            <a:extLst>
-              <a:ext uri="{FF2B5EF4-FFF2-40B4-BE49-F238E27FC236}">
-                <a16:creationId xmlns:a16="http://schemas.microsoft.com/office/drawing/2014/main" id="{CE39199E-8B1C-CB78-B8E3-32113A33FB9A}"/>
-              </a:ext>
-            </a:extLst>
-          </p:cNvPr>
-          <p:cNvSpPr txBox="1"/>
-          <p:nvPr/>
-        </p:nvSpPr>
-        <p:spPr>
-          <a:xfrm>
-            <a:off x="304800" y="306969"/>
-            <a:ext cx="11426952" cy="547842"/>
-          </a:xfrm>
-          <a:prstGeom prst="rect">
-            <a:avLst/>
-          </a:prstGeom>
-          <a:noFill/>
-        </p:spPr>
-        <p:txBody>
-          <a:bodyPr wrap="square" rtlCol="0">
-            <a:spAutoFit/>
-          </a:bodyPr>
-          <a:lstStyle/>
-          <a:p>
-            <a:pPr>
-              <a:lnSpc>
-                <a:spcPct val="90000"/>
-              </a:lnSpc>
-              <a:spcBef>
-                <a:spcPct val="0"/>
-              </a:spcBef>
-            </a:pPr>
-            <a:r>
-              <a:rPr lang="ru-RU" sz="3200" dirty="0" smtClean="0"/>
-              <a:t>Выводы</a:t>
-            </a:r>
-            <a:r>
-              <a:rPr lang="ru-RU" sz="3200" dirty="0"/>
-              <a:t> </a:t>
-            </a:r>
-            <a:r>
-              <a:rPr lang="ru-RU" sz="3200" dirty="0" smtClean="0"/>
-              <a:t>и результаты</a:t>
-            </a:r>
-            <a:endParaRPr lang="ru-RU" sz="3200" dirty="0">
-              <a:latin typeface="+mj-lt"/>
-              <a:ea typeface="+mj-ea"/>
-              <a:cs typeface="+mj-cs"/>
-            </a:endParaRPr>
-          </a:p>
-        </p:txBody>
-      </p:sp>
-      <p:sp>
-        <p:nvSpPr>
-          <p:cNvPr id="2" name="TextBox 1"/>
-          <p:cNvSpPr txBox="1"/>
-          <p:nvPr/>
-        </p:nvSpPr>
-        <p:spPr>
-          <a:xfrm>
-            <a:off x="304799" y="1560945"/>
-            <a:ext cx="11259127" cy="2585323"/>
-          </a:xfrm>
-          <a:prstGeom prst="rect">
-            <a:avLst/>
-          </a:prstGeom>
-          <a:noFill/>
-        </p:spPr>
-        <p:txBody>
-          <a:bodyPr wrap="square" rtlCol="0">
-            <a:spAutoFit/>
-          </a:bodyPr>
-          <a:lstStyle/>
-          <a:p>
-            <a:pPr marL="285750" indent="-285750">
-              <a:buFont typeface="Arial" panose="020B0604020202020204" pitchFamily="34" charset="0"/>
-              <a:buChar char="•"/>
-            </a:pPr>
-            <a:r>
-              <a:rPr lang="ru-RU" dirty="0" smtClean="0"/>
-              <a:t>Составлен кредитный портфель из российских акций</a:t>
-            </a:r>
-          </a:p>
-          <a:p>
-            <a:pPr marL="285750" indent="-285750">
-              <a:buFont typeface="Arial" panose="020B0604020202020204" pitchFamily="34" charset="0"/>
-              <a:buChar char="•"/>
-            </a:pPr>
-            <a:r>
-              <a:rPr lang="ru-RU" dirty="0" smtClean="0"/>
-              <a:t>Рассчитаны вероятности дефолта каждой из компаний</a:t>
-            </a:r>
-          </a:p>
-          <a:p>
-            <a:pPr marL="285750" indent="-285750">
-              <a:buFont typeface="Arial" panose="020B0604020202020204" pitchFamily="34" charset="0"/>
-              <a:buChar char="•"/>
-            </a:pPr>
-            <a:r>
-              <a:rPr lang="ru-RU" dirty="0" smtClean="0"/>
-              <a:t>Проанализировано влияние инфляции и процентной ставки на кредитный риск портфеля.</a:t>
-            </a:r>
-          </a:p>
-          <a:p>
-            <a:pPr marL="285750" indent="-285750">
-              <a:buFont typeface="Arial" panose="020B0604020202020204" pitchFamily="34" charset="0"/>
-              <a:buChar char="•"/>
-            </a:pPr>
-            <a:endParaRPr lang="ru-RU" dirty="0"/>
-          </a:p>
-          <a:p>
-            <a:pPr marL="285750" indent="-285750">
-              <a:buFont typeface="Arial" panose="020B0604020202020204" pitchFamily="34" charset="0"/>
-              <a:buChar char="•"/>
-            </a:pPr>
-            <a:r>
-              <a:rPr lang="ru-RU" dirty="0" smtClean="0"/>
-              <a:t>При текущем подходе не было установлено, что инфляция и процентная ставка оказывают статистически значимое влияние на кредитный портфель в целом. Далее предполагается рассматривать влияние этих и других факторов (безработицы и валютных пар) на каждый сектор в отдельности.</a:t>
-            </a:r>
-            <a:endParaRPr lang="en-US" dirty="0" smtClean="0"/>
-          </a:p>
-        </p:txBody>
-      </p:sp>
-    </p:spTree>
-    <p:extLst>
-      <p:ext uri="{BB962C8B-B14F-4D97-AF65-F5344CB8AC3E}">
-        <p14:creationId xmlns:p14="http://schemas.microsoft.com/office/powerpoint/2010/main" val="3907144356"/>
-      </p:ext>
-    </p:extLst>
-  </p:cSld>
-  <p:clrMapOvr>
-    <a:masterClrMapping/>
-  </p:clrMapOvr>
-  <p:timing>
-    <p:tnLst>
-      <p:par>
-        <p:cTn id="1" dur="indefinite" restart="never" nodeType="tmRoot"/>
-      </p:par>
-    </p:tnLst>
-  </p:timing>
 </p:sld>
 </file>
 
@@ -20546,12 +22174,6 @@
               </a:rPr>
               <a:t>Логистическая регрессия</a:t>
             </a:r>
-            <a:endParaRPr lang="ru-RU" b="1" dirty="0">
-              <a:solidFill>
-                <a:srgbClr val="0000FF"/>
-              </a:solidFill>
-              <a:latin typeface="TimesNewRomanPS-BoldMT"/>
-            </a:endParaRPr>
           </a:p>
         </p:txBody>
       </p:sp>
@@ -20815,21 +22437,8 @@
                   <a:srgbClr val="C00000"/>
                 </a:solidFill>
               </a:rPr>
-              <a:t>1. Линейная </a:t>
-            </a:r>
-            <a:r>
-              <a:rPr lang="ru-RU" dirty="0">
-                <a:solidFill>
-                  <a:srgbClr val="C00000"/>
-                </a:solidFill>
-              </a:rPr>
-              <a:t>зависимость</a:t>
-            </a:r>
-            <a:endParaRPr lang="ru-RU" dirty="0">
-              <a:solidFill>
-                <a:srgbClr val="C00000"/>
-              </a:solidFill>
-            </a:endParaRPr>
+              <a:t>1. Линейная зависимость</a:t>
+            </a:r>
           </a:p>
           <a:p>
             <a:r>
@@ -21076,11 +22685,6 @@
               </a:rPr>
               <a:t>1. Интерпретируемость</a:t>
             </a:r>
-            <a:endParaRPr lang="ru-RU" dirty="0">
-              <a:solidFill>
-                <a:srgbClr val="00B050"/>
-              </a:solidFill>
-            </a:endParaRPr>
           </a:p>
           <a:p>
             <a:r>
@@ -21089,72 +22693,27 @@
                   <a:srgbClr val="00B050"/>
                 </a:solidFill>
               </a:rPr>
-              <a:t>2. Не </a:t>
-            </a:r>
+              <a:t>2. Не требует нормализации данных</a:t>
+            </a:r>
+          </a:p>
+          <a:p>
             <a:r>
               <a:rPr lang="ru-RU" dirty="0">
                 <a:solidFill>
                   <a:srgbClr val="00B050"/>
                 </a:solidFill>
               </a:rPr>
-              <a:t>требует нормализации </a:t>
-            </a:r>
+              <a:t>3. Обработка как числовых, так и категориальных данных</a:t>
+            </a:r>
+          </a:p>
+          <a:p>
             <a:r>
               <a:rPr lang="ru-RU" dirty="0">
                 <a:solidFill>
                   <a:srgbClr val="00B050"/>
                 </a:solidFill>
               </a:rPr>
-              <a:t>данных</a:t>
-            </a:r>
-            <a:endParaRPr lang="ru-RU" dirty="0">
-              <a:solidFill>
-                <a:srgbClr val="00B050"/>
-              </a:solidFill>
-            </a:endParaRPr>
-          </a:p>
-          <a:p>
-            <a:r>
-              <a:rPr lang="ru-RU" dirty="0">
-                <a:solidFill>
-                  <a:srgbClr val="00B050"/>
-                </a:solidFill>
-              </a:rPr>
-              <a:t>3. Обработка </a:t>
-            </a:r>
-            <a:r>
-              <a:rPr lang="ru-RU" dirty="0">
-                <a:solidFill>
-                  <a:srgbClr val="00B050"/>
-                </a:solidFill>
-              </a:rPr>
-              <a:t>как числовых, так и категориальных </a:t>
-            </a:r>
-            <a:r>
-              <a:rPr lang="ru-RU" dirty="0">
-                <a:solidFill>
-                  <a:srgbClr val="00B050"/>
-                </a:solidFill>
-              </a:rPr>
-              <a:t>данных</a:t>
-            </a:r>
-          </a:p>
-          <a:p>
-            <a:r>
-              <a:rPr lang="ru-RU" dirty="0">
-                <a:solidFill>
-                  <a:srgbClr val="00B050"/>
-                </a:solidFill>
-              </a:rPr>
-              <a:t>4. Способность </a:t>
-            </a:r>
-            <a:r>
-              <a:rPr lang="ru-RU" dirty="0">
-                <a:solidFill>
-                  <a:srgbClr val="00B050"/>
-                </a:solidFill>
-              </a:rPr>
-              <a:t>выявлять взаимодействия</a:t>
+              <a:t>4. Способность выявлять взаимодействия</a:t>
             </a:r>
           </a:p>
           <a:p>
@@ -21173,11 +22732,6 @@
               </a:rPr>
               <a:t>1. Переобучение</a:t>
             </a:r>
-            <a:endParaRPr lang="ru-RU" dirty="0">
-              <a:solidFill>
-                <a:srgbClr val="C00000"/>
-              </a:solidFill>
-            </a:endParaRPr>
           </a:p>
           <a:p>
             <a:r>
@@ -21186,29 +22740,8 @@
                   <a:srgbClr val="C00000"/>
                 </a:solidFill>
               </a:rPr>
-              <a:t>2. Чувствительность </a:t>
-            </a:r>
-            <a:r>
-              <a:rPr lang="ru-RU" dirty="0">
-                <a:solidFill>
-                  <a:srgbClr val="C00000"/>
-                </a:solidFill>
-              </a:rPr>
-              <a:t>к изменениям в </a:t>
-            </a:r>
-            <a:r>
-              <a:rPr lang="ru-RU" dirty="0">
-                <a:solidFill>
-                  <a:srgbClr val="C00000"/>
-                </a:solidFill>
-              </a:rPr>
-              <a:t>данных</a:t>
-            </a:r>
-            <a:endParaRPr lang="ru-RU" dirty="0">
-              <a:solidFill>
-                <a:srgbClr val="C00000"/>
-              </a:solidFill>
-            </a:endParaRPr>
+              <a:t>2. Чувствительность к изменениям в данных</a:t>
+            </a:r>
           </a:p>
         </p:txBody>
       </p:sp>
